--- a/presentations/Checkpoint 1.pptx
+++ b/presentations/Checkpoint 1.pptx
@@ -6,6 +6,14 @@
   </p:sldMasterIdLst>
   <p:sldIdLst>
     <p:sldId id="256" r:id="rId2"/>
+    <p:sldId id="265" r:id="rId3"/>
+    <p:sldId id="258" r:id="rId4"/>
+    <p:sldId id="259" r:id="rId5"/>
+    <p:sldId id="260" r:id="rId6"/>
+    <p:sldId id="261" r:id="rId7"/>
+    <p:sldId id="262" r:id="rId8"/>
+    <p:sldId id="263" r:id="rId9"/>
+    <p:sldId id="264" r:id="rId10"/>
   </p:sldIdLst>
   <p:sldSz cx="12192000" cy="6858000"/>
   <p:notesSz cx="6858000" cy="9144000"/>
@@ -104,7 +112,2526 @@
       </a:defRPr>
     </a:lvl9pPr>
   </p:defaultTextStyle>
+  <p:extLst>
+    <p:ext uri="{EFAFB233-063F-42B5-8137-9DF3F51BA10A}">
+      <p15:sldGuideLst xmlns:p15="http://schemas.microsoft.com/office/powerpoint/2012/main"/>
+    </p:ext>
+  </p:extLst>
 </p:presentation>
+</file>
+
+<file path=ppt/diagrams/colors1.xml><?xml version="1.0" encoding="utf-8"?>
+<dgm:colorsDef xmlns:dgm="http://schemas.openxmlformats.org/drawingml/2006/diagram" xmlns:a="http://schemas.openxmlformats.org/drawingml/2006/main" uniqueId="urn:microsoft.com/office/officeart/2005/8/colors/accent1_2">
+  <dgm:title val=""/>
+  <dgm:desc val=""/>
+  <dgm:catLst>
+    <dgm:cat type="accent1" pri="11200"/>
+  </dgm:catLst>
+  <dgm:styleLbl name="node0">
+    <dgm:fillClrLst meth="repeat">
+      <a:schemeClr val="accent1"/>
+    </dgm:fillClrLst>
+    <dgm:linClrLst meth="repeat">
+      <a:schemeClr val="lt1"/>
+    </dgm:linClrLst>
+    <dgm:effectClrLst/>
+    <dgm:txLinClrLst/>
+    <dgm:txFillClrLst/>
+    <dgm:txEffectClrLst/>
+  </dgm:styleLbl>
+  <dgm:styleLbl name="alignNode1">
+    <dgm:fillClrLst meth="repeat">
+      <a:schemeClr val="accent1"/>
+    </dgm:fillClrLst>
+    <dgm:linClrLst meth="repeat">
+      <a:schemeClr val="accent1"/>
+    </dgm:linClrLst>
+    <dgm:effectClrLst/>
+    <dgm:txLinClrLst/>
+    <dgm:txFillClrLst/>
+    <dgm:txEffectClrLst/>
+  </dgm:styleLbl>
+  <dgm:styleLbl name="node1">
+    <dgm:fillClrLst meth="repeat">
+      <a:schemeClr val="accent1"/>
+    </dgm:fillClrLst>
+    <dgm:linClrLst meth="repeat">
+      <a:schemeClr val="lt1"/>
+    </dgm:linClrLst>
+    <dgm:effectClrLst/>
+    <dgm:txLinClrLst/>
+    <dgm:txFillClrLst/>
+    <dgm:txEffectClrLst/>
+  </dgm:styleLbl>
+  <dgm:styleLbl name="lnNode1">
+    <dgm:fillClrLst meth="repeat">
+      <a:schemeClr val="accent1"/>
+    </dgm:fillClrLst>
+    <dgm:linClrLst meth="repeat">
+      <a:schemeClr val="lt1"/>
+    </dgm:linClrLst>
+    <dgm:effectClrLst/>
+    <dgm:txLinClrLst/>
+    <dgm:txFillClrLst/>
+    <dgm:txEffectClrLst/>
+  </dgm:styleLbl>
+  <dgm:styleLbl name="vennNode1">
+    <dgm:fillClrLst meth="repeat">
+      <a:schemeClr val="accent1">
+        <a:alpha val="50000"/>
+      </a:schemeClr>
+    </dgm:fillClrLst>
+    <dgm:linClrLst meth="repeat">
+      <a:schemeClr val="lt1"/>
+    </dgm:linClrLst>
+    <dgm:effectClrLst/>
+    <dgm:txLinClrLst/>
+    <dgm:txFillClrLst/>
+    <dgm:txEffectClrLst/>
+  </dgm:styleLbl>
+  <dgm:styleLbl name="node2">
+    <dgm:fillClrLst meth="repeat">
+      <a:schemeClr val="accent1"/>
+    </dgm:fillClrLst>
+    <dgm:linClrLst meth="repeat">
+      <a:schemeClr val="lt1"/>
+    </dgm:linClrLst>
+    <dgm:effectClrLst/>
+    <dgm:txLinClrLst/>
+    <dgm:txFillClrLst/>
+    <dgm:txEffectClrLst/>
+  </dgm:styleLbl>
+  <dgm:styleLbl name="node3">
+    <dgm:fillClrLst meth="repeat">
+      <a:schemeClr val="accent1"/>
+    </dgm:fillClrLst>
+    <dgm:linClrLst meth="repeat">
+      <a:schemeClr val="lt1"/>
+    </dgm:linClrLst>
+    <dgm:effectClrLst/>
+    <dgm:txLinClrLst/>
+    <dgm:txFillClrLst/>
+    <dgm:txEffectClrLst/>
+  </dgm:styleLbl>
+  <dgm:styleLbl name="node4">
+    <dgm:fillClrLst meth="repeat">
+      <a:schemeClr val="accent1"/>
+    </dgm:fillClrLst>
+    <dgm:linClrLst meth="repeat">
+      <a:schemeClr val="lt1"/>
+    </dgm:linClrLst>
+    <dgm:effectClrLst/>
+    <dgm:txLinClrLst/>
+    <dgm:txFillClrLst/>
+    <dgm:txEffectClrLst/>
+  </dgm:styleLbl>
+  <dgm:styleLbl name="fgImgPlace1">
+    <dgm:fillClrLst meth="repeat">
+      <a:schemeClr val="accent1">
+        <a:tint val="50000"/>
+      </a:schemeClr>
+    </dgm:fillClrLst>
+    <dgm:linClrLst meth="repeat">
+      <a:schemeClr val="lt1"/>
+    </dgm:linClrLst>
+    <dgm:effectClrLst/>
+    <dgm:txLinClrLst/>
+    <dgm:txFillClrLst meth="repeat">
+      <a:schemeClr val="lt1"/>
+    </dgm:txFillClrLst>
+    <dgm:txEffectClrLst/>
+  </dgm:styleLbl>
+  <dgm:styleLbl name="alignImgPlace1">
+    <dgm:fillClrLst meth="repeat">
+      <a:schemeClr val="accent1">
+        <a:tint val="50000"/>
+      </a:schemeClr>
+    </dgm:fillClrLst>
+    <dgm:linClrLst meth="repeat">
+      <a:schemeClr val="lt1"/>
+    </dgm:linClrLst>
+    <dgm:effectClrLst/>
+    <dgm:txLinClrLst/>
+    <dgm:txFillClrLst meth="repeat">
+      <a:schemeClr val="lt1"/>
+    </dgm:txFillClrLst>
+    <dgm:txEffectClrLst/>
+  </dgm:styleLbl>
+  <dgm:styleLbl name="bgImgPlace1">
+    <dgm:fillClrLst meth="repeat">
+      <a:schemeClr val="accent1">
+        <a:tint val="50000"/>
+      </a:schemeClr>
+    </dgm:fillClrLst>
+    <dgm:linClrLst meth="repeat">
+      <a:schemeClr val="lt1"/>
+    </dgm:linClrLst>
+    <dgm:effectClrLst/>
+    <dgm:txLinClrLst/>
+    <dgm:txFillClrLst meth="repeat">
+      <a:schemeClr val="lt1"/>
+    </dgm:txFillClrLst>
+    <dgm:txEffectClrLst/>
+  </dgm:styleLbl>
+  <dgm:styleLbl name="sibTrans2D1">
+    <dgm:fillClrLst meth="repeat">
+      <a:schemeClr val="accent1">
+        <a:tint val="60000"/>
+      </a:schemeClr>
+    </dgm:fillClrLst>
+    <dgm:linClrLst meth="repeat">
+      <a:schemeClr val="accent1">
+        <a:tint val="60000"/>
+      </a:schemeClr>
+    </dgm:linClrLst>
+    <dgm:effectClrLst/>
+    <dgm:txLinClrLst/>
+    <dgm:txFillClrLst/>
+    <dgm:txEffectClrLst/>
+  </dgm:styleLbl>
+  <dgm:styleLbl name="fgSibTrans2D1">
+    <dgm:fillClrLst meth="repeat">
+      <a:schemeClr val="accent1">
+        <a:tint val="60000"/>
+      </a:schemeClr>
+    </dgm:fillClrLst>
+    <dgm:linClrLst meth="repeat">
+      <a:schemeClr val="accent1">
+        <a:tint val="60000"/>
+      </a:schemeClr>
+    </dgm:linClrLst>
+    <dgm:effectClrLst/>
+    <dgm:txLinClrLst/>
+    <dgm:txFillClrLst/>
+    <dgm:txEffectClrLst/>
+  </dgm:styleLbl>
+  <dgm:styleLbl name="bgSibTrans2D1">
+    <dgm:fillClrLst meth="repeat">
+      <a:schemeClr val="accent1">
+        <a:tint val="60000"/>
+      </a:schemeClr>
+    </dgm:fillClrLst>
+    <dgm:linClrLst meth="repeat">
+      <a:schemeClr val="accent1">
+        <a:tint val="60000"/>
+      </a:schemeClr>
+    </dgm:linClrLst>
+    <dgm:effectClrLst/>
+    <dgm:txLinClrLst/>
+    <dgm:txFillClrLst/>
+    <dgm:txEffectClrLst/>
+  </dgm:styleLbl>
+  <dgm:styleLbl name="sibTrans1D1">
+    <dgm:fillClrLst meth="repeat">
+      <a:schemeClr val="accent1"/>
+    </dgm:fillClrLst>
+    <dgm:linClrLst meth="repeat">
+      <a:schemeClr val="accent1"/>
+    </dgm:linClrLst>
+    <dgm:effectClrLst/>
+    <dgm:txLinClrLst/>
+    <dgm:txFillClrLst meth="repeat">
+      <a:schemeClr val="tx1"/>
+    </dgm:txFillClrLst>
+    <dgm:txEffectClrLst/>
+  </dgm:styleLbl>
+  <dgm:styleLbl name="callout">
+    <dgm:fillClrLst meth="repeat">
+      <a:schemeClr val="accent1"/>
+    </dgm:fillClrLst>
+    <dgm:linClrLst meth="repeat">
+      <a:schemeClr val="accent1">
+        <a:tint val="50000"/>
+      </a:schemeClr>
+    </dgm:linClrLst>
+    <dgm:effectClrLst/>
+    <dgm:txLinClrLst/>
+    <dgm:txFillClrLst meth="repeat">
+      <a:schemeClr val="tx1"/>
+    </dgm:txFillClrLst>
+    <dgm:txEffectClrLst/>
+  </dgm:styleLbl>
+  <dgm:styleLbl name="asst0">
+    <dgm:fillClrLst meth="repeat">
+      <a:schemeClr val="accent1"/>
+    </dgm:fillClrLst>
+    <dgm:linClrLst meth="repeat">
+      <a:schemeClr val="lt1"/>
+    </dgm:linClrLst>
+    <dgm:effectClrLst/>
+    <dgm:txLinClrLst/>
+    <dgm:txFillClrLst/>
+    <dgm:txEffectClrLst/>
+  </dgm:styleLbl>
+  <dgm:styleLbl name="asst1">
+    <dgm:fillClrLst meth="repeat">
+      <a:schemeClr val="accent1"/>
+    </dgm:fillClrLst>
+    <dgm:linClrLst meth="repeat">
+      <a:schemeClr val="lt1"/>
+    </dgm:linClrLst>
+    <dgm:effectClrLst/>
+    <dgm:txLinClrLst/>
+    <dgm:txFillClrLst/>
+    <dgm:txEffectClrLst/>
+  </dgm:styleLbl>
+  <dgm:styleLbl name="asst2">
+    <dgm:fillClrLst meth="repeat">
+      <a:schemeClr val="accent1"/>
+    </dgm:fillClrLst>
+    <dgm:linClrLst meth="repeat">
+      <a:schemeClr val="lt1"/>
+    </dgm:linClrLst>
+    <dgm:effectClrLst/>
+    <dgm:txLinClrLst/>
+    <dgm:txFillClrLst/>
+    <dgm:txEffectClrLst/>
+  </dgm:styleLbl>
+  <dgm:styleLbl name="asst3">
+    <dgm:fillClrLst meth="repeat">
+      <a:schemeClr val="accent1"/>
+    </dgm:fillClrLst>
+    <dgm:linClrLst meth="repeat">
+      <a:schemeClr val="lt1"/>
+    </dgm:linClrLst>
+    <dgm:effectClrLst/>
+    <dgm:txLinClrLst/>
+    <dgm:txFillClrLst/>
+    <dgm:txEffectClrLst/>
+  </dgm:styleLbl>
+  <dgm:styleLbl name="asst4">
+    <dgm:fillClrLst meth="repeat">
+      <a:schemeClr val="accent1"/>
+    </dgm:fillClrLst>
+    <dgm:linClrLst meth="repeat">
+      <a:schemeClr val="lt1"/>
+    </dgm:linClrLst>
+    <dgm:effectClrLst/>
+    <dgm:txLinClrLst/>
+    <dgm:txFillClrLst/>
+    <dgm:txEffectClrLst/>
+  </dgm:styleLbl>
+  <dgm:styleLbl name="parChTrans2D1">
+    <dgm:fillClrLst meth="repeat">
+      <a:schemeClr val="accent1">
+        <a:tint val="60000"/>
+      </a:schemeClr>
+    </dgm:fillClrLst>
+    <dgm:linClrLst meth="repeat">
+      <a:schemeClr val="accent1">
+        <a:tint val="60000"/>
+      </a:schemeClr>
+    </dgm:linClrLst>
+    <dgm:effectClrLst/>
+    <dgm:txLinClrLst/>
+    <dgm:txFillClrLst meth="repeat">
+      <a:schemeClr val="lt1"/>
+    </dgm:txFillClrLst>
+    <dgm:txEffectClrLst/>
+  </dgm:styleLbl>
+  <dgm:styleLbl name="parChTrans2D2">
+    <dgm:fillClrLst meth="repeat">
+      <a:schemeClr val="accent1"/>
+    </dgm:fillClrLst>
+    <dgm:linClrLst meth="repeat">
+      <a:schemeClr val="accent1"/>
+    </dgm:linClrLst>
+    <dgm:effectClrLst/>
+    <dgm:txLinClrLst/>
+    <dgm:txFillClrLst meth="repeat">
+      <a:schemeClr val="lt1"/>
+    </dgm:txFillClrLst>
+    <dgm:txEffectClrLst/>
+  </dgm:styleLbl>
+  <dgm:styleLbl name="parChTrans2D3">
+    <dgm:fillClrLst meth="repeat">
+      <a:schemeClr val="accent1"/>
+    </dgm:fillClrLst>
+    <dgm:linClrLst meth="repeat">
+      <a:schemeClr val="accent1"/>
+    </dgm:linClrLst>
+    <dgm:effectClrLst/>
+    <dgm:txLinClrLst/>
+    <dgm:txFillClrLst meth="repeat">
+      <a:schemeClr val="lt1"/>
+    </dgm:txFillClrLst>
+    <dgm:txEffectClrLst/>
+  </dgm:styleLbl>
+  <dgm:styleLbl name="parChTrans2D4">
+    <dgm:fillClrLst meth="repeat">
+      <a:schemeClr val="accent1"/>
+    </dgm:fillClrLst>
+    <dgm:linClrLst meth="repeat">
+      <a:schemeClr val="accent1"/>
+    </dgm:linClrLst>
+    <dgm:effectClrLst/>
+    <dgm:txLinClrLst/>
+    <dgm:txFillClrLst meth="repeat">
+      <a:schemeClr val="lt1"/>
+    </dgm:txFillClrLst>
+    <dgm:txEffectClrLst/>
+  </dgm:styleLbl>
+  <dgm:styleLbl name="parChTrans1D1">
+    <dgm:fillClrLst meth="repeat">
+      <a:schemeClr val="accent1"/>
+    </dgm:fillClrLst>
+    <dgm:linClrLst meth="repeat">
+      <a:schemeClr val="accent1">
+        <a:shade val="60000"/>
+      </a:schemeClr>
+    </dgm:linClrLst>
+    <dgm:effectClrLst/>
+    <dgm:txLinClrLst/>
+    <dgm:txFillClrLst meth="repeat">
+      <a:schemeClr val="tx1"/>
+    </dgm:txFillClrLst>
+    <dgm:txEffectClrLst/>
+  </dgm:styleLbl>
+  <dgm:styleLbl name="parChTrans1D2">
+    <dgm:fillClrLst meth="repeat">
+      <a:schemeClr val="accent1"/>
+    </dgm:fillClrLst>
+    <dgm:linClrLst meth="repeat">
+      <a:schemeClr val="accent1">
+        <a:shade val="60000"/>
+      </a:schemeClr>
+    </dgm:linClrLst>
+    <dgm:effectClrLst/>
+    <dgm:txLinClrLst/>
+    <dgm:txFillClrLst meth="repeat">
+      <a:schemeClr val="tx1"/>
+    </dgm:txFillClrLst>
+    <dgm:txEffectClrLst/>
+  </dgm:styleLbl>
+  <dgm:styleLbl name="parChTrans1D3">
+    <dgm:fillClrLst meth="repeat">
+      <a:schemeClr val="accent1"/>
+    </dgm:fillClrLst>
+    <dgm:linClrLst meth="repeat">
+      <a:schemeClr val="accent1">
+        <a:shade val="80000"/>
+      </a:schemeClr>
+    </dgm:linClrLst>
+    <dgm:effectClrLst/>
+    <dgm:txLinClrLst/>
+    <dgm:txFillClrLst meth="repeat">
+      <a:schemeClr val="tx1"/>
+    </dgm:txFillClrLst>
+    <dgm:txEffectClrLst/>
+  </dgm:styleLbl>
+  <dgm:styleLbl name="parChTrans1D4">
+    <dgm:fillClrLst meth="repeat">
+      <a:schemeClr val="accent1"/>
+    </dgm:fillClrLst>
+    <dgm:linClrLst meth="repeat">
+      <a:schemeClr val="accent1">
+        <a:shade val="80000"/>
+      </a:schemeClr>
+    </dgm:linClrLst>
+    <dgm:effectClrLst/>
+    <dgm:txLinClrLst/>
+    <dgm:txFillClrLst meth="repeat">
+      <a:schemeClr val="tx1"/>
+    </dgm:txFillClrLst>
+    <dgm:txEffectClrLst/>
+  </dgm:styleLbl>
+  <dgm:styleLbl name="fgAcc1">
+    <dgm:fillClrLst meth="repeat">
+      <a:schemeClr val="lt1">
+        <a:alpha val="90000"/>
+      </a:schemeClr>
+    </dgm:fillClrLst>
+    <dgm:linClrLst meth="repeat">
+      <a:schemeClr val="accent1"/>
+    </dgm:linClrLst>
+    <dgm:effectClrLst/>
+    <dgm:txLinClrLst/>
+    <dgm:txFillClrLst meth="repeat">
+      <a:schemeClr val="dk1"/>
+    </dgm:txFillClrLst>
+    <dgm:txEffectClrLst/>
+  </dgm:styleLbl>
+  <dgm:styleLbl name="conFgAcc1">
+    <dgm:fillClrLst meth="repeat">
+      <a:schemeClr val="lt1">
+        <a:alpha val="90000"/>
+      </a:schemeClr>
+    </dgm:fillClrLst>
+    <dgm:linClrLst meth="repeat">
+      <a:schemeClr val="accent1"/>
+    </dgm:linClrLst>
+    <dgm:effectClrLst/>
+    <dgm:txLinClrLst/>
+    <dgm:txFillClrLst meth="repeat">
+      <a:schemeClr val="dk1"/>
+    </dgm:txFillClrLst>
+    <dgm:txEffectClrLst/>
+  </dgm:styleLbl>
+  <dgm:styleLbl name="alignAcc1">
+    <dgm:fillClrLst meth="repeat">
+      <a:schemeClr val="lt1">
+        <a:alpha val="90000"/>
+      </a:schemeClr>
+    </dgm:fillClrLst>
+    <dgm:linClrLst meth="repeat">
+      <a:schemeClr val="accent1"/>
+    </dgm:linClrLst>
+    <dgm:effectClrLst/>
+    <dgm:txLinClrLst/>
+    <dgm:txFillClrLst meth="repeat">
+      <a:schemeClr val="dk1"/>
+    </dgm:txFillClrLst>
+    <dgm:txEffectClrLst/>
+  </dgm:styleLbl>
+  <dgm:styleLbl name="trAlignAcc1">
+    <dgm:fillClrLst meth="repeat">
+      <a:schemeClr val="lt1">
+        <a:alpha val="40000"/>
+      </a:schemeClr>
+    </dgm:fillClrLst>
+    <dgm:linClrLst meth="repeat">
+      <a:schemeClr val="accent1"/>
+    </dgm:linClrLst>
+    <dgm:effectClrLst/>
+    <dgm:txLinClrLst/>
+    <dgm:txFillClrLst meth="repeat">
+      <a:schemeClr val="dk1"/>
+    </dgm:txFillClrLst>
+    <dgm:txEffectClrLst/>
+  </dgm:styleLbl>
+  <dgm:styleLbl name="bgAcc1">
+    <dgm:fillClrLst meth="repeat">
+      <a:schemeClr val="lt1">
+        <a:alpha val="90000"/>
+      </a:schemeClr>
+    </dgm:fillClrLst>
+    <dgm:linClrLst meth="repeat">
+      <a:schemeClr val="accent1"/>
+    </dgm:linClrLst>
+    <dgm:effectClrLst/>
+    <dgm:txLinClrLst/>
+    <dgm:txFillClrLst meth="repeat">
+      <a:schemeClr val="dk1"/>
+    </dgm:txFillClrLst>
+    <dgm:txEffectClrLst/>
+  </dgm:styleLbl>
+  <dgm:styleLbl name="solidFgAcc1">
+    <dgm:fillClrLst meth="repeat">
+      <a:schemeClr val="lt1"/>
+    </dgm:fillClrLst>
+    <dgm:linClrLst meth="repeat">
+      <a:schemeClr val="accent1"/>
+    </dgm:linClrLst>
+    <dgm:effectClrLst/>
+    <dgm:txLinClrLst/>
+    <dgm:txFillClrLst meth="repeat">
+      <a:schemeClr val="dk1"/>
+    </dgm:txFillClrLst>
+    <dgm:txEffectClrLst/>
+  </dgm:styleLbl>
+  <dgm:styleLbl name="solidAlignAcc1">
+    <dgm:fillClrLst meth="repeat">
+      <a:schemeClr val="lt1"/>
+    </dgm:fillClrLst>
+    <dgm:linClrLst meth="repeat">
+      <a:schemeClr val="accent1"/>
+    </dgm:linClrLst>
+    <dgm:effectClrLst/>
+    <dgm:txLinClrLst/>
+    <dgm:txFillClrLst meth="repeat">
+      <a:schemeClr val="dk1"/>
+    </dgm:txFillClrLst>
+    <dgm:txEffectClrLst/>
+  </dgm:styleLbl>
+  <dgm:styleLbl name="solidBgAcc1">
+    <dgm:fillClrLst meth="repeat">
+      <a:schemeClr val="lt1"/>
+    </dgm:fillClrLst>
+    <dgm:linClrLst meth="repeat">
+      <a:schemeClr val="accent1"/>
+    </dgm:linClrLst>
+    <dgm:effectClrLst/>
+    <dgm:txLinClrLst/>
+    <dgm:txFillClrLst meth="repeat">
+      <a:schemeClr val="dk1"/>
+    </dgm:txFillClrLst>
+    <dgm:txEffectClrLst/>
+  </dgm:styleLbl>
+  <dgm:styleLbl name="fgAccFollowNode1">
+    <dgm:fillClrLst meth="repeat">
+      <a:schemeClr val="accent1">
+        <a:alpha val="90000"/>
+        <a:tint val="40000"/>
+      </a:schemeClr>
+    </dgm:fillClrLst>
+    <dgm:linClrLst meth="repeat">
+      <a:schemeClr val="accent1">
+        <a:alpha val="90000"/>
+        <a:tint val="40000"/>
+      </a:schemeClr>
+    </dgm:linClrLst>
+    <dgm:effectClrLst/>
+    <dgm:txLinClrLst/>
+    <dgm:txFillClrLst meth="repeat">
+      <a:schemeClr val="dk1"/>
+    </dgm:txFillClrLst>
+    <dgm:txEffectClrLst/>
+  </dgm:styleLbl>
+  <dgm:styleLbl name="alignAccFollowNode1">
+    <dgm:fillClrLst meth="repeat">
+      <a:schemeClr val="accent1">
+        <a:alpha val="90000"/>
+        <a:tint val="40000"/>
+      </a:schemeClr>
+    </dgm:fillClrLst>
+    <dgm:linClrLst meth="repeat">
+      <a:schemeClr val="accent1">
+        <a:alpha val="90000"/>
+        <a:tint val="40000"/>
+      </a:schemeClr>
+    </dgm:linClrLst>
+    <dgm:effectClrLst/>
+    <dgm:txLinClrLst/>
+    <dgm:txFillClrLst meth="repeat">
+      <a:schemeClr val="dk1"/>
+    </dgm:txFillClrLst>
+    <dgm:txEffectClrLst/>
+  </dgm:styleLbl>
+  <dgm:styleLbl name="bgAccFollowNode1">
+    <dgm:fillClrLst meth="repeat">
+      <a:schemeClr val="accent1">
+        <a:alpha val="90000"/>
+        <a:tint val="40000"/>
+      </a:schemeClr>
+    </dgm:fillClrLst>
+    <dgm:linClrLst meth="repeat">
+      <a:schemeClr val="accent1">
+        <a:alpha val="90000"/>
+        <a:tint val="40000"/>
+      </a:schemeClr>
+    </dgm:linClrLst>
+    <dgm:effectClrLst/>
+    <dgm:txLinClrLst/>
+    <dgm:txFillClrLst meth="repeat">
+      <a:schemeClr val="dk1"/>
+    </dgm:txFillClrLst>
+    <dgm:txEffectClrLst/>
+  </dgm:styleLbl>
+  <dgm:styleLbl name="fgAcc0">
+    <dgm:fillClrLst meth="repeat">
+      <a:schemeClr val="lt1">
+        <a:alpha val="90000"/>
+      </a:schemeClr>
+    </dgm:fillClrLst>
+    <dgm:linClrLst meth="repeat">
+      <a:schemeClr val="accent1"/>
+    </dgm:linClrLst>
+    <dgm:effectClrLst/>
+    <dgm:txLinClrLst/>
+    <dgm:txFillClrLst meth="repeat">
+      <a:schemeClr val="dk1"/>
+    </dgm:txFillClrLst>
+    <dgm:txEffectClrLst/>
+  </dgm:styleLbl>
+  <dgm:styleLbl name="fgAcc2">
+    <dgm:fillClrLst meth="repeat">
+      <a:schemeClr val="lt1">
+        <a:alpha val="90000"/>
+      </a:schemeClr>
+    </dgm:fillClrLst>
+    <dgm:linClrLst meth="repeat">
+      <a:schemeClr val="accent1"/>
+    </dgm:linClrLst>
+    <dgm:effectClrLst/>
+    <dgm:txLinClrLst/>
+    <dgm:txFillClrLst meth="repeat">
+      <a:schemeClr val="dk1"/>
+    </dgm:txFillClrLst>
+    <dgm:txEffectClrLst/>
+  </dgm:styleLbl>
+  <dgm:styleLbl name="fgAcc3">
+    <dgm:fillClrLst meth="repeat">
+      <a:schemeClr val="lt1">
+        <a:alpha val="90000"/>
+      </a:schemeClr>
+    </dgm:fillClrLst>
+    <dgm:linClrLst meth="repeat">
+      <a:schemeClr val="accent1"/>
+    </dgm:linClrLst>
+    <dgm:effectClrLst/>
+    <dgm:txLinClrLst/>
+    <dgm:txFillClrLst meth="repeat">
+      <a:schemeClr val="dk1"/>
+    </dgm:txFillClrLst>
+    <dgm:txEffectClrLst/>
+  </dgm:styleLbl>
+  <dgm:styleLbl name="fgAcc4">
+    <dgm:fillClrLst meth="repeat">
+      <a:schemeClr val="lt1">
+        <a:alpha val="90000"/>
+      </a:schemeClr>
+    </dgm:fillClrLst>
+    <dgm:linClrLst meth="repeat">
+      <a:schemeClr val="accent1"/>
+    </dgm:linClrLst>
+    <dgm:effectClrLst/>
+    <dgm:txLinClrLst/>
+    <dgm:txFillClrLst meth="repeat">
+      <a:schemeClr val="dk1"/>
+    </dgm:txFillClrLst>
+    <dgm:txEffectClrLst/>
+  </dgm:styleLbl>
+  <dgm:styleLbl name="bgShp">
+    <dgm:fillClrLst meth="repeat">
+      <a:schemeClr val="accent1">
+        <a:tint val="40000"/>
+      </a:schemeClr>
+    </dgm:fillClrLst>
+    <dgm:linClrLst meth="repeat">
+      <a:schemeClr val="accent1"/>
+    </dgm:linClrLst>
+    <dgm:effectClrLst/>
+    <dgm:txLinClrLst/>
+    <dgm:txFillClrLst meth="repeat">
+      <a:schemeClr val="dk1"/>
+    </dgm:txFillClrLst>
+    <dgm:txEffectClrLst/>
+  </dgm:styleLbl>
+  <dgm:styleLbl name="dkBgShp">
+    <dgm:fillClrLst meth="repeat">
+      <a:schemeClr val="accent1">
+        <a:shade val="80000"/>
+      </a:schemeClr>
+    </dgm:fillClrLst>
+    <dgm:linClrLst meth="repeat">
+      <a:schemeClr val="accent1"/>
+    </dgm:linClrLst>
+    <dgm:effectClrLst/>
+    <dgm:txLinClrLst/>
+    <dgm:txFillClrLst meth="repeat">
+      <a:schemeClr val="lt1"/>
+    </dgm:txFillClrLst>
+    <dgm:txEffectClrLst/>
+  </dgm:styleLbl>
+  <dgm:styleLbl name="trBgShp">
+    <dgm:fillClrLst meth="repeat">
+      <a:schemeClr val="accent1">
+        <a:tint val="50000"/>
+        <a:alpha val="40000"/>
+      </a:schemeClr>
+    </dgm:fillClrLst>
+    <dgm:linClrLst meth="repeat">
+      <a:schemeClr val="accent1"/>
+    </dgm:linClrLst>
+    <dgm:effectClrLst/>
+    <dgm:txLinClrLst/>
+    <dgm:txFillClrLst meth="repeat">
+      <a:schemeClr val="lt1"/>
+    </dgm:txFillClrLst>
+    <dgm:txEffectClrLst/>
+  </dgm:styleLbl>
+  <dgm:styleLbl name="fgShp">
+    <dgm:fillClrLst meth="repeat">
+      <a:schemeClr val="accent1">
+        <a:tint val="60000"/>
+      </a:schemeClr>
+    </dgm:fillClrLst>
+    <dgm:linClrLst meth="repeat">
+      <a:schemeClr val="lt1"/>
+    </dgm:linClrLst>
+    <dgm:effectClrLst/>
+    <dgm:txLinClrLst/>
+    <dgm:txFillClrLst meth="repeat">
+      <a:schemeClr val="dk1"/>
+    </dgm:txFillClrLst>
+    <dgm:txEffectClrLst/>
+  </dgm:styleLbl>
+  <dgm:styleLbl name="revTx">
+    <dgm:fillClrLst meth="repeat">
+      <a:schemeClr val="lt1">
+        <a:alpha val="0"/>
+      </a:schemeClr>
+    </dgm:fillClrLst>
+    <dgm:linClrLst meth="repeat">
+      <a:schemeClr val="dk1">
+        <a:alpha val="0"/>
+      </a:schemeClr>
+    </dgm:linClrLst>
+    <dgm:effectClrLst/>
+    <dgm:txLinClrLst/>
+    <dgm:txFillClrLst meth="repeat">
+      <a:schemeClr val="tx1"/>
+    </dgm:txFillClrLst>
+    <dgm:txEffectClrLst/>
+  </dgm:styleLbl>
+</dgm:colorsDef>
+</file>
+
+<file path=ppt/diagrams/data1.xml><?xml version="1.0" encoding="utf-8"?>
+<dgm:dataModel xmlns:dgm="http://schemas.openxmlformats.org/drawingml/2006/diagram" xmlns:a="http://schemas.openxmlformats.org/drawingml/2006/main">
+  <dgm:ptLst>
+    <dgm:pt modelId="{6F595550-5E05-4DD0-918B-D9B030845146}" type="doc">
+      <dgm:prSet loTypeId="urn:microsoft.com/office/officeart/2005/8/layout/process1" loCatId="process" qsTypeId="urn:microsoft.com/office/officeart/2005/8/quickstyle/simple1" qsCatId="simple" csTypeId="urn:microsoft.com/office/officeart/2005/8/colors/accent1_2" csCatId="accent1" phldr="1"/>
+      <dgm:spPr/>
+    </dgm:pt>
+    <dgm:pt modelId="{E2E1A87B-CB65-47ED-818E-673CBB3813B9}">
+      <dgm:prSet phldrT="[Text]"/>
+      <dgm:spPr/>
+      <dgm:t>
+        <a:bodyPr/>
+        <a:lstStyle/>
+        <a:p>
+          <a:r>
+            <a:rPr lang="en-US" dirty="0"/>
+            <a:t>Text</a:t>
+          </a:r>
+        </a:p>
+      </dgm:t>
+    </dgm:pt>
+    <dgm:pt modelId="{47F6C5E9-9A38-4260-B541-7C63FFAD9AFA}" type="parTrans" cxnId="{68016050-2C78-44B9-94F6-36679C4D4327}">
+      <dgm:prSet/>
+      <dgm:spPr/>
+      <dgm:t>
+        <a:bodyPr/>
+        <a:lstStyle/>
+        <a:p>
+          <a:endParaRPr lang="en-US"/>
+        </a:p>
+      </dgm:t>
+    </dgm:pt>
+    <dgm:pt modelId="{11D83A07-EEA4-47F7-A6F6-8708310A529D}" type="sibTrans" cxnId="{68016050-2C78-44B9-94F6-36679C4D4327}">
+      <dgm:prSet/>
+      <dgm:spPr/>
+      <dgm:t>
+        <a:bodyPr/>
+        <a:lstStyle/>
+        <a:p>
+          <a:endParaRPr lang="en-US"/>
+        </a:p>
+      </dgm:t>
+    </dgm:pt>
+    <dgm:pt modelId="{41BBEA35-8243-4BF3-9B97-B6B2DC73772D}">
+      <dgm:prSet phldrT="[Text]"/>
+      <dgm:spPr/>
+      <dgm:t>
+        <a:bodyPr/>
+        <a:lstStyle/>
+        <a:p>
+          <a:r>
+            <a:rPr lang="en-US" dirty="0"/>
+            <a:t>Discord</a:t>
+          </a:r>
+        </a:p>
+      </dgm:t>
+    </dgm:pt>
+    <dgm:pt modelId="{9329E70A-2411-4F53-B191-CE195E3B329C}" type="parTrans" cxnId="{D96905C1-B38D-41E2-A314-43482CBEB533}">
+      <dgm:prSet/>
+      <dgm:spPr/>
+      <dgm:t>
+        <a:bodyPr/>
+        <a:lstStyle/>
+        <a:p>
+          <a:endParaRPr lang="en-US"/>
+        </a:p>
+      </dgm:t>
+    </dgm:pt>
+    <dgm:pt modelId="{8E15AA3F-C1C8-42AC-9B86-5E5F0475A18A}" type="sibTrans" cxnId="{D96905C1-B38D-41E2-A314-43482CBEB533}">
+      <dgm:prSet/>
+      <dgm:spPr/>
+      <dgm:t>
+        <a:bodyPr/>
+        <a:lstStyle/>
+        <a:p>
+          <a:endParaRPr lang="en-US"/>
+        </a:p>
+      </dgm:t>
+    </dgm:pt>
+    <dgm:pt modelId="{565F3E6A-AD9A-4324-8BB0-FBBE53BC71DC}">
+      <dgm:prSet phldrT="[Text]"/>
+      <dgm:spPr/>
+      <dgm:t>
+        <a:bodyPr/>
+        <a:lstStyle/>
+        <a:p>
+          <a:r>
+            <a:rPr lang="en-US" dirty="0"/>
+            <a:t>MS Teams</a:t>
+          </a:r>
+        </a:p>
+      </dgm:t>
+    </dgm:pt>
+    <dgm:pt modelId="{CDA636F8-8AF8-4F18-BAD5-A3832C131BB0}" type="parTrans" cxnId="{D49975BA-667B-4BA8-86FC-C05B1D3FE4CE}">
+      <dgm:prSet/>
+      <dgm:spPr/>
+      <dgm:t>
+        <a:bodyPr/>
+        <a:lstStyle/>
+        <a:p>
+          <a:endParaRPr lang="en-US"/>
+        </a:p>
+      </dgm:t>
+    </dgm:pt>
+    <dgm:pt modelId="{F55099C5-19EA-4132-89A4-F41476E4C30A}" type="sibTrans" cxnId="{D49975BA-667B-4BA8-86FC-C05B1D3FE4CE}">
+      <dgm:prSet/>
+      <dgm:spPr/>
+      <dgm:t>
+        <a:bodyPr/>
+        <a:lstStyle/>
+        <a:p>
+          <a:endParaRPr lang="en-US"/>
+        </a:p>
+      </dgm:t>
+    </dgm:pt>
+    <dgm:pt modelId="{1B66BF92-012D-4ABF-8567-E150556368C2}" type="pres">
+      <dgm:prSet presAssocID="{6F595550-5E05-4DD0-918B-D9B030845146}" presName="Name0" presStyleCnt="0">
+        <dgm:presLayoutVars>
+          <dgm:dir/>
+          <dgm:resizeHandles val="exact"/>
+        </dgm:presLayoutVars>
+      </dgm:prSet>
+      <dgm:spPr/>
+    </dgm:pt>
+    <dgm:pt modelId="{01BCF557-9195-46C6-9DE5-9D7906F0F311}" type="pres">
+      <dgm:prSet presAssocID="{E2E1A87B-CB65-47ED-818E-673CBB3813B9}" presName="node" presStyleLbl="node1" presStyleIdx="0" presStyleCnt="3">
+        <dgm:presLayoutVars>
+          <dgm:bulletEnabled val="1"/>
+        </dgm:presLayoutVars>
+      </dgm:prSet>
+      <dgm:spPr/>
+    </dgm:pt>
+    <dgm:pt modelId="{7E61A7A9-9814-4348-B8A7-9F3D1293FEA0}" type="pres">
+      <dgm:prSet presAssocID="{11D83A07-EEA4-47F7-A6F6-8708310A529D}" presName="sibTrans" presStyleLbl="sibTrans2D1" presStyleIdx="0" presStyleCnt="2"/>
+      <dgm:spPr/>
+    </dgm:pt>
+    <dgm:pt modelId="{25A8D466-BA23-4126-BFA0-89B3F84F6444}" type="pres">
+      <dgm:prSet presAssocID="{11D83A07-EEA4-47F7-A6F6-8708310A529D}" presName="connectorText" presStyleLbl="sibTrans2D1" presStyleIdx="0" presStyleCnt="2"/>
+      <dgm:spPr/>
+    </dgm:pt>
+    <dgm:pt modelId="{5EDA1191-8F09-427B-B621-E6A918B7D04F}" type="pres">
+      <dgm:prSet presAssocID="{41BBEA35-8243-4BF3-9B97-B6B2DC73772D}" presName="node" presStyleLbl="node1" presStyleIdx="1" presStyleCnt="3">
+        <dgm:presLayoutVars>
+          <dgm:bulletEnabled val="1"/>
+        </dgm:presLayoutVars>
+      </dgm:prSet>
+      <dgm:spPr/>
+    </dgm:pt>
+    <dgm:pt modelId="{DD28B922-75A9-422B-A074-598D03062D86}" type="pres">
+      <dgm:prSet presAssocID="{8E15AA3F-C1C8-42AC-9B86-5E5F0475A18A}" presName="sibTrans" presStyleLbl="sibTrans2D1" presStyleIdx="1" presStyleCnt="2"/>
+      <dgm:spPr/>
+    </dgm:pt>
+    <dgm:pt modelId="{3CF90E71-FB47-4BF7-907B-51BEBE858FF4}" type="pres">
+      <dgm:prSet presAssocID="{8E15AA3F-C1C8-42AC-9B86-5E5F0475A18A}" presName="connectorText" presStyleLbl="sibTrans2D1" presStyleIdx="1" presStyleCnt="2"/>
+      <dgm:spPr/>
+    </dgm:pt>
+    <dgm:pt modelId="{0472740F-BD2E-43A3-8E97-D569C037CC9F}" type="pres">
+      <dgm:prSet presAssocID="{565F3E6A-AD9A-4324-8BB0-FBBE53BC71DC}" presName="node" presStyleLbl="node1" presStyleIdx="2" presStyleCnt="3">
+        <dgm:presLayoutVars>
+          <dgm:bulletEnabled val="1"/>
+        </dgm:presLayoutVars>
+      </dgm:prSet>
+      <dgm:spPr/>
+    </dgm:pt>
+  </dgm:ptLst>
+  <dgm:cxnLst>
+    <dgm:cxn modelId="{B65AC006-C4DB-4AC2-AA02-9518A5570F72}" type="presOf" srcId="{565F3E6A-AD9A-4324-8BB0-FBBE53BC71DC}" destId="{0472740F-BD2E-43A3-8E97-D569C037CC9F}" srcOrd="0" destOrd="0" presId="urn:microsoft.com/office/officeart/2005/8/layout/process1"/>
+    <dgm:cxn modelId="{D5F13D19-DFC1-4D28-B159-F7B8B430DE41}" type="presOf" srcId="{41BBEA35-8243-4BF3-9B97-B6B2DC73772D}" destId="{5EDA1191-8F09-427B-B621-E6A918B7D04F}" srcOrd="0" destOrd="0" presId="urn:microsoft.com/office/officeart/2005/8/layout/process1"/>
+    <dgm:cxn modelId="{721DFB2D-C201-4386-B689-562D78DAAD59}" type="presOf" srcId="{E2E1A87B-CB65-47ED-818E-673CBB3813B9}" destId="{01BCF557-9195-46C6-9DE5-9D7906F0F311}" srcOrd="0" destOrd="0" presId="urn:microsoft.com/office/officeart/2005/8/layout/process1"/>
+    <dgm:cxn modelId="{82F92330-A755-4EFF-9EE2-A11E8E7B5481}" type="presOf" srcId="{8E15AA3F-C1C8-42AC-9B86-5E5F0475A18A}" destId="{3CF90E71-FB47-4BF7-907B-51BEBE858FF4}" srcOrd="1" destOrd="0" presId="urn:microsoft.com/office/officeart/2005/8/layout/process1"/>
+    <dgm:cxn modelId="{E9194F47-3B46-4EDD-9F8B-4005C8EEF260}" type="presOf" srcId="{11D83A07-EEA4-47F7-A6F6-8708310A529D}" destId="{25A8D466-BA23-4126-BFA0-89B3F84F6444}" srcOrd="1" destOrd="0" presId="urn:microsoft.com/office/officeart/2005/8/layout/process1"/>
+    <dgm:cxn modelId="{254A004D-8A12-4836-A4F3-ED07B27BCEAB}" type="presOf" srcId="{11D83A07-EEA4-47F7-A6F6-8708310A529D}" destId="{7E61A7A9-9814-4348-B8A7-9F3D1293FEA0}" srcOrd="0" destOrd="0" presId="urn:microsoft.com/office/officeart/2005/8/layout/process1"/>
+    <dgm:cxn modelId="{68016050-2C78-44B9-94F6-36679C4D4327}" srcId="{6F595550-5E05-4DD0-918B-D9B030845146}" destId="{E2E1A87B-CB65-47ED-818E-673CBB3813B9}" srcOrd="0" destOrd="0" parTransId="{47F6C5E9-9A38-4260-B541-7C63FFAD9AFA}" sibTransId="{11D83A07-EEA4-47F7-A6F6-8708310A529D}"/>
+    <dgm:cxn modelId="{9A4D29B6-DDC9-4FFB-BCB4-C08B2000590C}" type="presOf" srcId="{6F595550-5E05-4DD0-918B-D9B030845146}" destId="{1B66BF92-012D-4ABF-8567-E150556368C2}" srcOrd="0" destOrd="0" presId="urn:microsoft.com/office/officeart/2005/8/layout/process1"/>
+    <dgm:cxn modelId="{D49975BA-667B-4BA8-86FC-C05B1D3FE4CE}" srcId="{6F595550-5E05-4DD0-918B-D9B030845146}" destId="{565F3E6A-AD9A-4324-8BB0-FBBE53BC71DC}" srcOrd="2" destOrd="0" parTransId="{CDA636F8-8AF8-4F18-BAD5-A3832C131BB0}" sibTransId="{F55099C5-19EA-4132-89A4-F41476E4C30A}"/>
+    <dgm:cxn modelId="{D96905C1-B38D-41E2-A314-43482CBEB533}" srcId="{6F595550-5E05-4DD0-918B-D9B030845146}" destId="{41BBEA35-8243-4BF3-9B97-B6B2DC73772D}" srcOrd="1" destOrd="0" parTransId="{9329E70A-2411-4F53-B191-CE195E3B329C}" sibTransId="{8E15AA3F-C1C8-42AC-9B86-5E5F0475A18A}"/>
+    <dgm:cxn modelId="{8B9C7AFE-A14C-4D74-AE36-C724A8F67EEE}" type="presOf" srcId="{8E15AA3F-C1C8-42AC-9B86-5E5F0475A18A}" destId="{DD28B922-75A9-422B-A074-598D03062D86}" srcOrd="0" destOrd="0" presId="urn:microsoft.com/office/officeart/2005/8/layout/process1"/>
+    <dgm:cxn modelId="{7012D4BB-FD80-414E-B56C-B7817EC0DD23}" type="presParOf" srcId="{1B66BF92-012D-4ABF-8567-E150556368C2}" destId="{01BCF557-9195-46C6-9DE5-9D7906F0F311}" srcOrd="0" destOrd="0" presId="urn:microsoft.com/office/officeart/2005/8/layout/process1"/>
+    <dgm:cxn modelId="{39FCC4DA-5F98-4A58-BE71-41C8C3F1009A}" type="presParOf" srcId="{1B66BF92-012D-4ABF-8567-E150556368C2}" destId="{7E61A7A9-9814-4348-B8A7-9F3D1293FEA0}" srcOrd="1" destOrd="0" presId="urn:microsoft.com/office/officeart/2005/8/layout/process1"/>
+    <dgm:cxn modelId="{19FAE543-F834-48FB-9C24-85AD0282184E}" type="presParOf" srcId="{7E61A7A9-9814-4348-B8A7-9F3D1293FEA0}" destId="{25A8D466-BA23-4126-BFA0-89B3F84F6444}" srcOrd="0" destOrd="0" presId="urn:microsoft.com/office/officeart/2005/8/layout/process1"/>
+    <dgm:cxn modelId="{11AA7CA9-8AD5-468D-AAA3-4CA6009FE467}" type="presParOf" srcId="{1B66BF92-012D-4ABF-8567-E150556368C2}" destId="{5EDA1191-8F09-427B-B621-E6A918B7D04F}" srcOrd="2" destOrd="0" presId="urn:microsoft.com/office/officeart/2005/8/layout/process1"/>
+    <dgm:cxn modelId="{893C44D7-C98E-4A3E-94A8-28B43DB64A69}" type="presParOf" srcId="{1B66BF92-012D-4ABF-8567-E150556368C2}" destId="{DD28B922-75A9-422B-A074-598D03062D86}" srcOrd="3" destOrd="0" presId="urn:microsoft.com/office/officeart/2005/8/layout/process1"/>
+    <dgm:cxn modelId="{BFF137C6-2A8C-4FD1-87B2-87B7E7CAD5DB}" type="presParOf" srcId="{DD28B922-75A9-422B-A074-598D03062D86}" destId="{3CF90E71-FB47-4BF7-907B-51BEBE858FF4}" srcOrd="0" destOrd="0" presId="urn:microsoft.com/office/officeart/2005/8/layout/process1"/>
+    <dgm:cxn modelId="{D7C9F2D0-BE38-4833-AD10-BEA0A6A81F16}" type="presParOf" srcId="{1B66BF92-012D-4ABF-8567-E150556368C2}" destId="{0472740F-BD2E-43A3-8E97-D569C037CC9F}" srcOrd="4" destOrd="0" presId="urn:microsoft.com/office/officeart/2005/8/layout/process1"/>
+  </dgm:cxnLst>
+  <dgm:bg/>
+  <dgm:whole/>
+  <dgm:extLst>
+    <a:ext uri="http://schemas.microsoft.com/office/drawing/2008/diagram">
+      <dsp:dataModelExt xmlns:dsp="http://schemas.microsoft.com/office/drawing/2008/diagram" relId="rId6" minVer="http://schemas.openxmlformats.org/drawingml/2006/diagram"/>
+    </a:ext>
+  </dgm:extLst>
+</dgm:dataModel>
+</file>
+
+<file path=ppt/diagrams/drawing1.xml><?xml version="1.0" encoding="utf-8"?>
+<dsp:drawing xmlns:dgm="http://schemas.openxmlformats.org/drawingml/2006/diagram" xmlns:dsp="http://schemas.microsoft.com/office/drawing/2008/diagram" xmlns:a="http://schemas.openxmlformats.org/drawingml/2006/main">
+  <dsp:spTree>
+    <dsp:nvGrpSpPr>
+      <dsp:cNvPr id="0" name=""/>
+      <dsp:cNvGrpSpPr/>
+    </dsp:nvGrpSpPr>
+    <dsp:grpSpPr/>
+    <dsp:sp modelId="{01BCF557-9195-46C6-9DE5-9D7906F0F311}">
+      <dsp:nvSpPr>
+        <dsp:cNvPr id="0" name=""/>
+        <dsp:cNvSpPr/>
+      </dsp:nvSpPr>
+      <dsp:spPr>
+        <a:xfrm>
+          <a:off x="4818" y="1421918"/>
+          <a:ext cx="1440198" cy="864118"/>
+        </a:xfrm>
+        <a:prstGeom prst="roundRect">
+          <a:avLst>
+            <a:gd name="adj" fmla="val 10000"/>
+          </a:avLst>
+        </a:prstGeom>
+        <a:solidFill>
+          <a:schemeClr val="accent1">
+            <a:hueOff val="0"/>
+            <a:satOff val="0"/>
+            <a:lumOff val="0"/>
+            <a:alphaOff val="0"/>
+          </a:schemeClr>
+        </a:solidFill>
+        <a:ln w="12700" cap="flat" cmpd="sng" algn="ctr">
+          <a:solidFill>
+            <a:schemeClr val="lt1">
+              <a:hueOff val="0"/>
+              <a:satOff val="0"/>
+              <a:lumOff val="0"/>
+              <a:alphaOff val="0"/>
+            </a:schemeClr>
+          </a:solidFill>
+          <a:prstDash val="solid"/>
+          <a:miter lim="800000"/>
+        </a:ln>
+        <a:effectLst/>
+      </dsp:spPr>
+      <dsp:style>
+        <a:lnRef idx="2">
+          <a:scrgbClr r="0" g="0" b="0"/>
+        </a:lnRef>
+        <a:fillRef idx="1">
+          <a:scrgbClr r="0" g="0" b="0"/>
+        </a:fillRef>
+        <a:effectRef idx="0">
+          <a:scrgbClr r="0" g="0" b="0"/>
+        </a:effectRef>
+        <a:fontRef idx="minor">
+          <a:schemeClr val="lt1"/>
+        </a:fontRef>
+      </dsp:style>
+      <dsp:txBody>
+        <a:bodyPr spcFirstLastPara="0" vert="horz" wrap="square" lIns="91440" tIns="91440" rIns="91440" bIns="91440" numCol="1" spcCol="1270" anchor="ctr" anchorCtr="0">
+          <a:noAutofit/>
+        </a:bodyPr>
+        <a:lstStyle/>
+        <a:p>
+          <a:pPr marL="0" lvl="0" indent="0" algn="ctr" defTabSz="1066800">
+            <a:lnSpc>
+              <a:spcPct val="90000"/>
+            </a:lnSpc>
+            <a:spcBef>
+              <a:spcPct val="0"/>
+            </a:spcBef>
+            <a:spcAft>
+              <a:spcPct val="35000"/>
+            </a:spcAft>
+            <a:buNone/>
+          </a:pPr>
+          <a:r>
+            <a:rPr lang="en-US" sz="2400" kern="1200" dirty="0"/>
+            <a:t>Text</a:t>
+          </a:r>
+        </a:p>
+      </dsp:txBody>
+      <dsp:txXfrm>
+        <a:off x="30127" y="1447227"/>
+        <a:ext cx="1389580" cy="813500"/>
+      </dsp:txXfrm>
+    </dsp:sp>
+    <dsp:sp modelId="{7E61A7A9-9814-4348-B8A7-9F3D1293FEA0}">
+      <dsp:nvSpPr>
+        <dsp:cNvPr id="0" name=""/>
+        <dsp:cNvSpPr/>
+      </dsp:nvSpPr>
+      <dsp:spPr>
+        <a:xfrm>
+          <a:off x="1589036" y="1675392"/>
+          <a:ext cx="305322" cy="357169"/>
+        </a:xfrm>
+        <a:prstGeom prst="rightArrow">
+          <a:avLst>
+            <a:gd name="adj1" fmla="val 60000"/>
+            <a:gd name="adj2" fmla="val 50000"/>
+          </a:avLst>
+        </a:prstGeom>
+        <a:solidFill>
+          <a:schemeClr val="accent1">
+            <a:tint val="60000"/>
+            <a:hueOff val="0"/>
+            <a:satOff val="0"/>
+            <a:lumOff val="0"/>
+            <a:alphaOff val="0"/>
+          </a:schemeClr>
+        </a:solidFill>
+        <a:ln>
+          <a:noFill/>
+        </a:ln>
+        <a:effectLst/>
+      </dsp:spPr>
+      <dsp:style>
+        <a:lnRef idx="0">
+          <a:scrgbClr r="0" g="0" b="0"/>
+        </a:lnRef>
+        <a:fillRef idx="1">
+          <a:scrgbClr r="0" g="0" b="0"/>
+        </a:fillRef>
+        <a:effectRef idx="0">
+          <a:scrgbClr r="0" g="0" b="0"/>
+        </a:effectRef>
+        <a:fontRef idx="minor">
+          <a:schemeClr val="lt1"/>
+        </a:fontRef>
+      </dsp:style>
+      <dsp:txBody>
+        <a:bodyPr spcFirstLastPara="0" vert="horz" wrap="square" lIns="0" tIns="0" rIns="0" bIns="0" numCol="1" spcCol="1270" anchor="ctr" anchorCtr="0">
+          <a:noAutofit/>
+        </a:bodyPr>
+        <a:lstStyle/>
+        <a:p>
+          <a:pPr marL="0" lvl="0" indent="0" algn="ctr" defTabSz="711200">
+            <a:lnSpc>
+              <a:spcPct val="90000"/>
+            </a:lnSpc>
+            <a:spcBef>
+              <a:spcPct val="0"/>
+            </a:spcBef>
+            <a:spcAft>
+              <a:spcPct val="35000"/>
+            </a:spcAft>
+            <a:buNone/>
+          </a:pPr>
+          <a:endParaRPr lang="en-US" sz="1600" kern="1200"/>
+        </a:p>
+      </dsp:txBody>
+      <dsp:txXfrm>
+        <a:off x="1589036" y="1746826"/>
+        <a:ext cx="213725" cy="214301"/>
+      </dsp:txXfrm>
+    </dsp:sp>
+    <dsp:sp modelId="{5EDA1191-8F09-427B-B621-E6A918B7D04F}">
+      <dsp:nvSpPr>
+        <dsp:cNvPr id="0" name=""/>
+        <dsp:cNvSpPr/>
+      </dsp:nvSpPr>
+      <dsp:spPr>
+        <a:xfrm>
+          <a:off x="2021095" y="1421918"/>
+          <a:ext cx="1440198" cy="864118"/>
+        </a:xfrm>
+        <a:prstGeom prst="roundRect">
+          <a:avLst>
+            <a:gd name="adj" fmla="val 10000"/>
+          </a:avLst>
+        </a:prstGeom>
+        <a:solidFill>
+          <a:schemeClr val="accent1">
+            <a:hueOff val="0"/>
+            <a:satOff val="0"/>
+            <a:lumOff val="0"/>
+            <a:alphaOff val="0"/>
+          </a:schemeClr>
+        </a:solidFill>
+        <a:ln w="12700" cap="flat" cmpd="sng" algn="ctr">
+          <a:solidFill>
+            <a:schemeClr val="lt1">
+              <a:hueOff val="0"/>
+              <a:satOff val="0"/>
+              <a:lumOff val="0"/>
+              <a:alphaOff val="0"/>
+            </a:schemeClr>
+          </a:solidFill>
+          <a:prstDash val="solid"/>
+          <a:miter lim="800000"/>
+        </a:ln>
+        <a:effectLst/>
+      </dsp:spPr>
+      <dsp:style>
+        <a:lnRef idx="2">
+          <a:scrgbClr r="0" g="0" b="0"/>
+        </a:lnRef>
+        <a:fillRef idx="1">
+          <a:scrgbClr r="0" g="0" b="0"/>
+        </a:fillRef>
+        <a:effectRef idx="0">
+          <a:scrgbClr r="0" g="0" b="0"/>
+        </a:effectRef>
+        <a:fontRef idx="minor">
+          <a:schemeClr val="lt1"/>
+        </a:fontRef>
+      </dsp:style>
+      <dsp:txBody>
+        <a:bodyPr spcFirstLastPara="0" vert="horz" wrap="square" lIns="91440" tIns="91440" rIns="91440" bIns="91440" numCol="1" spcCol="1270" anchor="ctr" anchorCtr="0">
+          <a:noAutofit/>
+        </a:bodyPr>
+        <a:lstStyle/>
+        <a:p>
+          <a:pPr marL="0" lvl="0" indent="0" algn="ctr" defTabSz="1066800">
+            <a:lnSpc>
+              <a:spcPct val="90000"/>
+            </a:lnSpc>
+            <a:spcBef>
+              <a:spcPct val="0"/>
+            </a:spcBef>
+            <a:spcAft>
+              <a:spcPct val="35000"/>
+            </a:spcAft>
+            <a:buNone/>
+          </a:pPr>
+          <a:r>
+            <a:rPr lang="en-US" sz="2400" kern="1200" dirty="0"/>
+            <a:t>Discord</a:t>
+          </a:r>
+        </a:p>
+      </dsp:txBody>
+      <dsp:txXfrm>
+        <a:off x="2046404" y="1447227"/>
+        <a:ext cx="1389580" cy="813500"/>
+      </dsp:txXfrm>
+    </dsp:sp>
+    <dsp:sp modelId="{DD28B922-75A9-422B-A074-598D03062D86}">
+      <dsp:nvSpPr>
+        <dsp:cNvPr id="0" name=""/>
+        <dsp:cNvSpPr/>
+      </dsp:nvSpPr>
+      <dsp:spPr>
+        <a:xfrm>
+          <a:off x="3605313" y="1675392"/>
+          <a:ext cx="305322" cy="357169"/>
+        </a:xfrm>
+        <a:prstGeom prst="rightArrow">
+          <a:avLst>
+            <a:gd name="adj1" fmla="val 60000"/>
+            <a:gd name="adj2" fmla="val 50000"/>
+          </a:avLst>
+        </a:prstGeom>
+        <a:solidFill>
+          <a:schemeClr val="accent1">
+            <a:tint val="60000"/>
+            <a:hueOff val="0"/>
+            <a:satOff val="0"/>
+            <a:lumOff val="0"/>
+            <a:alphaOff val="0"/>
+          </a:schemeClr>
+        </a:solidFill>
+        <a:ln>
+          <a:noFill/>
+        </a:ln>
+        <a:effectLst/>
+      </dsp:spPr>
+      <dsp:style>
+        <a:lnRef idx="0">
+          <a:scrgbClr r="0" g="0" b="0"/>
+        </a:lnRef>
+        <a:fillRef idx="1">
+          <a:scrgbClr r="0" g="0" b="0"/>
+        </a:fillRef>
+        <a:effectRef idx="0">
+          <a:scrgbClr r="0" g="0" b="0"/>
+        </a:effectRef>
+        <a:fontRef idx="minor">
+          <a:schemeClr val="lt1"/>
+        </a:fontRef>
+      </dsp:style>
+      <dsp:txBody>
+        <a:bodyPr spcFirstLastPara="0" vert="horz" wrap="square" lIns="0" tIns="0" rIns="0" bIns="0" numCol="1" spcCol="1270" anchor="ctr" anchorCtr="0">
+          <a:noAutofit/>
+        </a:bodyPr>
+        <a:lstStyle/>
+        <a:p>
+          <a:pPr marL="0" lvl="0" indent="0" algn="ctr" defTabSz="711200">
+            <a:lnSpc>
+              <a:spcPct val="90000"/>
+            </a:lnSpc>
+            <a:spcBef>
+              <a:spcPct val="0"/>
+            </a:spcBef>
+            <a:spcAft>
+              <a:spcPct val="35000"/>
+            </a:spcAft>
+            <a:buNone/>
+          </a:pPr>
+          <a:endParaRPr lang="en-US" sz="1600" kern="1200"/>
+        </a:p>
+      </dsp:txBody>
+      <dsp:txXfrm>
+        <a:off x="3605313" y="1746826"/>
+        <a:ext cx="213725" cy="214301"/>
+      </dsp:txXfrm>
+    </dsp:sp>
+    <dsp:sp modelId="{0472740F-BD2E-43A3-8E97-D569C037CC9F}">
+      <dsp:nvSpPr>
+        <dsp:cNvPr id="0" name=""/>
+        <dsp:cNvSpPr/>
+      </dsp:nvSpPr>
+      <dsp:spPr>
+        <a:xfrm>
+          <a:off x="4037373" y="1421918"/>
+          <a:ext cx="1440198" cy="864118"/>
+        </a:xfrm>
+        <a:prstGeom prst="roundRect">
+          <a:avLst>
+            <a:gd name="adj" fmla="val 10000"/>
+          </a:avLst>
+        </a:prstGeom>
+        <a:solidFill>
+          <a:schemeClr val="accent1">
+            <a:hueOff val="0"/>
+            <a:satOff val="0"/>
+            <a:lumOff val="0"/>
+            <a:alphaOff val="0"/>
+          </a:schemeClr>
+        </a:solidFill>
+        <a:ln w="12700" cap="flat" cmpd="sng" algn="ctr">
+          <a:solidFill>
+            <a:schemeClr val="lt1">
+              <a:hueOff val="0"/>
+              <a:satOff val="0"/>
+              <a:lumOff val="0"/>
+              <a:alphaOff val="0"/>
+            </a:schemeClr>
+          </a:solidFill>
+          <a:prstDash val="solid"/>
+          <a:miter lim="800000"/>
+        </a:ln>
+        <a:effectLst/>
+      </dsp:spPr>
+      <dsp:style>
+        <a:lnRef idx="2">
+          <a:scrgbClr r="0" g="0" b="0"/>
+        </a:lnRef>
+        <a:fillRef idx="1">
+          <a:scrgbClr r="0" g="0" b="0"/>
+        </a:fillRef>
+        <a:effectRef idx="0">
+          <a:scrgbClr r="0" g="0" b="0"/>
+        </a:effectRef>
+        <a:fontRef idx="minor">
+          <a:schemeClr val="lt1"/>
+        </a:fontRef>
+      </dsp:style>
+      <dsp:txBody>
+        <a:bodyPr spcFirstLastPara="0" vert="horz" wrap="square" lIns="91440" tIns="91440" rIns="91440" bIns="91440" numCol="1" spcCol="1270" anchor="ctr" anchorCtr="0">
+          <a:noAutofit/>
+        </a:bodyPr>
+        <a:lstStyle/>
+        <a:p>
+          <a:pPr marL="0" lvl="0" indent="0" algn="ctr" defTabSz="1066800">
+            <a:lnSpc>
+              <a:spcPct val="90000"/>
+            </a:lnSpc>
+            <a:spcBef>
+              <a:spcPct val="0"/>
+            </a:spcBef>
+            <a:spcAft>
+              <a:spcPct val="35000"/>
+            </a:spcAft>
+            <a:buNone/>
+          </a:pPr>
+          <a:r>
+            <a:rPr lang="en-US" sz="2400" kern="1200" dirty="0"/>
+            <a:t>MS Teams</a:t>
+          </a:r>
+        </a:p>
+      </dsp:txBody>
+      <dsp:txXfrm>
+        <a:off x="4062682" y="1447227"/>
+        <a:ext cx="1389580" cy="813500"/>
+      </dsp:txXfrm>
+    </dsp:sp>
+  </dsp:spTree>
+</dsp:drawing>
+</file>
+
+<file path=ppt/diagrams/layout1.xml><?xml version="1.0" encoding="utf-8"?>
+<dgm:layoutDef xmlns:dgm="http://schemas.openxmlformats.org/drawingml/2006/diagram" xmlns:a="http://schemas.openxmlformats.org/drawingml/2006/main" uniqueId="urn:microsoft.com/office/officeart/2005/8/layout/process1">
+  <dgm:title val=""/>
+  <dgm:desc val=""/>
+  <dgm:catLst>
+    <dgm:cat type="process" pri="1000"/>
+    <dgm:cat type="convert" pri="15000"/>
+  </dgm:catLst>
+  <dgm:sampData useDef="1">
+    <dgm:dataModel>
+      <dgm:ptLst/>
+      <dgm:bg/>
+      <dgm:whole/>
+    </dgm:dataModel>
+  </dgm:sampData>
+  <dgm:styleData>
+    <dgm:dataModel>
+      <dgm:ptLst>
+        <dgm:pt modelId="0" type="doc"/>
+        <dgm:pt modelId="1"/>
+        <dgm:pt modelId="2"/>
+      </dgm:ptLst>
+      <dgm:cxnLst>
+        <dgm:cxn modelId="3" srcId="0" destId="1" srcOrd="0" destOrd="0"/>
+        <dgm:cxn modelId="4" srcId="0" destId="2" srcOrd="1" destOrd="0"/>
+      </dgm:cxnLst>
+      <dgm:bg/>
+      <dgm:whole/>
+    </dgm:dataModel>
+  </dgm:styleData>
+  <dgm:clrData>
+    <dgm:dataModel>
+      <dgm:ptLst>
+        <dgm:pt modelId="0" type="doc"/>
+        <dgm:pt modelId="1"/>
+        <dgm:pt modelId="2"/>
+        <dgm:pt modelId="3"/>
+        <dgm:pt modelId="4"/>
+      </dgm:ptLst>
+      <dgm:cxnLst>
+        <dgm:cxn modelId="5" srcId="0" destId="1" srcOrd="0" destOrd="0"/>
+        <dgm:cxn modelId="6" srcId="0" destId="2" srcOrd="1" destOrd="0"/>
+        <dgm:cxn modelId="7" srcId="0" destId="3" srcOrd="2" destOrd="0"/>
+        <dgm:cxn modelId="8" srcId="0" destId="4" srcOrd="3" destOrd="0"/>
+      </dgm:cxnLst>
+      <dgm:bg/>
+      <dgm:whole/>
+    </dgm:dataModel>
+  </dgm:clrData>
+  <dgm:layoutNode name="Name0">
+    <dgm:varLst>
+      <dgm:dir/>
+      <dgm:resizeHandles val="exact"/>
+    </dgm:varLst>
+    <dgm:choose name="Name1">
+      <dgm:if name="Name2" func="var" arg="dir" op="equ" val="norm">
+        <dgm:alg type="lin"/>
+      </dgm:if>
+      <dgm:else name="Name3">
+        <dgm:alg type="lin">
+          <dgm:param type="linDir" val="fromR"/>
+        </dgm:alg>
+      </dgm:else>
+    </dgm:choose>
+    <dgm:shape xmlns:r="http://schemas.openxmlformats.org/officeDocument/2006/relationships" r:blip="">
+      <dgm:adjLst/>
+    </dgm:shape>
+    <dgm:presOf/>
+    <dgm:constrLst>
+      <dgm:constr type="w" for="ch" ptType="node" refType="w"/>
+      <dgm:constr type="h" for="ch" ptType="node" op="equ"/>
+      <dgm:constr type="primFontSz" for="ch" ptType="node" op="equ" val="65"/>
+      <dgm:constr type="w" for="ch" ptType="sibTrans" refType="w" refFor="ch" refPtType="node" op="equ" fact="0.4"/>
+      <dgm:constr type="h" for="ch" ptType="sibTrans" op="equ"/>
+      <dgm:constr type="primFontSz" for="des" forName="connectorText" op="equ" val="55"/>
+      <dgm:constr type="primFontSz" for="des" forName="connectorText" refType="primFontSz" refFor="ch" refPtType="node" op="lte" fact="0.8"/>
+    </dgm:constrLst>
+    <dgm:ruleLst/>
+    <dgm:forEach name="nodesForEach" axis="ch" ptType="node">
+      <dgm:layoutNode name="node">
+        <dgm:varLst>
+          <dgm:bulletEnabled val="1"/>
+        </dgm:varLst>
+        <dgm:alg type="tx"/>
+        <dgm:shape xmlns:r="http://schemas.openxmlformats.org/officeDocument/2006/relationships" type="roundRect" r:blip="">
+          <dgm:adjLst>
+            <dgm:adj idx="1" val="0.1"/>
+          </dgm:adjLst>
+        </dgm:shape>
+        <dgm:presOf axis="desOrSelf" ptType="node"/>
+        <dgm:constrLst>
+          <dgm:constr type="h" refType="w" fact="0.6"/>
+          <dgm:constr type="tMarg" refType="primFontSz" fact="0.3"/>
+          <dgm:constr type="bMarg" refType="primFontSz" fact="0.3"/>
+          <dgm:constr type="lMarg" refType="primFontSz" fact="0.3"/>
+          <dgm:constr type="rMarg" refType="primFontSz" fact="0.3"/>
+        </dgm:constrLst>
+        <dgm:ruleLst>
+          <dgm:rule type="primFontSz" val="18" fact="NaN" max="NaN"/>
+          <dgm:rule type="h" val="NaN" fact="1.5" max="NaN"/>
+          <dgm:rule type="primFontSz" val="5" fact="NaN" max="NaN"/>
+          <dgm:rule type="h" val="INF" fact="NaN" max="NaN"/>
+        </dgm:ruleLst>
+      </dgm:layoutNode>
+      <dgm:forEach name="sibTransForEach" axis="followSib" ptType="sibTrans" cnt="1">
+        <dgm:layoutNode name="sibTrans">
+          <dgm:alg type="conn">
+            <dgm:param type="begPts" val="auto"/>
+            <dgm:param type="endPts" val="auto"/>
+          </dgm:alg>
+          <dgm:shape xmlns:r="http://schemas.openxmlformats.org/officeDocument/2006/relationships" type="conn" r:blip="">
+            <dgm:adjLst/>
+          </dgm:shape>
+          <dgm:presOf axis="self"/>
+          <dgm:constrLst>
+            <dgm:constr type="h" refType="w" fact="0.62"/>
+            <dgm:constr type="connDist"/>
+            <dgm:constr type="begPad" refType="connDist" fact="0.25"/>
+            <dgm:constr type="endPad" refType="connDist" fact="0.22"/>
+          </dgm:constrLst>
+          <dgm:ruleLst/>
+          <dgm:layoutNode name="connectorText">
+            <dgm:alg type="tx">
+              <dgm:param type="autoTxRot" val="grav"/>
+            </dgm:alg>
+            <dgm:shape xmlns:r="http://schemas.openxmlformats.org/officeDocument/2006/relationships" type="conn" r:blip="" hideGeom="1">
+              <dgm:adjLst/>
+            </dgm:shape>
+            <dgm:presOf axis="self"/>
+            <dgm:constrLst>
+              <dgm:constr type="lMarg"/>
+              <dgm:constr type="rMarg"/>
+              <dgm:constr type="tMarg"/>
+              <dgm:constr type="bMarg"/>
+            </dgm:constrLst>
+            <dgm:ruleLst>
+              <dgm:rule type="primFontSz" val="5" fact="NaN" max="NaN"/>
+            </dgm:ruleLst>
+          </dgm:layoutNode>
+        </dgm:layoutNode>
+      </dgm:forEach>
+    </dgm:forEach>
+  </dgm:layoutNode>
+</dgm:layoutDef>
+</file>
+
+<file path=ppt/diagrams/quickStyle1.xml><?xml version="1.0" encoding="utf-8"?>
+<dgm:styleDef xmlns:dgm="http://schemas.openxmlformats.org/drawingml/2006/diagram" xmlns:a="http://schemas.openxmlformats.org/drawingml/2006/main" uniqueId="urn:microsoft.com/office/officeart/2005/8/quickstyle/simple1">
+  <dgm:title val=""/>
+  <dgm:desc val=""/>
+  <dgm:catLst>
+    <dgm:cat type="simple" pri="10100"/>
+  </dgm:catLst>
+  <dgm:scene3d>
+    <a:camera prst="orthographicFront"/>
+    <a:lightRig rig="threePt" dir="t"/>
+  </dgm:scene3d>
+  <dgm:styleLbl name="node0">
+    <dgm:scene3d>
+      <a:camera prst="orthographicFront"/>
+      <a:lightRig rig="threePt" dir="t"/>
+    </dgm:scene3d>
+    <dgm:sp3d/>
+    <dgm:txPr/>
+    <dgm:style>
+      <a:lnRef idx="2">
+        <a:scrgbClr r="0" g="0" b="0"/>
+      </a:lnRef>
+      <a:fillRef idx="1">
+        <a:scrgbClr r="0" g="0" b="0"/>
+      </a:fillRef>
+      <a:effectRef idx="0">
+        <a:scrgbClr r="0" g="0" b="0"/>
+      </a:effectRef>
+      <a:fontRef idx="minor">
+        <a:schemeClr val="lt1"/>
+      </a:fontRef>
+    </dgm:style>
+  </dgm:styleLbl>
+  <dgm:styleLbl name="lnNode1">
+    <dgm:scene3d>
+      <a:camera prst="orthographicFront"/>
+      <a:lightRig rig="threePt" dir="t"/>
+    </dgm:scene3d>
+    <dgm:sp3d/>
+    <dgm:txPr/>
+    <dgm:style>
+      <a:lnRef idx="2">
+        <a:scrgbClr r="0" g="0" b="0"/>
+      </a:lnRef>
+      <a:fillRef idx="1">
+        <a:scrgbClr r="0" g="0" b="0"/>
+      </a:fillRef>
+      <a:effectRef idx="0">
+        <a:scrgbClr r="0" g="0" b="0"/>
+      </a:effectRef>
+      <a:fontRef idx="minor">
+        <a:schemeClr val="lt1"/>
+      </a:fontRef>
+    </dgm:style>
+  </dgm:styleLbl>
+  <dgm:styleLbl name="vennNode1">
+    <dgm:scene3d>
+      <a:camera prst="orthographicFront"/>
+      <a:lightRig rig="threePt" dir="t"/>
+    </dgm:scene3d>
+    <dgm:sp3d/>
+    <dgm:txPr/>
+    <dgm:style>
+      <a:lnRef idx="2">
+        <a:scrgbClr r="0" g="0" b="0"/>
+      </a:lnRef>
+      <a:fillRef idx="1">
+        <a:scrgbClr r="0" g="0" b="0"/>
+      </a:fillRef>
+      <a:effectRef idx="0">
+        <a:scrgbClr r="0" g="0" b="0"/>
+      </a:effectRef>
+      <a:fontRef idx="minor">
+        <a:schemeClr val="tx1"/>
+      </a:fontRef>
+    </dgm:style>
+  </dgm:styleLbl>
+  <dgm:styleLbl name="alignNode1">
+    <dgm:scene3d>
+      <a:camera prst="orthographicFront"/>
+      <a:lightRig rig="threePt" dir="t"/>
+    </dgm:scene3d>
+    <dgm:sp3d/>
+    <dgm:txPr/>
+    <dgm:style>
+      <a:lnRef idx="2">
+        <a:scrgbClr r="0" g="0" b="0"/>
+      </a:lnRef>
+      <a:fillRef idx="1">
+        <a:scrgbClr r="0" g="0" b="0"/>
+      </a:fillRef>
+      <a:effectRef idx="0">
+        <a:scrgbClr r="0" g="0" b="0"/>
+      </a:effectRef>
+      <a:fontRef idx="minor">
+        <a:schemeClr val="lt1"/>
+      </a:fontRef>
+    </dgm:style>
+  </dgm:styleLbl>
+  <dgm:styleLbl name="node1">
+    <dgm:scene3d>
+      <a:camera prst="orthographicFront"/>
+      <a:lightRig rig="threePt" dir="t"/>
+    </dgm:scene3d>
+    <dgm:sp3d/>
+    <dgm:txPr/>
+    <dgm:style>
+      <a:lnRef idx="2">
+        <a:scrgbClr r="0" g="0" b="0"/>
+      </a:lnRef>
+      <a:fillRef idx="1">
+        <a:scrgbClr r="0" g="0" b="0"/>
+      </a:fillRef>
+      <a:effectRef idx="0">
+        <a:scrgbClr r="0" g="0" b="0"/>
+      </a:effectRef>
+      <a:fontRef idx="minor">
+        <a:schemeClr val="lt1"/>
+      </a:fontRef>
+    </dgm:style>
+  </dgm:styleLbl>
+  <dgm:styleLbl name="node2">
+    <dgm:scene3d>
+      <a:camera prst="orthographicFront"/>
+      <a:lightRig rig="threePt" dir="t"/>
+    </dgm:scene3d>
+    <dgm:sp3d/>
+    <dgm:txPr/>
+    <dgm:style>
+      <a:lnRef idx="2">
+        <a:scrgbClr r="0" g="0" b="0"/>
+      </a:lnRef>
+      <a:fillRef idx="1">
+        <a:scrgbClr r="0" g="0" b="0"/>
+      </a:fillRef>
+      <a:effectRef idx="0">
+        <a:scrgbClr r="0" g="0" b="0"/>
+      </a:effectRef>
+      <a:fontRef idx="minor">
+        <a:schemeClr val="lt1"/>
+      </a:fontRef>
+    </dgm:style>
+  </dgm:styleLbl>
+  <dgm:styleLbl name="node3">
+    <dgm:scene3d>
+      <a:camera prst="orthographicFront"/>
+      <a:lightRig rig="threePt" dir="t"/>
+    </dgm:scene3d>
+    <dgm:sp3d/>
+    <dgm:txPr/>
+    <dgm:style>
+      <a:lnRef idx="2">
+        <a:scrgbClr r="0" g="0" b="0"/>
+      </a:lnRef>
+      <a:fillRef idx="1">
+        <a:scrgbClr r="0" g="0" b="0"/>
+      </a:fillRef>
+      <a:effectRef idx="0">
+        <a:scrgbClr r="0" g="0" b="0"/>
+      </a:effectRef>
+      <a:fontRef idx="minor">
+        <a:schemeClr val="lt1"/>
+      </a:fontRef>
+    </dgm:style>
+  </dgm:styleLbl>
+  <dgm:styleLbl name="node4">
+    <dgm:scene3d>
+      <a:camera prst="orthographicFront"/>
+      <a:lightRig rig="threePt" dir="t"/>
+    </dgm:scene3d>
+    <dgm:sp3d/>
+    <dgm:txPr/>
+    <dgm:style>
+      <a:lnRef idx="2">
+        <a:scrgbClr r="0" g="0" b="0"/>
+      </a:lnRef>
+      <a:fillRef idx="1">
+        <a:scrgbClr r="0" g="0" b="0"/>
+      </a:fillRef>
+      <a:effectRef idx="0">
+        <a:scrgbClr r="0" g="0" b="0"/>
+      </a:effectRef>
+      <a:fontRef idx="minor">
+        <a:schemeClr val="lt1"/>
+      </a:fontRef>
+    </dgm:style>
+  </dgm:styleLbl>
+  <dgm:styleLbl name="fgImgPlace1">
+    <dgm:scene3d>
+      <a:camera prst="orthographicFront"/>
+      <a:lightRig rig="threePt" dir="t"/>
+    </dgm:scene3d>
+    <dgm:sp3d/>
+    <dgm:txPr/>
+    <dgm:style>
+      <a:lnRef idx="2">
+        <a:scrgbClr r="0" g="0" b="0"/>
+      </a:lnRef>
+      <a:fillRef idx="1">
+        <a:scrgbClr r="0" g="0" b="0"/>
+      </a:fillRef>
+      <a:effectRef idx="0">
+        <a:scrgbClr r="0" g="0" b="0"/>
+      </a:effectRef>
+      <a:fontRef idx="minor"/>
+    </dgm:style>
+  </dgm:styleLbl>
+  <dgm:styleLbl name="alignImgPlace1">
+    <dgm:scene3d>
+      <a:camera prst="orthographicFront"/>
+      <a:lightRig rig="threePt" dir="t"/>
+    </dgm:scene3d>
+    <dgm:sp3d/>
+    <dgm:txPr/>
+    <dgm:style>
+      <a:lnRef idx="2">
+        <a:scrgbClr r="0" g="0" b="0"/>
+      </a:lnRef>
+      <a:fillRef idx="1">
+        <a:scrgbClr r="0" g="0" b="0"/>
+      </a:fillRef>
+      <a:effectRef idx="0">
+        <a:scrgbClr r="0" g="0" b="0"/>
+      </a:effectRef>
+      <a:fontRef idx="minor"/>
+    </dgm:style>
+  </dgm:styleLbl>
+  <dgm:styleLbl name="bgImgPlace1">
+    <dgm:scene3d>
+      <a:camera prst="orthographicFront"/>
+      <a:lightRig rig="threePt" dir="t"/>
+    </dgm:scene3d>
+    <dgm:sp3d/>
+    <dgm:txPr/>
+    <dgm:style>
+      <a:lnRef idx="2">
+        <a:scrgbClr r="0" g="0" b="0"/>
+      </a:lnRef>
+      <a:fillRef idx="1">
+        <a:scrgbClr r="0" g="0" b="0"/>
+      </a:fillRef>
+      <a:effectRef idx="0">
+        <a:scrgbClr r="0" g="0" b="0"/>
+      </a:effectRef>
+      <a:fontRef idx="minor"/>
+    </dgm:style>
+  </dgm:styleLbl>
+  <dgm:styleLbl name="sibTrans2D1">
+    <dgm:scene3d>
+      <a:camera prst="orthographicFront"/>
+      <a:lightRig rig="threePt" dir="t"/>
+    </dgm:scene3d>
+    <dgm:sp3d/>
+    <dgm:txPr/>
+    <dgm:style>
+      <a:lnRef idx="0">
+        <a:scrgbClr r="0" g="0" b="0"/>
+      </a:lnRef>
+      <a:fillRef idx="1">
+        <a:scrgbClr r="0" g="0" b="0"/>
+      </a:fillRef>
+      <a:effectRef idx="0">
+        <a:scrgbClr r="0" g="0" b="0"/>
+      </a:effectRef>
+      <a:fontRef idx="minor">
+        <a:schemeClr val="lt1"/>
+      </a:fontRef>
+    </dgm:style>
+  </dgm:styleLbl>
+  <dgm:styleLbl name="fgSibTrans2D1">
+    <dgm:scene3d>
+      <a:camera prst="orthographicFront"/>
+      <a:lightRig rig="threePt" dir="t"/>
+    </dgm:scene3d>
+    <dgm:sp3d/>
+    <dgm:txPr/>
+    <dgm:style>
+      <a:lnRef idx="0">
+        <a:scrgbClr r="0" g="0" b="0"/>
+      </a:lnRef>
+      <a:fillRef idx="1">
+        <a:scrgbClr r="0" g="0" b="0"/>
+      </a:fillRef>
+      <a:effectRef idx="0">
+        <a:scrgbClr r="0" g="0" b="0"/>
+      </a:effectRef>
+      <a:fontRef idx="minor">
+        <a:schemeClr val="lt1"/>
+      </a:fontRef>
+    </dgm:style>
+  </dgm:styleLbl>
+  <dgm:styleLbl name="bgSibTrans2D1">
+    <dgm:scene3d>
+      <a:camera prst="orthographicFront"/>
+      <a:lightRig rig="threePt" dir="t"/>
+    </dgm:scene3d>
+    <dgm:sp3d/>
+    <dgm:txPr/>
+    <dgm:style>
+      <a:lnRef idx="0">
+        <a:scrgbClr r="0" g="0" b="0"/>
+      </a:lnRef>
+      <a:fillRef idx="1">
+        <a:scrgbClr r="0" g="0" b="0"/>
+      </a:fillRef>
+      <a:effectRef idx="0">
+        <a:scrgbClr r="0" g="0" b="0"/>
+      </a:effectRef>
+      <a:fontRef idx="minor">
+        <a:schemeClr val="lt1"/>
+      </a:fontRef>
+    </dgm:style>
+  </dgm:styleLbl>
+  <dgm:styleLbl name="sibTrans1D1">
+    <dgm:scene3d>
+      <a:camera prst="orthographicFront"/>
+      <a:lightRig rig="threePt" dir="t"/>
+    </dgm:scene3d>
+    <dgm:sp3d/>
+    <dgm:txPr/>
+    <dgm:style>
+      <a:lnRef idx="1">
+        <a:scrgbClr r="0" g="0" b="0"/>
+      </a:lnRef>
+      <a:fillRef idx="0">
+        <a:scrgbClr r="0" g="0" b="0"/>
+      </a:fillRef>
+      <a:effectRef idx="0">
+        <a:scrgbClr r="0" g="0" b="0"/>
+      </a:effectRef>
+      <a:fontRef idx="minor"/>
+    </dgm:style>
+  </dgm:styleLbl>
+  <dgm:styleLbl name="callout">
+    <dgm:scene3d>
+      <a:camera prst="orthographicFront"/>
+      <a:lightRig rig="threePt" dir="t"/>
+    </dgm:scene3d>
+    <dgm:sp3d/>
+    <dgm:txPr/>
+    <dgm:style>
+      <a:lnRef idx="2">
+        <a:scrgbClr r="0" g="0" b="0"/>
+      </a:lnRef>
+      <a:fillRef idx="1">
+        <a:scrgbClr r="0" g="0" b="0"/>
+      </a:fillRef>
+      <a:effectRef idx="0">
+        <a:scrgbClr r="0" g="0" b="0"/>
+      </a:effectRef>
+      <a:fontRef idx="minor"/>
+    </dgm:style>
+  </dgm:styleLbl>
+  <dgm:styleLbl name="asst0">
+    <dgm:scene3d>
+      <a:camera prst="orthographicFront"/>
+      <a:lightRig rig="threePt" dir="t"/>
+    </dgm:scene3d>
+    <dgm:sp3d/>
+    <dgm:txPr/>
+    <dgm:style>
+      <a:lnRef idx="2">
+        <a:scrgbClr r="0" g="0" b="0"/>
+      </a:lnRef>
+      <a:fillRef idx="1">
+        <a:scrgbClr r="0" g="0" b="0"/>
+      </a:fillRef>
+      <a:effectRef idx="0">
+        <a:scrgbClr r="0" g="0" b="0"/>
+      </a:effectRef>
+      <a:fontRef idx="minor">
+        <a:schemeClr val="lt1"/>
+      </a:fontRef>
+    </dgm:style>
+  </dgm:styleLbl>
+  <dgm:styleLbl name="asst1">
+    <dgm:scene3d>
+      <a:camera prst="orthographicFront"/>
+      <a:lightRig rig="threePt" dir="t"/>
+    </dgm:scene3d>
+    <dgm:sp3d/>
+    <dgm:txPr/>
+    <dgm:style>
+      <a:lnRef idx="2">
+        <a:scrgbClr r="0" g="0" b="0"/>
+      </a:lnRef>
+      <a:fillRef idx="1">
+        <a:scrgbClr r="0" g="0" b="0"/>
+      </a:fillRef>
+      <a:effectRef idx="0">
+        <a:scrgbClr r="0" g="0" b="0"/>
+      </a:effectRef>
+      <a:fontRef idx="minor">
+        <a:schemeClr val="lt1"/>
+      </a:fontRef>
+    </dgm:style>
+  </dgm:styleLbl>
+  <dgm:styleLbl name="asst2">
+    <dgm:scene3d>
+      <a:camera prst="orthographicFront"/>
+      <a:lightRig rig="threePt" dir="t"/>
+    </dgm:scene3d>
+    <dgm:sp3d/>
+    <dgm:txPr/>
+    <dgm:style>
+      <a:lnRef idx="2">
+        <a:scrgbClr r="0" g="0" b="0"/>
+      </a:lnRef>
+      <a:fillRef idx="1">
+        <a:scrgbClr r="0" g="0" b="0"/>
+      </a:fillRef>
+      <a:effectRef idx="0">
+        <a:scrgbClr r="0" g="0" b="0"/>
+      </a:effectRef>
+      <a:fontRef idx="minor">
+        <a:schemeClr val="lt1"/>
+      </a:fontRef>
+    </dgm:style>
+  </dgm:styleLbl>
+  <dgm:styleLbl name="asst3">
+    <dgm:scene3d>
+      <a:camera prst="orthographicFront"/>
+      <a:lightRig rig="threePt" dir="t"/>
+    </dgm:scene3d>
+    <dgm:sp3d/>
+    <dgm:txPr/>
+    <dgm:style>
+      <a:lnRef idx="2">
+        <a:scrgbClr r="0" g="0" b="0"/>
+      </a:lnRef>
+      <a:fillRef idx="1">
+        <a:scrgbClr r="0" g="0" b="0"/>
+      </a:fillRef>
+      <a:effectRef idx="0">
+        <a:scrgbClr r="0" g="0" b="0"/>
+      </a:effectRef>
+      <a:fontRef idx="minor">
+        <a:schemeClr val="lt1"/>
+      </a:fontRef>
+    </dgm:style>
+  </dgm:styleLbl>
+  <dgm:styleLbl name="asst4">
+    <dgm:scene3d>
+      <a:camera prst="orthographicFront"/>
+      <a:lightRig rig="threePt" dir="t"/>
+    </dgm:scene3d>
+    <dgm:sp3d/>
+    <dgm:txPr/>
+    <dgm:style>
+      <a:lnRef idx="2">
+        <a:scrgbClr r="0" g="0" b="0"/>
+      </a:lnRef>
+      <a:fillRef idx="1">
+        <a:scrgbClr r="0" g="0" b="0"/>
+      </a:fillRef>
+      <a:effectRef idx="0">
+        <a:scrgbClr r="0" g="0" b="0"/>
+      </a:effectRef>
+      <a:fontRef idx="minor">
+        <a:schemeClr val="lt1"/>
+      </a:fontRef>
+    </dgm:style>
+  </dgm:styleLbl>
+  <dgm:styleLbl name="parChTrans2D1">
+    <dgm:scene3d>
+      <a:camera prst="orthographicFront"/>
+      <a:lightRig rig="threePt" dir="t"/>
+    </dgm:scene3d>
+    <dgm:sp3d/>
+    <dgm:txPr/>
+    <dgm:style>
+      <a:lnRef idx="2">
+        <a:scrgbClr r="0" g="0" b="0"/>
+      </a:lnRef>
+      <a:fillRef idx="1">
+        <a:scrgbClr r="0" g="0" b="0"/>
+      </a:fillRef>
+      <a:effectRef idx="0">
+        <a:scrgbClr r="0" g="0" b="0"/>
+      </a:effectRef>
+      <a:fontRef idx="minor">
+        <a:schemeClr val="lt1"/>
+      </a:fontRef>
+    </dgm:style>
+  </dgm:styleLbl>
+  <dgm:styleLbl name="parChTrans2D2">
+    <dgm:scene3d>
+      <a:camera prst="orthographicFront"/>
+      <a:lightRig rig="threePt" dir="t"/>
+    </dgm:scene3d>
+    <dgm:sp3d/>
+    <dgm:txPr/>
+    <dgm:style>
+      <a:lnRef idx="2">
+        <a:scrgbClr r="0" g="0" b="0"/>
+      </a:lnRef>
+      <a:fillRef idx="1">
+        <a:scrgbClr r="0" g="0" b="0"/>
+      </a:fillRef>
+      <a:effectRef idx="0">
+        <a:scrgbClr r="0" g="0" b="0"/>
+      </a:effectRef>
+      <a:fontRef idx="minor">
+        <a:schemeClr val="lt1"/>
+      </a:fontRef>
+    </dgm:style>
+  </dgm:styleLbl>
+  <dgm:styleLbl name="parChTrans2D3">
+    <dgm:scene3d>
+      <a:camera prst="orthographicFront"/>
+      <a:lightRig rig="threePt" dir="t"/>
+    </dgm:scene3d>
+    <dgm:sp3d/>
+    <dgm:txPr/>
+    <dgm:style>
+      <a:lnRef idx="2">
+        <a:scrgbClr r="0" g="0" b="0"/>
+      </a:lnRef>
+      <a:fillRef idx="1">
+        <a:scrgbClr r="0" g="0" b="0"/>
+      </a:fillRef>
+      <a:effectRef idx="0">
+        <a:scrgbClr r="0" g="0" b="0"/>
+      </a:effectRef>
+      <a:fontRef idx="minor">
+        <a:schemeClr val="lt1"/>
+      </a:fontRef>
+    </dgm:style>
+  </dgm:styleLbl>
+  <dgm:styleLbl name="parChTrans2D4">
+    <dgm:scene3d>
+      <a:camera prst="orthographicFront"/>
+      <a:lightRig rig="threePt" dir="t"/>
+    </dgm:scene3d>
+    <dgm:sp3d/>
+    <dgm:txPr/>
+    <dgm:style>
+      <a:lnRef idx="2">
+        <a:scrgbClr r="0" g="0" b="0"/>
+      </a:lnRef>
+      <a:fillRef idx="1">
+        <a:scrgbClr r="0" g="0" b="0"/>
+      </a:fillRef>
+      <a:effectRef idx="0">
+        <a:scrgbClr r="0" g="0" b="0"/>
+      </a:effectRef>
+      <a:fontRef idx="minor">
+        <a:schemeClr val="lt1"/>
+      </a:fontRef>
+    </dgm:style>
+  </dgm:styleLbl>
+  <dgm:styleLbl name="parChTrans1D1">
+    <dgm:scene3d>
+      <a:camera prst="orthographicFront"/>
+      <a:lightRig rig="threePt" dir="t"/>
+    </dgm:scene3d>
+    <dgm:sp3d/>
+    <dgm:txPr/>
+    <dgm:style>
+      <a:lnRef idx="2">
+        <a:scrgbClr r="0" g="0" b="0"/>
+      </a:lnRef>
+      <a:fillRef idx="0">
+        <a:scrgbClr r="0" g="0" b="0"/>
+      </a:fillRef>
+      <a:effectRef idx="0">
+        <a:scrgbClr r="0" g="0" b="0"/>
+      </a:effectRef>
+      <a:fontRef idx="minor"/>
+    </dgm:style>
+  </dgm:styleLbl>
+  <dgm:styleLbl name="parChTrans1D2">
+    <dgm:scene3d>
+      <a:camera prst="orthographicFront"/>
+      <a:lightRig rig="threePt" dir="t"/>
+    </dgm:scene3d>
+    <dgm:sp3d/>
+    <dgm:txPr/>
+    <dgm:style>
+      <a:lnRef idx="2">
+        <a:scrgbClr r="0" g="0" b="0"/>
+      </a:lnRef>
+      <a:fillRef idx="0">
+        <a:scrgbClr r="0" g="0" b="0"/>
+      </a:fillRef>
+      <a:effectRef idx="0">
+        <a:scrgbClr r="0" g="0" b="0"/>
+      </a:effectRef>
+      <a:fontRef idx="minor"/>
+    </dgm:style>
+  </dgm:styleLbl>
+  <dgm:styleLbl name="parChTrans1D3">
+    <dgm:scene3d>
+      <a:camera prst="orthographicFront"/>
+      <a:lightRig rig="threePt" dir="t"/>
+    </dgm:scene3d>
+    <dgm:sp3d/>
+    <dgm:txPr/>
+    <dgm:style>
+      <a:lnRef idx="2">
+        <a:scrgbClr r="0" g="0" b="0"/>
+      </a:lnRef>
+      <a:fillRef idx="0">
+        <a:scrgbClr r="0" g="0" b="0"/>
+      </a:fillRef>
+      <a:effectRef idx="0">
+        <a:scrgbClr r="0" g="0" b="0"/>
+      </a:effectRef>
+      <a:fontRef idx="minor"/>
+    </dgm:style>
+  </dgm:styleLbl>
+  <dgm:styleLbl name="parChTrans1D4">
+    <dgm:scene3d>
+      <a:camera prst="orthographicFront"/>
+      <a:lightRig rig="threePt" dir="t"/>
+    </dgm:scene3d>
+    <dgm:sp3d/>
+    <dgm:txPr/>
+    <dgm:style>
+      <a:lnRef idx="2">
+        <a:scrgbClr r="0" g="0" b="0"/>
+      </a:lnRef>
+      <a:fillRef idx="0">
+        <a:scrgbClr r="0" g="0" b="0"/>
+      </a:fillRef>
+      <a:effectRef idx="0">
+        <a:scrgbClr r="0" g="0" b="0"/>
+      </a:effectRef>
+      <a:fontRef idx="minor"/>
+    </dgm:style>
+  </dgm:styleLbl>
+  <dgm:styleLbl name="fgAcc1">
+    <dgm:scene3d>
+      <a:camera prst="orthographicFront"/>
+      <a:lightRig rig="threePt" dir="t"/>
+    </dgm:scene3d>
+    <dgm:sp3d/>
+    <dgm:txPr/>
+    <dgm:style>
+      <a:lnRef idx="2">
+        <a:scrgbClr r="0" g="0" b="0"/>
+      </a:lnRef>
+      <a:fillRef idx="1">
+        <a:scrgbClr r="0" g="0" b="0"/>
+      </a:fillRef>
+      <a:effectRef idx="0">
+        <a:scrgbClr r="0" g="0" b="0"/>
+      </a:effectRef>
+      <a:fontRef idx="minor"/>
+    </dgm:style>
+  </dgm:styleLbl>
+  <dgm:styleLbl name="conFgAcc1">
+    <dgm:scene3d>
+      <a:camera prst="orthographicFront"/>
+      <a:lightRig rig="threePt" dir="t"/>
+    </dgm:scene3d>
+    <dgm:sp3d/>
+    <dgm:txPr/>
+    <dgm:style>
+      <a:lnRef idx="2">
+        <a:scrgbClr r="0" g="0" b="0"/>
+      </a:lnRef>
+      <a:fillRef idx="1">
+        <a:scrgbClr r="0" g="0" b="0"/>
+      </a:fillRef>
+      <a:effectRef idx="0">
+        <a:scrgbClr r="0" g="0" b="0"/>
+      </a:effectRef>
+      <a:fontRef idx="minor"/>
+    </dgm:style>
+  </dgm:styleLbl>
+  <dgm:styleLbl name="alignAcc1">
+    <dgm:scene3d>
+      <a:camera prst="orthographicFront"/>
+      <a:lightRig rig="threePt" dir="t"/>
+    </dgm:scene3d>
+    <dgm:sp3d/>
+    <dgm:txPr/>
+    <dgm:style>
+      <a:lnRef idx="2">
+        <a:scrgbClr r="0" g="0" b="0"/>
+      </a:lnRef>
+      <a:fillRef idx="1">
+        <a:scrgbClr r="0" g="0" b="0"/>
+      </a:fillRef>
+      <a:effectRef idx="0">
+        <a:scrgbClr r="0" g="0" b="0"/>
+      </a:effectRef>
+      <a:fontRef idx="minor"/>
+    </dgm:style>
+  </dgm:styleLbl>
+  <dgm:styleLbl name="trAlignAcc1">
+    <dgm:scene3d>
+      <a:camera prst="orthographicFront"/>
+      <a:lightRig rig="threePt" dir="t"/>
+    </dgm:scene3d>
+    <dgm:sp3d/>
+    <dgm:txPr/>
+    <dgm:style>
+      <a:lnRef idx="1">
+        <a:scrgbClr r="0" g="0" b="0"/>
+      </a:lnRef>
+      <a:fillRef idx="1">
+        <a:scrgbClr r="0" g="0" b="0"/>
+      </a:fillRef>
+      <a:effectRef idx="0">
+        <a:scrgbClr r="0" g="0" b="0"/>
+      </a:effectRef>
+      <a:fontRef idx="minor"/>
+    </dgm:style>
+  </dgm:styleLbl>
+  <dgm:styleLbl name="bgAcc1">
+    <dgm:scene3d>
+      <a:camera prst="orthographicFront"/>
+      <a:lightRig rig="threePt" dir="t"/>
+    </dgm:scene3d>
+    <dgm:sp3d/>
+    <dgm:txPr/>
+    <dgm:style>
+      <a:lnRef idx="2">
+        <a:scrgbClr r="0" g="0" b="0"/>
+      </a:lnRef>
+      <a:fillRef idx="1">
+        <a:scrgbClr r="0" g="0" b="0"/>
+      </a:fillRef>
+      <a:effectRef idx="0">
+        <a:scrgbClr r="0" g="0" b="0"/>
+      </a:effectRef>
+      <a:fontRef idx="minor"/>
+    </dgm:style>
+  </dgm:styleLbl>
+  <dgm:styleLbl name="solidFgAcc1">
+    <dgm:scene3d>
+      <a:camera prst="orthographicFront"/>
+      <a:lightRig rig="threePt" dir="t"/>
+    </dgm:scene3d>
+    <dgm:sp3d/>
+    <dgm:txPr/>
+    <dgm:style>
+      <a:lnRef idx="2">
+        <a:scrgbClr r="0" g="0" b="0"/>
+      </a:lnRef>
+      <a:fillRef idx="1">
+        <a:scrgbClr r="0" g="0" b="0"/>
+      </a:fillRef>
+      <a:effectRef idx="0">
+        <a:scrgbClr r="0" g="0" b="0"/>
+      </a:effectRef>
+      <a:fontRef idx="minor"/>
+    </dgm:style>
+  </dgm:styleLbl>
+  <dgm:styleLbl name="solidAlignAcc1">
+    <dgm:scene3d>
+      <a:camera prst="orthographicFront"/>
+      <a:lightRig rig="threePt" dir="t"/>
+    </dgm:scene3d>
+    <dgm:sp3d/>
+    <dgm:txPr/>
+    <dgm:style>
+      <a:lnRef idx="2">
+        <a:scrgbClr r="0" g="0" b="0"/>
+      </a:lnRef>
+      <a:fillRef idx="1">
+        <a:scrgbClr r="0" g="0" b="0"/>
+      </a:fillRef>
+      <a:effectRef idx="0">
+        <a:scrgbClr r="0" g="0" b="0"/>
+      </a:effectRef>
+      <a:fontRef idx="minor"/>
+    </dgm:style>
+  </dgm:styleLbl>
+  <dgm:styleLbl name="solidBgAcc1">
+    <dgm:scene3d>
+      <a:camera prst="orthographicFront"/>
+      <a:lightRig rig="threePt" dir="t"/>
+    </dgm:scene3d>
+    <dgm:sp3d/>
+    <dgm:txPr/>
+    <dgm:style>
+      <a:lnRef idx="2">
+        <a:scrgbClr r="0" g="0" b="0"/>
+      </a:lnRef>
+      <a:fillRef idx="1">
+        <a:scrgbClr r="0" g="0" b="0"/>
+      </a:fillRef>
+      <a:effectRef idx="0">
+        <a:scrgbClr r="0" g="0" b="0"/>
+      </a:effectRef>
+      <a:fontRef idx="minor"/>
+    </dgm:style>
+  </dgm:styleLbl>
+  <dgm:styleLbl name="fgAccFollowNode1">
+    <dgm:scene3d>
+      <a:camera prst="orthographicFront"/>
+      <a:lightRig rig="threePt" dir="t"/>
+    </dgm:scene3d>
+    <dgm:sp3d/>
+    <dgm:txPr/>
+    <dgm:style>
+      <a:lnRef idx="2">
+        <a:scrgbClr r="0" g="0" b="0"/>
+      </a:lnRef>
+      <a:fillRef idx="1">
+        <a:scrgbClr r="0" g="0" b="0"/>
+      </a:fillRef>
+      <a:effectRef idx="0">
+        <a:scrgbClr r="0" g="0" b="0"/>
+      </a:effectRef>
+      <a:fontRef idx="minor"/>
+    </dgm:style>
+  </dgm:styleLbl>
+  <dgm:styleLbl name="alignAccFollowNode1">
+    <dgm:scene3d>
+      <a:camera prst="orthographicFront"/>
+      <a:lightRig rig="threePt" dir="t"/>
+    </dgm:scene3d>
+    <dgm:sp3d/>
+    <dgm:txPr/>
+    <dgm:style>
+      <a:lnRef idx="2">
+        <a:scrgbClr r="0" g="0" b="0"/>
+      </a:lnRef>
+      <a:fillRef idx="1">
+        <a:scrgbClr r="0" g="0" b="0"/>
+      </a:fillRef>
+      <a:effectRef idx="0">
+        <a:scrgbClr r="0" g="0" b="0"/>
+      </a:effectRef>
+      <a:fontRef idx="minor"/>
+    </dgm:style>
+  </dgm:styleLbl>
+  <dgm:styleLbl name="bgAccFollowNode1">
+    <dgm:scene3d>
+      <a:camera prst="orthographicFront"/>
+      <a:lightRig rig="threePt" dir="t"/>
+    </dgm:scene3d>
+    <dgm:sp3d/>
+    <dgm:txPr/>
+    <dgm:style>
+      <a:lnRef idx="2">
+        <a:scrgbClr r="0" g="0" b="0"/>
+      </a:lnRef>
+      <a:fillRef idx="1">
+        <a:scrgbClr r="0" g="0" b="0"/>
+      </a:fillRef>
+      <a:effectRef idx="0">
+        <a:scrgbClr r="0" g="0" b="0"/>
+      </a:effectRef>
+      <a:fontRef idx="minor"/>
+    </dgm:style>
+  </dgm:styleLbl>
+  <dgm:styleLbl name="fgAcc0">
+    <dgm:scene3d>
+      <a:camera prst="orthographicFront"/>
+      <a:lightRig rig="threePt" dir="t"/>
+    </dgm:scene3d>
+    <dgm:sp3d/>
+    <dgm:txPr/>
+    <dgm:style>
+      <a:lnRef idx="2">
+        <a:scrgbClr r="0" g="0" b="0"/>
+      </a:lnRef>
+      <a:fillRef idx="1">
+        <a:scrgbClr r="0" g="0" b="0"/>
+      </a:fillRef>
+      <a:effectRef idx="0">
+        <a:scrgbClr r="0" g="0" b="0"/>
+      </a:effectRef>
+      <a:fontRef idx="minor"/>
+    </dgm:style>
+  </dgm:styleLbl>
+  <dgm:styleLbl name="fgAcc2">
+    <dgm:scene3d>
+      <a:camera prst="orthographicFront"/>
+      <a:lightRig rig="threePt" dir="t"/>
+    </dgm:scene3d>
+    <dgm:sp3d/>
+    <dgm:txPr/>
+    <dgm:style>
+      <a:lnRef idx="2">
+        <a:scrgbClr r="0" g="0" b="0"/>
+      </a:lnRef>
+      <a:fillRef idx="1">
+        <a:scrgbClr r="0" g="0" b="0"/>
+      </a:fillRef>
+      <a:effectRef idx="0">
+        <a:scrgbClr r="0" g="0" b="0"/>
+      </a:effectRef>
+      <a:fontRef idx="minor"/>
+    </dgm:style>
+  </dgm:styleLbl>
+  <dgm:styleLbl name="fgAcc3">
+    <dgm:scene3d>
+      <a:camera prst="orthographicFront"/>
+      <a:lightRig rig="threePt" dir="t"/>
+    </dgm:scene3d>
+    <dgm:sp3d/>
+    <dgm:txPr/>
+    <dgm:style>
+      <a:lnRef idx="2">
+        <a:scrgbClr r="0" g="0" b="0"/>
+      </a:lnRef>
+      <a:fillRef idx="1">
+        <a:scrgbClr r="0" g="0" b="0"/>
+      </a:fillRef>
+      <a:effectRef idx="0">
+        <a:scrgbClr r="0" g="0" b="0"/>
+      </a:effectRef>
+      <a:fontRef idx="minor"/>
+    </dgm:style>
+  </dgm:styleLbl>
+  <dgm:styleLbl name="fgAcc4">
+    <dgm:scene3d>
+      <a:camera prst="orthographicFront"/>
+      <a:lightRig rig="threePt" dir="t"/>
+    </dgm:scene3d>
+    <dgm:sp3d/>
+    <dgm:txPr/>
+    <dgm:style>
+      <a:lnRef idx="2">
+        <a:scrgbClr r="0" g="0" b="0"/>
+      </a:lnRef>
+      <a:fillRef idx="1">
+        <a:scrgbClr r="0" g="0" b="0"/>
+      </a:fillRef>
+      <a:effectRef idx="0">
+        <a:scrgbClr r="0" g="0" b="0"/>
+      </a:effectRef>
+      <a:fontRef idx="minor"/>
+    </dgm:style>
+  </dgm:styleLbl>
+  <dgm:styleLbl name="bgShp">
+    <dgm:scene3d>
+      <a:camera prst="orthographicFront"/>
+      <a:lightRig rig="threePt" dir="t"/>
+    </dgm:scene3d>
+    <dgm:sp3d/>
+    <dgm:txPr/>
+    <dgm:style>
+      <a:lnRef idx="0">
+        <a:scrgbClr r="0" g="0" b="0"/>
+      </a:lnRef>
+      <a:fillRef idx="1">
+        <a:scrgbClr r="0" g="0" b="0"/>
+      </a:fillRef>
+      <a:effectRef idx="0">
+        <a:scrgbClr r="0" g="0" b="0"/>
+      </a:effectRef>
+      <a:fontRef idx="minor"/>
+    </dgm:style>
+  </dgm:styleLbl>
+  <dgm:styleLbl name="dkBgShp">
+    <dgm:scene3d>
+      <a:camera prst="orthographicFront"/>
+      <a:lightRig rig="threePt" dir="t"/>
+    </dgm:scene3d>
+    <dgm:sp3d/>
+    <dgm:txPr/>
+    <dgm:style>
+      <a:lnRef idx="0">
+        <a:scrgbClr r="0" g="0" b="0"/>
+      </a:lnRef>
+      <a:fillRef idx="1">
+        <a:scrgbClr r="0" g="0" b="0"/>
+      </a:fillRef>
+      <a:effectRef idx="0">
+        <a:scrgbClr r="0" g="0" b="0"/>
+      </a:effectRef>
+      <a:fontRef idx="minor"/>
+    </dgm:style>
+  </dgm:styleLbl>
+  <dgm:styleLbl name="trBgShp">
+    <dgm:scene3d>
+      <a:camera prst="orthographicFront"/>
+      <a:lightRig rig="threePt" dir="t"/>
+    </dgm:scene3d>
+    <dgm:sp3d/>
+    <dgm:txPr/>
+    <dgm:style>
+      <a:lnRef idx="0">
+        <a:scrgbClr r="0" g="0" b="0"/>
+      </a:lnRef>
+      <a:fillRef idx="1">
+        <a:scrgbClr r="0" g="0" b="0"/>
+      </a:fillRef>
+      <a:effectRef idx="0">
+        <a:scrgbClr r="0" g="0" b="0"/>
+      </a:effectRef>
+      <a:fontRef idx="minor"/>
+    </dgm:style>
+  </dgm:styleLbl>
+  <dgm:styleLbl name="fgShp">
+    <dgm:scene3d>
+      <a:camera prst="orthographicFront"/>
+      <a:lightRig rig="threePt" dir="t"/>
+    </dgm:scene3d>
+    <dgm:sp3d/>
+    <dgm:txPr/>
+    <dgm:style>
+      <a:lnRef idx="2">
+        <a:scrgbClr r="0" g="0" b="0"/>
+      </a:lnRef>
+      <a:fillRef idx="1">
+        <a:scrgbClr r="0" g="0" b="0"/>
+      </a:fillRef>
+      <a:effectRef idx="0">
+        <a:scrgbClr r="0" g="0" b="0"/>
+      </a:effectRef>
+      <a:fontRef idx="minor"/>
+    </dgm:style>
+  </dgm:styleLbl>
+  <dgm:styleLbl name="revTx">
+    <dgm:scene3d>
+      <a:camera prst="orthographicFront"/>
+      <a:lightRig rig="threePt" dir="t"/>
+    </dgm:scene3d>
+    <dgm:sp3d/>
+    <dgm:txPr/>
+    <dgm:style>
+      <a:lnRef idx="0">
+        <a:scrgbClr r="0" g="0" b="0"/>
+      </a:lnRef>
+      <a:fillRef idx="0">
+        <a:scrgbClr r="0" g="0" b="0"/>
+      </a:fillRef>
+      <a:effectRef idx="0">
+        <a:scrgbClr r="0" g="0" b="0"/>
+      </a:effectRef>
+      <a:fontRef idx="minor"/>
+    </dgm:style>
+  </dgm:styleLbl>
+</dgm:styleDef>
 </file>
 
 <file path=ppt/slideLayouts/slideLayout1.xml><?xml version="1.0" encoding="utf-8"?>
@@ -3909,6 +6436,1807 @@
 </p:sld>
 </file>
 
+<file path=ppt/slides/slide2.xml><?xml version="1.0" encoding="utf-8"?>
+<p:sld xmlns:a="http://schemas.openxmlformats.org/drawingml/2006/main" xmlns:r="http://schemas.openxmlformats.org/officeDocument/2006/relationships" xmlns:p="http://schemas.openxmlformats.org/presentationml/2006/main">
+  <p:cSld>
+    <p:spTree>
+      <p:nvGrpSpPr>
+        <p:cNvPr id="1" name=""/>
+        <p:cNvGrpSpPr/>
+        <p:nvPr/>
+      </p:nvGrpSpPr>
+      <p:grpSpPr>
+        <a:xfrm>
+          <a:off x="0" y="0"/>
+          <a:ext cx="0" cy="0"/>
+          <a:chOff x="0" y="0"/>
+          <a:chExt cx="0" cy="0"/>
+        </a:xfrm>
+      </p:grpSpPr>
+      <p:sp>
+        <p:nvSpPr>
+          <p:cNvPr id="2" name="Title 1">
+            <a:extLst>
+              <a:ext uri="{FF2B5EF4-FFF2-40B4-BE49-F238E27FC236}">
+                <a16:creationId xmlns:a16="http://schemas.microsoft.com/office/drawing/2014/main" id="{B3324738-3813-2B0F-EA76-8B4FB3E3B5FC}"/>
+              </a:ext>
+            </a:extLst>
+          </p:cNvPr>
+          <p:cNvSpPr>
+            <a:spLocks noGrp="1"/>
+          </p:cNvSpPr>
+          <p:nvPr>
+            <p:ph type="title"/>
+          </p:nvPr>
+        </p:nvSpPr>
+        <p:spPr>
+          <a:xfrm>
+            <a:off x="208547" y="584990"/>
+            <a:ext cx="11145253" cy="1116811"/>
+          </a:xfrm>
+        </p:spPr>
+        <p:txBody>
+          <a:bodyPr/>
+          <a:lstStyle/>
+          <a:p>
+            <a:r>
+              <a:rPr lang="en-US" dirty="0"/>
+              <a:t>Project details</a:t>
+            </a:r>
+          </a:p>
+        </p:txBody>
+      </p:sp>
+      <p:sp>
+        <p:nvSpPr>
+          <p:cNvPr id="3" name="Content Placeholder 2">
+            <a:extLst>
+              <a:ext uri="{FF2B5EF4-FFF2-40B4-BE49-F238E27FC236}">
+                <a16:creationId xmlns:a16="http://schemas.microsoft.com/office/drawing/2014/main" id="{CD4EA1DA-E5E6-8A73-8727-3A709C9FF1AA}"/>
+              </a:ext>
+            </a:extLst>
+          </p:cNvPr>
+          <p:cNvSpPr>
+            <a:spLocks noGrp="1"/>
+          </p:cNvSpPr>
+          <p:nvPr>
+            <p:ph sz="half" idx="1"/>
+          </p:nvPr>
+        </p:nvSpPr>
+        <p:spPr>
+          <a:xfrm>
+            <a:off x="208547" y="2011679"/>
+            <a:ext cx="5811253" cy="4846321"/>
+          </a:xfrm>
+        </p:spPr>
+        <p:txBody>
+          <a:bodyPr>
+            <a:normAutofit lnSpcReduction="10000"/>
+          </a:bodyPr>
+          <a:lstStyle/>
+          <a:p>
+            <a:pPr marL="0" indent="0">
+              <a:buNone/>
+            </a:pPr>
+            <a:r>
+              <a:rPr lang="en-US" sz="2200" u="sng" dirty="0"/>
+              <a:t>Members (5):</a:t>
+            </a:r>
+          </a:p>
+          <a:p>
+            <a:pPr marL="0" indent="0">
+              <a:buNone/>
+            </a:pPr>
+            <a:r>
+              <a:rPr lang="en-US" sz="2200" dirty="0"/>
+              <a:t>-Nick Andujar</a:t>
+            </a:r>
+          </a:p>
+          <a:p>
+            <a:pPr marL="0" indent="0">
+              <a:buNone/>
+            </a:pPr>
+            <a:r>
+              <a:rPr lang="en-US" sz="2200" dirty="0"/>
+              <a:t>-Chase </a:t>
+            </a:r>
+            <a:r>
+              <a:rPr lang="en-US" sz="2200" dirty="0" err="1"/>
+              <a:t>Deweese</a:t>
+            </a:r>
+            <a:endParaRPr lang="en-US" sz="2200" dirty="0"/>
+          </a:p>
+          <a:p>
+            <a:pPr marL="0" indent="0">
+              <a:buNone/>
+            </a:pPr>
+            <a:r>
+              <a:rPr lang="en-US" sz="2200" dirty="0"/>
+              <a:t>-Tyler Hixon</a:t>
+            </a:r>
+          </a:p>
+          <a:p>
+            <a:pPr marL="0" indent="0">
+              <a:buNone/>
+            </a:pPr>
+            <a:r>
+              <a:rPr lang="en-US" sz="2200" dirty="0"/>
+              <a:t>-Norman Lee</a:t>
+            </a:r>
+          </a:p>
+          <a:p>
+            <a:pPr marL="0" indent="0">
+              <a:buNone/>
+            </a:pPr>
+            <a:r>
+              <a:rPr lang="en-US" sz="2200" dirty="0"/>
+              <a:t>-Max Shumaker</a:t>
+            </a:r>
+          </a:p>
+          <a:p>
+            <a:pPr marL="0" indent="0">
+              <a:buNone/>
+            </a:pPr>
+            <a:r>
+              <a:rPr lang="en-US" sz="2200" u="sng" dirty="0"/>
+              <a:t>Class:</a:t>
+            </a:r>
+          </a:p>
+          <a:p>
+            <a:pPr marL="0" indent="0">
+              <a:buNone/>
+            </a:pPr>
+            <a:r>
+              <a:rPr lang="en-US" sz="2200" dirty="0"/>
+              <a:t>CS 3560 (11-12:20, T/TH)</a:t>
+            </a:r>
+          </a:p>
+          <a:p>
+            <a:pPr marL="0" indent="0">
+              <a:buNone/>
+            </a:pPr>
+            <a:r>
+              <a:rPr lang="en-US" sz="2200" u="sng" dirty="0" err="1"/>
+              <a:t>Github</a:t>
+            </a:r>
+            <a:r>
+              <a:rPr lang="en-US" sz="2200" u="sng" dirty="0"/>
+              <a:t> Repo Link</a:t>
+            </a:r>
+          </a:p>
+          <a:p>
+            <a:pPr marL="0" indent="0">
+              <a:buNone/>
+            </a:pPr>
+            <a:r>
+              <a:rPr lang="en-US" sz="2200" dirty="0"/>
+              <a:t>https://github.com/OU-CS3560/maze-solver</a:t>
+            </a:r>
+          </a:p>
+        </p:txBody>
+      </p:sp>
+      <p:sp>
+        <p:nvSpPr>
+          <p:cNvPr id="4" name="Content Placeholder 3">
+            <a:extLst>
+              <a:ext uri="{FF2B5EF4-FFF2-40B4-BE49-F238E27FC236}">
+                <a16:creationId xmlns:a16="http://schemas.microsoft.com/office/drawing/2014/main" id="{414AC29A-01A6-EB14-7CC0-8CA0E06E940F}"/>
+              </a:ext>
+            </a:extLst>
+          </p:cNvPr>
+          <p:cNvSpPr>
+            <a:spLocks noGrp="1"/>
+          </p:cNvSpPr>
+          <p:nvPr>
+            <p:ph sz="half" idx="2"/>
+          </p:nvPr>
+        </p:nvSpPr>
+        <p:spPr>
+          <a:xfrm>
+            <a:off x="6172199" y="2011678"/>
+            <a:ext cx="5811253" cy="4846321"/>
+          </a:xfrm>
+        </p:spPr>
+        <p:txBody>
+          <a:bodyPr>
+            <a:noAutofit/>
+          </a:bodyPr>
+          <a:lstStyle/>
+          <a:p>
+            <a:pPr marL="0" indent="0">
+              <a:buNone/>
+            </a:pPr>
+            <a:r>
+              <a:rPr lang="en-US" sz="2200" u="sng" dirty="0"/>
+              <a:t>Intended Project: </a:t>
+            </a:r>
+          </a:p>
+          <a:p>
+            <a:pPr marL="0" indent="0">
+              <a:buNone/>
+            </a:pPr>
+            <a:r>
+              <a:rPr lang="en-US" sz="2200" dirty="0"/>
+              <a:t>A system that when fed a maze through an image or through node mapping will systematically step through each junction and output the solution.</a:t>
+            </a:r>
+          </a:p>
+          <a:p>
+            <a:pPr marL="0" indent="0">
+              <a:buNone/>
+            </a:pPr>
+            <a:r>
+              <a:rPr lang="en-US" sz="2200" u="sng" dirty="0"/>
+              <a:t>Platform: </a:t>
+            </a:r>
+          </a:p>
+          <a:p>
+            <a:pPr marL="0" indent="0">
+              <a:buNone/>
+            </a:pPr>
+            <a:r>
+              <a:rPr lang="en-US" sz="2200" dirty="0"/>
+              <a:t>This project will be completed through C++, and is intended to be compiled on any Windows or Linux platform with a C++ compiler </a:t>
+            </a:r>
+          </a:p>
+          <a:p>
+            <a:pPr marL="0" indent="0">
+              <a:buNone/>
+            </a:pPr>
+            <a:r>
+              <a:rPr lang="en-US" sz="2200" u="sng" dirty="0"/>
+              <a:t>Instructions to Compile and Run</a:t>
+            </a:r>
+            <a:r>
+              <a:rPr lang="en-US" sz="2200" dirty="0"/>
+              <a:t>:</a:t>
+            </a:r>
+          </a:p>
+          <a:p>
+            <a:pPr marL="0" indent="0">
+              <a:buNone/>
+            </a:pPr>
+            <a:r>
+              <a:rPr lang="en-US" sz="2200" dirty="0"/>
+              <a:t>-Run “g++ -Wall map.cc” in the bash.</a:t>
+            </a:r>
+          </a:p>
+          <a:p>
+            <a:pPr marL="0" indent="0">
+              <a:buNone/>
+            </a:pPr>
+            <a:r>
+              <a:rPr lang="en-US" sz="2200" dirty="0"/>
+              <a:t>-Then run “./</a:t>
+            </a:r>
+            <a:r>
+              <a:rPr lang="en-US" sz="2200" dirty="0" err="1"/>
+              <a:t>a.out</a:t>
+            </a:r>
+            <a:r>
+              <a:rPr lang="en-US" sz="2200" dirty="0"/>
+              <a:t>”.</a:t>
+            </a:r>
+          </a:p>
+        </p:txBody>
+      </p:sp>
+    </p:spTree>
+    <p:extLst>
+      <p:ext uri="{BB962C8B-B14F-4D97-AF65-F5344CB8AC3E}">
+        <p14:creationId xmlns:p14="http://schemas.microsoft.com/office/powerpoint/2010/main" val="1152405957"/>
+      </p:ext>
+    </p:extLst>
+  </p:cSld>
+  <p:clrMapOvr>
+    <a:masterClrMapping/>
+  </p:clrMapOvr>
+</p:sld>
+</file>
+
+<file path=ppt/slides/slide3.xml><?xml version="1.0" encoding="utf-8"?>
+<p:sld xmlns:a="http://schemas.openxmlformats.org/drawingml/2006/main" xmlns:r="http://schemas.openxmlformats.org/officeDocument/2006/relationships" xmlns:p="http://schemas.openxmlformats.org/presentationml/2006/main">
+  <p:cSld>
+    <p:spTree>
+      <p:nvGrpSpPr>
+        <p:cNvPr id="1" name=""/>
+        <p:cNvGrpSpPr/>
+        <p:nvPr/>
+      </p:nvGrpSpPr>
+      <p:grpSpPr>
+        <a:xfrm>
+          <a:off x="0" y="0"/>
+          <a:ext cx="0" cy="0"/>
+          <a:chOff x="0" y="0"/>
+          <a:chExt cx="0" cy="0"/>
+        </a:xfrm>
+      </p:grpSpPr>
+      <p:sp>
+        <p:nvSpPr>
+          <p:cNvPr id="2" name="Title 1">
+            <a:extLst>
+              <a:ext uri="{FF2B5EF4-FFF2-40B4-BE49-F238E27FC236}">
+                <a16:creationId xmlns:a16="http://schemas.microsoft.com/office/drawing/2014/main" id="{892BBA5A-1EAB-4EB5-CF8B-367A9F374879}"/>
+              </a:ext>
+            </a:extLst>
+          </p:cNvPr>
+          <p:cNvSpPr>
+            <a:spLocks noGrp="1"/>
+          </p:cNvSpPr>
+          <p:nvPr>
+            <p:ph type="title"/>
+          </p:nvPr>
+        </p:nvSpPr>
+        <p:spPr/>
+        <p:txBody>
+          <a:bodyPr/>
+          <a:lstStyle/>
+          <a:p>
+            <a:r>
+              <a:rPr lang="en-US" dirty="0"/>
+              <a:t>Technology Stack/Tool Chain</a:t>
+            </a:r>
+          </a:p>
+        </p:txBody>
+      </p:sp>
+      <p:sp>
+        <p:nvSpPr>
+          <p:cNvPr id="3" name="Content Placeholder 2">
+            <a:extLst>
+              <a:ext uri="{FF2B5EF4-FFF2-40B4-BE49-F238E27FC236}">
+                <a16:creationId xmlns:a16="http://schemas.microsoft.com/office/drawing/2014/main" id="{1D6328E4-29D7-2F03-BE8C-64E040A61B51}"/>
+              </a:ext>
+            </a:extLst>
+          </p:cNvPr>
+          <p:cNvSpPr>
+            <a:spLocks noGrp="1"/>
+          </p:cNvSpPr>
+          <p:nvPr>
+            <p:ph idx="1"/>
+          </p:nvPr>
+        </p:nvSpPr>
+        <p:spPr/>
+        <p:txBody>
+          <a:bodyPr>
+            <a:normAutofit/>
+          </a:bodyPr>
+          <a:lstStyle/>
+          <a:p>
+            <a:r>
+              <a:rPr lang="en-US" sz="2500" dirty="0"/>
+              <a:t>WSL on Windows Laptops</a:t>
+            </a:r>
+          </a:p>
+          <a:p>
+            <a:r>
+              <a:rPr lang="en-US" sz="2500" dirty="0" err="1"/>
+              <a:t>Github</a:t>
+            </a:r>
+            <a:endParaRPr lang="en-US" sz="2500" dirty="0"/>
+          </a:p>
+          <a:p>
+            <a:r>
+              <a:rPr lang="en-US" sz="2500" dirty="0"/>
+              <a:t>Visual Studio Code</a:t>
+            </a:r>
+          </a:p>
+          <a:p>
+            <a:r>
+              <a:rPr lang="en-US" sz="2500" dirty="0"/>
+              <a:t>Xcode on Mac Device</a:t>
+            </a:r>
+          </a:p>
+          <a:p>
+            <a:r>
+              <a:rPr lang="en-US" sz="2500" dirty="0"/>
+              <a:t>Terminal on the Mac Device</a:t>
+            </a:r>
+          </a:p>
+        </p:txBody>
+      </p:sp>
+    </p:spTree>
+    <p:extLst>
+      <p:ext uri="{BB962C8B-B14F-4D97-AF65-F5344CB8AC3E}">
+        <p14:creationId xmlns:p14="http://schemas.microsoft.com/office/powerpoint/2010/main" val="2966718221"/>
+      </p:ext>
+    </p:extLst>
+  </p:cSld>
+  <p:clrMapOvr>
+    <a:masterClrMapping/>
+  </p:clrMapOvr>
+</p:sld>
+</file>
+
+<file path=ppt/slides/slide4.xml><?xml version="1.0" encoding="utf-8"?>
+<p:sld xmlns:a="http://schemas.openxmlformats.org/drawingml/2006/main" xmlns:r="http://schemas.openxmlformats.org/officeDocument/2006/relationships" xmlns:p="http://schemas.openxmlformats.org/presentationml/2006/main">
+  <p:cSld>
+    <p:spTree>
+      <p:nvGrpSpPr>
+        <p:cNvPr id="1" name=""/>
+        <p:cNvGrpSpPr/>
+        <p:nvPr/>
+      </p:nvGrpSpPr>
+      <p:grpSpPr>
+        <a:xfrm>
+          <a:off x="0" y="0"/>
+          <a:ext cx="0" cy="0"/>
+          <a:chOff x="0" y="0"/>
+          <a:chExt cx="0" cy="0"/>
+        </a:xfrm>
+      </p:grpSpPr>
+      <p:sp>
+        <p:nvSpPr>
+          <p:cNvPr id="2" name="Title 1">
+            <a:extLst>
+              <a:ext uri="{FF2B5EF4-FFF2-40B4-BE49-F238E27FC236}">
+                <a16:creationId xmlns:a16="http://schemas.microsoft.com/office/drawing/2014/main" id="{E5E0766C-0E41-ABA1-F066-56A1BBE87754}"/>
+              </a:ext>
+            </a:extLst>
+          </p:cNvPr>
+          <p:cNvSpPr>
+            <a:spLocks noGrp="1"/>
+          </p:cNvSpPr>
+          <p:nvPr>
+            <p:ph type="title"/>
+          </p:nvPr>
+        </p:nvSpPr>
+        <p:spPr/>
+        <p:txBody>
+          <a:bodyPr/>
+          <a:lstStyle/>
+          <a:p>
+            <a:r>
+              <a:rPr lang="en-US" dirty="0"/>
+              <a:t>Responsibilities </a:t>
+            </a:r>
+          </a:p>
+        </p:txBody>
+      </p:sp>
+      <p:sp>
+        <p:nvSpPr>
+          <p:cNvPr id="3" name="Content Placeholder 2">
+            <a:extLst>
+              <a:ext uri="{FF2B5EF4-FFF2-40B4-BE49-F238E27FC236}">
+                <a16:creationId xmlns:a16="http://schemas.microsoft.com/office/drawing/2014/main" id="{94C85C06-EC60-77BE-165C-22AD40FCD0BF}"/>
+              </a:ext>
+            </a:extLst>
+          </p:cNvPr>
+          <p:cNvSpPr>
+            <a:spLocks noGrp="1"/>
+          </p:cNvSpPr>
+          <p:nvPr>
+            <p:ph sz="half" idx="1"/>
+          </p:nvPr>
+        </p:nvSpPr>
+        <p:spPr/>
+        <p:txBody>
+          <a:bodyPr>
+            <a:normAutofit/>
+          </a:bodyPr>
+          <a:lstStyle/>
+          <a:p>
+            <a:pPr algn="l">
+              <a:buFont typeface="Arial" panose="020B0604020202020204" pitchFamily="34" charset="0"/>
+              <a:buChar char="•"/>
+            </a:pPr>
+            <a:r>
+              <a:rPr lang="en-US" sz="2500" b="0" i="0" dirty="0">
+                <a:solidFill>
+                  <a:srgbClr val="24292F"/>
+                </a:solidFill>
+                <a:effectLst/>
+              </a:rPr>
+              <a:t>Nick Andujar</a:t>
+            </a:r>
+          </a:p>
+          <a:p>
+            <a:pPr lvl="1">
+              <a:buFont typeface="Arial" panose="020B0604020202020204" pitchFamily="34" charset="0"/>
+              <a:buChar char="•"/>
+            </a:pPr>
+            <a:r>
+              <a:rPr lang="en-US" sz="2500" b="0" i="0" dirty="0">
+                <a:solidFill>
+                  <a:srgbClr val="24292F"/>
+                </a:solidFill>
+                <a:effectLst/>
+              </a:rPr>
+              <a:t>Manager</a:t>
+            </a:r>
+          </a:p>
+          <a:p>
+            <a:pPr lvl="1">
+              <a:buFont typeface="Arial" panose="020B0604020202020204" pitchFamily="34" charset="0"/>
+              <a:buChar char="•"/>
+            </a:pPr>
+            <a:r>
+              <a:rPr lang="en-US" sz="2500" i="0" dirty="0">
+                <a:solidFill>
+                  <a:srgbClr val="24292F"/>
+                </a:solidFill>
+              </a:rPr>
+              <a:t>Working on the project</a:t>
+            </a:r>
+            <a:endParaRPr lang="en-US" sz="2500" b="0" i="0" dirty="0">
+              <a:solidFill>
+                <a:srgbClr val="24292F"/>
+              </a:solidFill>
+              <a:effectLst/>
+            </a:endParaRPr>
+          </a:p>
+          <a:p>
+            <a:pPr algn="l">
+              <a:buFont typeface="Arial" panose="020B0604020202020204" pitchFamily="34" charset="0"/>
+              <a:buChar char="•"/>
+            </a:pPr>
+            <a:r>
+              <a:rPr lang="en-US" sz="2500" b="0" i="0" dirty="0">
+                <a:solidFill>
+                  <a:srgbClr val="24292F"/>
+                </a:solidFill>
+                <a:effectLst/>
+              </a:rPr>
+              <a:t>Chase </a:t>
+            </a:r>
+            <a:r>
+              <a:rPr lang="en-US" sz="2500" b="0" i="0" dirty="0" err="1">
+                <a:solidFill>
+                  <a:srgbClr val="24292F"/>
+                </a:solidFill>
+                <a:effectLst/>
+              </a:rPr>
+              <a:t>Deweese</a:t>
+            </a:r>
+            <a:endParaRPr lang="en-US" sz="2500" b="0" i="0" dirty="0">
+              <a:solidFill>
+                <a:srgbClr val="24292F"/>
+              </a:solidFill>
+              <a:effectLst/>
+            </a:endParaRPr>
+          </a:p>
+          <a:p>
+            <a:pPr lvl="1">
+              <a:buFont typeface="Arial" panose="020B0604020202020204" pitchFamily="34" charset="0"/>
+              <a:buChar char="•"/>
+            </a:pPr>
+            <a:r>
+              <a:rPr lang="en-US" sz="2500" b="0" i="0" dirty="0">
+                <a:solidFill>
+                  <a:srgbClr val="24292F"/>
+                </a:solidFill>
+                <a:effectLst/>
+              </a:rPr>
+              <a:t>Class Clown/Cheerleader</a:t>
+            </a:r>
+          </a:p>
+          <a:p>
+            <a:pPr lvl="1">
+              <a:buFont typeface="Arial" panose="020B0604020202020204" pitchFamily="34" charset="0"/>
+              <a:buChar char="•"/>
+            </a:pPr>
+            <a:r>
+              <a:rPr lang="en-US" sz="2500" b="0" i="0" dirty="0">
+                <a:solidFill>
+                  <a:srgbClr val="24292F"/>
+                </a:solidFill>
+                <a:effectLst/>
+              </a:rPr>
+              <a:t>Working on the project</a:t>
+            </a:r>
+          </a:p>
+          <a:p>
+            <a:pPr algn="l">
+              <a:buFont typeface="Arial" panose="020B0604020202020204" pitchFamily="34" charset="0"/>
+              <a:buChar char="•"/>
+            </a:pPr>
+            <a:r>
+              <a:rPr lang="en-US" sz="2500" b="0" i="0" dirty="0">
+                <a:solidFill>
+                  <a:srgbClr val="24292F"/>
+                </a:solidFill>
+                <a:effectLst/>
+              </a:rPr>
+              <a:t>Tyler Hixon</a:t>
+            </a:r>
+          </a:p>
+          <a:p>
+            <a:pPr lvl="1">
+              <a:buFont typeface="Arial" panose="020B0604020202020204" pitchFamily="34" charset="0"/>
+              <a:buChar char="•"/>
+            </a:pPr>
+            <a:r>
+              <a:rPr lang="en-US" sz="2500" b="0" i="0" dirty="0">
+                <a:solidFill>
+                  <a:srgbClr val="24292F"/>
+                </a:solidFill>
+                <a:effectLst/>
+              </a:rPr>
+              <a:t>Working on the project</a:t>
+            </a:r>
+          </a:p>
+          <a:p>
+            <a:pPr marL="274320" lvl="1" indent="0">
+              <a:buNone/>
+            </a:pPr>
+            <a:endParaRPr lang="en-US" b="0" i="0" dirty="0">
+              <a:solidFill>
+                <a:srgbClr val="24292F"/>
+              </a:solidFill>
+              <a:effectLst/>
+            </a:endParaRPr>
+          </a:p>
+          <a:p>
+            <a:pPr marL="0" indent="0">
+              <a:buNone/>
+            </a:pPr>
+            <a:endParaRPr lang="en-US" dirty="0"/>
+          </a:p>
+        </p:txBody>
+      </p:sp>
+      <p:sp>
+        <p:nvSpPr>
+          <p:cNvPr id="4" name="Content Placeholder 3">
+            <a:extLst>
+              <a:ext uri="{FF2B5EF4-FFF2-40B4-BE49-F238E27FC236}">
+                <a16:creationId xmlns:a16="http://schemas.microsoft.com/office/drawing/2014/main" id="{ED5F4E16-1F0D-C98D-E0A3-BC2A2C7FA465}"/>
+              </a:ext>
+            </a:extLst>
+          </p:cNvPr>
+          <p:cNvSpPr>
+            <a:spLocks noGrp="1"/>
+          </p:cNvSpPr>
+          <p:nvPr>
+            <p:ph sz="half" idx="2"/>
+          </p:nvPr>
+        </p:nvSpPr>
+        <p:spPr/>
+        <p:txBody>
+          <a:bodyPr/>
+          <a:lstStyle/>
+          <a:p>
+            <a:pPr algn="l">
+              <a:buFont typeface="Arial" panose="020B0604020202020204" pitchFamily="34" charset="0"/>
+              <a:buChar char="•"/>
+            </a:pPr>
+            <a:r>
+              <a:rPr lang="en-US" sz="2500" b="0" i="0" dirty="0">
+                <a:solidFill>
+                  <a:srgbClr val="24292F"/>
+                </a:solidFill>
+                <a:effectLst/>
+              </a:rPr>
+              <a:t>Norman Lee</a:t>
+            </a:r>
+          </a:p>
+          <a:p>
+            <a:pPr lvl="1">
+              <a:buFont typeface="Arial" panose="020B0604020202020204" pitchFamily="34" charset="0"/>
+              <a:buChar char="•"/>
+            </a:pPr>
+            <a:r>
+              <a:rPr lang="en-US" sz="2500" b="0" i="0" dirty="0">
+                <a:solidFill>
+                  <a:srgbClr val="24292F"/>
+                </a:solidFill>
+                <a:effectLst/>
+              </a:rPr>
+              <a:t>Working on the project</a:t>
+            </a:r>
+          </a:p>
+          <a:p>
+            <a:pPr algn="l">
+              <a:buFont typeface="Arial" panose="020B0604020202020204" pitchFamily="34" charset="0"/>
+              <a:buChar char="•"/>
+            </a:pPr>
+            <a:r>
+              <a:rPr lang="en-US" sz="2500" b="0" i="0" dirty="0">
+                <a:solidFill>
+                  <a:srgbClr val="24292F"/>
+                </a:solidFill>
+                <a:effectLst/>
+              </a:rPr>
+              <a:t>Max Shumaker</a:t>
+            </a:r>
+          </a:p>
+          <a:p>
+            <a:pPr lvl="1">
+              <a:buFont typeface="Arial" panose="020B0604020202020204" pitchFamily="34" charset="0"/>
+              <a:buChar char="•"/>
+            </a:pPr>
+            <a:r>
+              <a:rPr lang="en-US" sz="2500" b="0" i="0" dirty="0">
+                <a:solidFill>
+                  <a:srgbClr val="24292F"/>
+                </a:solidFill>
+                <a:effectLst/>
+              </a:rPr>
+              <a:t>Scribe </a:t>
+            </a:r>
+          </a:p>
+          <a:p>
+            <a:pPr lvl="1">
+              <a:buFont typeface="Arial" panose="020B0604020202020204" pitchFamily="34" charset="0"/>
+              <a:buChar char="•"/>
+            </a:pPr>
+            <a:r>
+              <a:rPr lang="en-US" sz="2500" i="0" dirty="0">
+                <a:solidFill>
+                  <a:srgbClr val="24292F"/>
+                </a:solidFill>
+              </a:rPr>
+              <a:t>Working on the project</a:t>
+            </a:r>
+            <a:endParaRPr lang="en-US" sz="2500" b="0" i="0" dirty="0">
+              <a:solidFill>
+                <a:srgbClr val="24292F"/>
+              </a:solidFill>
+              <a:effectLst/>
+            </a:endParaRPr>
+          </a:p>
+          <a:p>
+            <a:endParaRPr lang="en-US" dirty="0"/>
+          </a:p>
+        </p:txBody>
+      </p:sp>
+    </p:spTree>
+    <p:extLst>
+      <p:ext uri="{BB962C8B-B14F-4D97-AF65-F5344CB8AC3E}">
+        <p14:creationId xmlns:p14="http://schemas.microsoft.com/office/powerpoint/2010/main" val="1174952096"/>
+      </p:ext>
+    </p:extLst>
+  </p:cSld>
+  <p:clrMapOvr>
+    <a:masterClrMapping/>
+  </p:clrMapOvr>
+</p:sld>
+</file>
+
+<file path=ppt/slides/slide5.xml><?xml version="1.0" encoding="utf-8"?>
+<p:sld xmlns:a="http://schemas.openxmlformats.org/drawingml/2006/main" xmlns:r="http://schemas.openxmlformats.org/officeDocument/2006/relationships" xmlns:p="http://schemas.openxmlformats.org/presentationml/2006/main">
+  <p:cSld>
+    <p:spTree>
+      <p:nvGrpSpPr>
+        <p:cNvPr id="1" name=""/>
+        <p:cNvGrpSpPr/>
+        <p:nvPr/>
+      </p:nvGrpSpPr>
+      <p:grpSpPr>
+        <a:xfrm>
+          <a:off x="0" y="0"/>
+          <a:ext cx="0" cy="0"/>
+          <a:chOff x="0" y="0"/>
+          <a:chExt cx="0" cy="0"/>
+        </a:xfrm>
+      </p:grpSpPr>
+      <p:sp>
+        <p:nvSpPr>
+          <p:cNvPr id="2" name="Title 1">
+            <a:extLst>
+              <a:ext uri="{FF2B5EF4-FFF2-40B4-BE49-F238E27FC236}">
+                <a16:creationId xmlns:a16="http://schemas.microsoft.com/office/drawing/2014/main" id="{224561EA-F913-B716-4020-984CBDCBF3A1}"/>
+              </a:ext>
+            </a:extLst>
+          </p:cNvPr>
+          <p:cNvSpPr>
+            <a:spLocks noGrp="1"/>
+          </p:cNvSpPr>
+          <p:nvPr>
+            <p:ph type="title"/>
+          </p:nvPr>
+        </p:nvSpPr>
+        <p:spPr/>
+        <p:txBody>
+          <a:bodyPr/>
+          <a:lstStyle/>
+          <a:p>
+            <a:r>
+              <a:rPr lang="en-US" dirty="0"/>
+              <a:t>Device Access</a:t>
+            </a:r>
+          </a:p>
+        </p:txBody>
+      </p:sp>
+      <p:sp>
+        <p:nvSpPr>
+          <p:cNvPr id="3" name="Content Placeholder 2">
+            <a:extLst>
+              <a:ext uri="{FF2B5EF4-FFF2-40B4-BE49-F238E27FC236}">
+                <a16:creationId xmlns:a16="http://schemas.microsoft.com/office/drawing/2014/main" id="{87AE06CA-CEEE-4F6B-3F0C-EF8E04E8AF61}"/>
+              </a:ext>
+            </a:extLst>
+          </p:cNvPr>
+          <p:cNvSpPr>
+            <a:spLocks noGrp="1"/>
+          </p:cNvSpPr>
+          <p:nvPr>
+            <p:ph idx="1"/>
+          </p:nvPr>
+        </p:nvSpPr>
+        <p:spPr/>
+        <p:txBody>
+          <a:bodyPr>
+            <a:normAutofit/>
+          </a:bodyPr>
+          <a:lstStyle/>
+          <a:p>
+            <a:r>
+              <a:rPr lang="en-US" sz="2500" dirty="0"/>
+              <a:t>All members have sufficient technology to be able to access and complete the project</a:t>
+            </a:r>
+          </a:p>
+        </p:txBody>
+      </p:sp>
+    </p:spTree>
+    <p:extLst>
+      <p:ext uri="{BB962C8B-B14F-4D97-AF65-F5344CB8AC3E}">
+        <p14:creationId xmlns:p14="http://schemas.microsoft.com/office/powerpoint/2010/main" val="3954482206"/>
+      </p:ext>
+    </p:extLst>
+  </p:cSld>
+  <p:clrMapOvr>
+    <a:masterClrMapping/>
+  </p:clrMapOvr>
+</p:sld>
+</file>
+
+<file path=ppt/slides/slide6.xml><?xml version="1.0" encoding="utf-8"?>
+<p:sld xmlns:a="http://schemas.openxmlformats.org/drawingml/2006/main" xmlns:r="http://schemas.openxmlformats.org/officeDocument/2006/relationships" xmlns:p="http://schemas.openxmlformats.org/presentationml/2006/main">
+  <p:cSld>
+    <p:spTree>
+      <p:nvGrpSpPr>
+        <p:cNvPr id="1" name=""/>
+        <p:cNvGrpSpPr/>
+        <p:nvPr/>
+      </p:nvGrpSpPr>
+      <p:grpSpPr>
+        <a:xfrm>
+          <a:off x="0" y="0"/>
+          <a:ext cx="0" cy="0"/>
+          <a:chOff x="0" y="0"/>
+          <a:chExt cx="0" cy="0"/>
+        </a:xfrm>
+      </p:grpSpPr>
+      <p:sp>
+        <p:nvSpPr>
+          <p:cNvPr id="4" name="Title 3">
+            <a:extLst>
+              <a:ext uri="{FF2B5EF4-FFF2-40B4-BE49-F238E27FC236}">
+                <a16:creationId xmlns:a16="http://schemas.microsoft.com/office/drawing/2014/main" id="{24FF86A1-956A-52AA-215C-75CAFCE27AD4}"/>
+              </a:ext>
+            </a:extLst>
+          </p:cNvPr>
+          <p:cNvSpPr>
+            <a:spLocks noGrp="1"/>
+          </p:cNvSpPr>
+          <p:nvPr>
+            <p:ph type="title"/>
+          </p:nvPr>
+        </p:nvSpPr>
+        <p:spPr/>
+        <p:txBody>
+          <a:bodyPr/>
+          <a:lstStyle/>
+          <a:p>
+            <a:r>
+              <a:rPr lang="en-US" dirty="0"/>
+              <a:t>Next Milestones</a:t>
+            </a:r>
+          </a:p>
+        </p:txBody>
+      </p:sp>
+      <p:sp>
+        <p:nvSpPr>
+          <p:cNvPr id="5" name="Content Placeholder 4">
+            <a:extLst>
+              <a:ext uri="{FF2B5EF4-FFF2-40B4-BE49-F238E27FC236}">
+                <a16:creationId xmlns:a16="http://schemas.microsoft.com/office/drawing/2014/main" id="{0B910E8F-B127-38EC-9A5A-B86C2FEA361A}"/>
+              </a:ext>
+            </a:extLst>
+          </p:cNvPr>
+          <p:cNvSpPr>
+            <a:spLocks noGrp="1"/>
+          </p:cNvSpPr>
+          <p:nvPr>
+            <p:ph sz="half" idx="1"/>
+          </p:nvPr>
+        </p:nvSpPr>
+        <p:spPr/>
+        <p:txBody>
+          <a:bodyPr>
+            <a:normAutofit/>
+          </a:bodyPr>
+          <a:lstStyle/>
+          <a:p>
+            <a:pPr marL="0" indent="0" algn="ctr">
+              <a:buNone/>
+            </a:pPr>
+            <a:r>
+              <a:rPr lang="en-US" sz="2500" u="sng" dirty="0"/>
+              <a:t>Milestone 2</a:t>
+            </a:r>
+          </a:p>
+          <a:p>
+            <a:r>
+              <a:rPr lang="en-US" sz="2500" dirty="0"/>
+              <a:t>Choose Direction Implementation</a:t>
+            </a:r>
+          </a:p>
+          <a:p>
+            <a:r>
+              <a:rPr lang="en-US" sz="2500" dirty="0"/>
+              <a:t>Counts Number of Directions at Intersection Implementation</a:t>
+            </a:r>
+          </a:p>
+          <a:p>
+            <a:r>
+              <a:rPr lang="en-US" sz="2500" dirty="0"/>
+              <a:t>Read Map Data From User Input</a:t>
+            </a:r>
+          </a:p>
+          <a:p>
+            <a:endParaRPr lang="en-US" sz="2500" dirty="0"/>
+          </a:p>
+        </p:txBody>
+      </p:sp>
+      <p:sp>
+        <p:nvSpPr>
+          <p:cNvPr id="6" name="Content Placeholder 5">
+            <a:extLst>
+              <a:ext uri="{FF2B5EF4-FFF2-40B4-BE49-F238E27FC236}">
+                <a16:creationId xmlns:a16="http://schemas.microsoft.com/office/drawing/2014/main" id="{E3211FE5-C260-7156-4571-07D54945704E}"/>
+              </a:ext>
+            </a:extLst>
+          </p:cNvPr>
+          <p:cNvSpPr>
+            <a:spLocks noGrp="1"/>
+          </p:cNvSpPr>
+          <p:nvPr>
+            <p:ph sz="half" idx="2"/>
+          </p:nvPr>
+        </p:nvSpPr>
+        <p:spPr/>
+        <p:txBody>
+          <a:bodyPr>
+            <a:normAutofit/>
+          </a:bodyPr>
+          <a:lstStyle/>
+          <a:p>
+            <a:pPr marL="0" indent="0" algn="ctr">
+              <a:buNone/>
+            </a:pPr>
+            <a:r>
+              <a:rPr lang="en-US" sz="2500" u="sng" dirty="0"/>
+              <a:t>Milestone 3</a:t>
+            </a:r>
+          </a:p>
+          <a:p>
+            <a:r>
+              <a:rPr lang="en-US" sz="2500" dirty="0"/>
+              <a:t>Implementing Backtracking Function</a:t>
+            </a:r>
+          </a:p>
+          <a:p>
+            <a:r>
+              <a:rPr lang="en-US" sz="2500" dirty="0"/>
+              <a:t>Able To Read Map Input From Text File</a:t>
+            </a:r>
+          </a:p>
+        </p:txBody>
+      </p:sp>
+    </p:spTree>
+    <p:extLst>
+      <p:ext uri="{BB962C8B-B14F-4D97-AF65-F5344CB8AC3E}">
+        <p14:creationId xmlns:p14="http://schemas.microsoft.com/office/powerpoint/2010/main" val="366569147"/>
+      </p:ext>
+    </p:extLst>
+  </p:cSld>
+  <p:clrMapOvr>
+    <a:masterClrMapping/>
+  </p:clrMapOvr>
+</p:sld>
+</file>
+
+<file path=ppt/slides/slide7.xml><?xml version="1.0" encoding="utf-8"?>
+<p:sld xmlns:a="http://schemas.openxmlformats.org/drawingml/2006/main" xmlns:r="http://schemas.openxmlformats.org/officeDocument/2006/relationships" xmlns:p="http://schemas.openxmlformats.org/presentationml/2006/main">
+  <p:cSld>
+    <p:spTree>
+      <p:nvGrpSpPr>
+        <p:cNvPr id="1" name=""/>
+        <p:cNvGrpSpPr/>
+        <p:nvPr/>
+      </p:nvGrpSpPr>
+      <p:grpSpPr>
+        <a:xfrm>
+          <a:off x="0" y="0"/>
+          <a:ext cx="0" cy="0"/>
+          <a:chOff x="0" y="0"/>
+          <a:chExt cx="0" cy="0"/>
+        </a:xfrm>
+      </p:grpSpPr>
+      <p:sp>
+        <p:nvSpPr>
+          <p:cNvPr id="7" name="Title 6">
+            <a:extLst>
+              <a:ext uri="{FF2B5EF4-FFF2-40B4-BE49-F238E27FC236}">
+                <a16:creationId xmlns:a16="http://schemas.microsoft.com/office/drawing/2014/main" id="{FEF242E6-19A6-909E-360D-DBE973892B8C}"/>
+              </a:ext>
+            </a:extLst>
+          </p:cNvPr>
+          <p:cNvSpPr>
+            <a:spLocks noGrp="1"/>
+          </p:cNvSpPr>
+          <p:nvPr>
+            <p:ph type="title"/>
+          </p:nvPr>
+        </p:nvSpPr>
+        <p:spPr>
+          <a:xfrm>
+            <a:off x="2231858" y="3054501"/>
+            <a:ext cx="7728284" cy="748997"/>
+          </a:xfrm>
+        </p:spPr>
+        <p:txBody>
+          <a:bodyPr/>
+          <a:lstStyle/>
+          <a:p>
+            <a:pPr algn="ctr"/>
+            <a:r>
+              <a:rPr lang="en-US" dirty="0"/>
+              <a:t>Git Repo walk-through</a:t>
+            </a:r>
+          </a:p>
+        </p:txBody>
+      </p:sp>
+    </p:spTree>
+    <p:extLst>
+      <p:ext uri="{BB962C8B-B14F-4D97-AF65-F5344CB8AC3E}">
+        <p14:creationId xmlns:p14="http://schemas.microsoft.com/office/powerpoint/2010/main" val="1207425839"/>
+      </p:ext>
+    </p:extLst>
+  </p:cSld>
+  <p:clrMapOvr>
+    <a:masterClrMapping/>
+  </p:clrMapOvr>
+</p:sld>
+</file>
+
+<file path=ppt/slides/slide8.xml><?xml version="1.0" encoding="utf-8"?>
+<p:sld xmlns:a="http://schemas.openxmlformats.org/drawingml/2006/main" xmlns:r="http://schemas.openxmlformats.org/officeDocument/2006/relationships" xmlns:p="http://schemas.openxmlformats.org/presentationml/2006/main">
+  <p:cSld>
+    <p:spTree>
+      <p:nvGrpSpPr>
+        <p:cNvPr id="1" name=""/>
+        <p:cNvGrpSpPr/>
+        <p:nvPr/>
+      </p:nvGrpSpPr>
+      <p:grpSpPr>
+        <a:xfrm>
+          <a:off x="0" y="0"/>
+          <a:ext cx="0" cy="0"/>
+          <a:chOff x="0" y="0"/>
+          <a:chExt cx="0" cy="0"/>
+        </a:xfrm>
+      </p:grpSpPr>
+      <p:sp>
+        <p:nvSpPr>
+          <p:cNvPr id="3" name="Title 2">
+            <a:extLst>
+              <a:ext uri="{FF2B5EF4-FFF2-40B4-BE49-F238E27FC236}">
+                <a16:creationId xmlns:a16="http://schemas.microsoft.com/office/drawing/2014/main" id="{47A9B4B8-D5D8-FA56-BCCA-8A7AF2763CF9}"/>
+              </a:ext>
+            </a:extLst>
+          </p:cNvPr>
+          <p:cNvSpPr>
+            <a:spLocks noGrp="1"/>
+          </p:cNvSpPr>
+          <p:nvPr>
+            <p:ph type="title"/>
+          </p:nvPr>
+        </p:nvSpPr>
+        <p:spPr/>
+        <p:txBody>
+          <a:bodyPr/>
+          <a:lstStyle/>
+          <a:p>
+            <a:r>
+              <a:rPr lang="en-US" dirty="0"/>
+              <a:t>Team Communication Plan</a:t>
+            </a:r>
+          </a:p>
+        </p:txBody>
+      </p:sp>
+      <p:sp>
+        <p:nvSpPr>
+          <p:cNvPr id="4" name="Content Placeholder 3">
+            <a:extLst>
+              <a:ext uri="{FF2B5EF4-FFF2-40B4-BE49-F238E27FC236}">
+                <a16:creationId xmlns:a16="http://schemas.microsoft.com/office/drawing/2014/main" id="{E8EFAD0F-4D69-6D24-BB5A-68DE427DBAB2}"/>
+              </a:ext>
+            </a:extLst>
+          </p:cNvPr>
+          <p:cNvSpPr>
+            <a:spLocks noGrp="1"/>
+          </p:cNvSpPr>
+          <p:nvPr>
+            <p:ph idx="1"/>
+          </p:nvPr>
+        </p:nvSpPr>
+        <p:spPr/>
+        <p:txBody>
+          <a:bodyPr>
+            <a:normAutofit/>
+          </a:bodyPr>
+          <a:lstStyle/>
+          <a:p>
+            <a:r>
+              <a:rPr lang="en-US" sz="2500" dirty="0"/>
+              <a:t>Utilize MS Teams, Discord, and SMS to plan meetings, discuss the project, and fix issues</a:t>
+            </a:r>
+          </a:p>
+          <a:p>
+            <a:r>
+              <a:rPr lang="en-US" sz="2500" dirty="0"/>
+              <a:t>Meeting Time Slots:</a:t>
+            </a:r>
+          </a:p>
+          <a:p>
+            <a:pPr lvl="1"/>
+            <a:r>
+              <a:rPr lang="en-US" sz="2300" i="0" dirty="0"/>
+              <a:t>Mondays @ 8pm</a:t>
+            </a:r>
+          </a:p>
+          <a:p>
+            <a:pPr lvl="1"/>
+            <a:r>
+              <a:rPr lang="en-US" sz="2300" i="0" dirty="0"/>
+              <a:t>Fridays @ 5pm</a:t>
+            </a:r>
+          </a:p>
+        </p:txBody>
+      </p:sp>
+    </p:spTree>
+    <p:extLst>
+      <p:ext uri="{BB962C8B-B14F-4D97-AF65-F5344CB8AC3E}">
+        <p14:creationId xmlns:p14="http://schemas.microsoft.com/office/powerpoint/2010/main" val="221767356"/>
+      </p:ext>
+    </p:extLst>
+  </p:cSld>
+  <p:clrMapOvr>
+    <a:masterClrMapping/>
+  </p:clrMapOvr>
+</p:sld>
+</file>
+
+<file path=ppt/slides/slide9.xml><?xml version="1.0" encoding="utf-8"?>
+<p:sld xmlns:a="http://schemas.openxmlformats.org/drawingml/2006/main" xmlns:r="http://schemas.openxmlformats.org/officeDocument/2006/relationships" xmlns:p="http://schemas.openxmlformats.org/presentationml/2006/main">
+  <p:cSld>
+    <p:spTree>
+      <p:nvGrpSpPr>
+        <p:cNvPr id="1" name=""/>
+        <p:cNvGrpSpPr/>
+        <p:nvPr/>
+      </p:nvGrpSpPr>
+      <p:grpSpPr>
+        <a:xfrm>
+          <a:off x="0" y="0"/>
+          <a:ext cx="0" cy="0"/>
+          <a:chOff x="0" y="0"/>
+          <a:chExt cx="0" cy="0"/>
+        </a:xfrm>
+      </p:grpSpPr>
+      <p:sp>
+        <p:nvSpPr>
+          <p:cNvPr id="4" name="Title 3">
+            <a:extLst>
+              <a:ext uri="{FF2B5EF4-FFF2-40B4-BE49-F238E27FC236}">
+                <a16:creationId xmlns:a16="http://schemas.microsoft.com/office/drawing/2014/main" id="{8FDFD212-70E2-0F64-1C6E-CF39FE88486C}"/>
+              </a:ext>
+            </a:extLst>
+          </p:cNvPr>
+          <p:cNvSpPr>
+            <a:spLocks noGrp="1"/>
+          </p:cNvSpPr>
+          <p:nvPr>
+            <p:ph type="title"/>
+          </p:nvPr>
+        </p:nvSpPr>
+        <p:spPr>
+          <a:xfrm>
+            <a:off x="838199" y="758960"/>
+            <a:ext cx="10872537" cy="893376"/>
+          </a:xfrm>
+        </p:spPr>
+        <p:txBody>
+          <a:bodyPr>
+            <a:normAutofit/>
+          </a:bodyPr>
+          <a:lstStyle/>
+          <a:p>
+            <a:r>
+              <a:rPr lang="en-US" dirty="0"/>
+              <a:t>Team Communication Workflow</a:t>
+            </a:r>
+          </a:p>
+        </p:txBody>
+      </p:sp>
+      <p:graphicFrame>
+        <p:nvGraphicFramePr>
+          <p:cNvPr id="21" name="Diagram 20">
+            <a:extLst>
+              <a:ext uri="{FF2B5EF4-FFF2-40B4-BE49-F238E27FC236}">
+                <a16:creationId xmlns:a16="http://schemas.microsoft.com/office/drawing/2014/main" id="{4069968E-B27C-9B61-3472-C18554F0398B}"/>
+              </a:ext>
+            </a:extLst>
+          </p:cNvPr>
+          <p:cNvGraphicFramePr/>
+          <p:nvPr>
+            <p:extLst>
+              <p:ext uri="{D42A27DB-BD31-4B8C-83A1-F6EECF244321}">
+                <p14:modId xmlns:p14="http://schemas.microsoft.com/office/powerpoint/2010/main" val="3533575150"/>
+              </p:ext>
+            </p:extLst>
+          </p:nvPr>
+        </p:nvGraphicFramePr>
+        <p:xfrm>
+          <a:off x="838199" y="1858656"/>
+          <a:ext cx="5482390" cy="3707955"/>
+        </p:xfrm>
+        <a:graphic>
+          <a:graphicData uri="http://schemas.openxmlformats.org/drawingml/2006/diagram">
+            <dgm:relIds xmlns:dgm="http://schemas.openxmlformats.org/drawingml/2006/diagram" xmlns:r="http://schemas.openxmlformats.org/officeDocument/2006/relationships" r:dm="rId2" r:lo="rId3" r:qs="rId4" r:cs="rId5"/>
+          </a:graphicData>
+        </a:graphic>
+      </p:graphicFrame>
+      <p:grpSp>
+        <p:nvGrpSpPr>
+          <p:cNvPr id="22" name="Group 21">
+            <a:extLst>
+              <a:ext uri="{FF2B5EF4-FFF2-40B4-BE49-F238E27FC236}">
+                <a16:creationId xmlns:a16="http://schemas.microsoft.com/office/drawing/2014/main" id="{CD90F169-B42B-91C8-09A9-011BFF44A83E}"/>
+              </a:ext>
+            </a:extLst>
+          </p:cNvPr>
+          <p:cNvGrpSpPr/>
+          <p:nvPr/>
+        </p:nvGrpSpPr>
+        <p:grpSpPr>
+          <a:xfrm>
+            <a:off x="6445753" y="3534048"/>
+            <a:ext cx="305322" cy="357169"/>
+            <a:chOff x="1589036" y="1675392"/>
+            <a:chExt cx="305322" cy="357169"/>
+          </a:xfrm>
+        </p:grpSpPr>
+        <p:sp>
+          <p:nvSpPr>
+            <p:cNvPr id="32" name="Arrow: Right 31">
+              <a:extLst>
+                <a:ext uri="{FF2B5EF4-FFF2-40B4-BE49-F238E27FC236}">
+                  <a16:creationId xmlns:a16="http://schemas.microsoft.com/office/drawing/2014/main" id="{6EAA9FFE-A0A1-18A6-14DF-89CDB69E0C2A}"/>
+                </a:ext>
+              </a:extLst>
+            </p:cNvPr>
+            <p:cNvSpPr/>
+            <p:nvPr/>
+          </p:nvSpPr>
+          <p:spPr>
+            <a:xfrm>
+              <a:off x="1589036" y="1675392"/>
+              <a:ext cx="305322" cy="357169"/>
+            </a:xfrm>
+            <a:prstGeom prst="rightArrow">
+              <a:avLst>
+                <a:gd name="adj1" fmla="val 60000"/>
+                <a:gd name="adj2" fmla="val 50000"/>
+              </a:avLst>
+            </a:prstGeom>
+          </p:spPr>
+          <p:style>
+            <a:lnRef idx="0">
+              <a:schemeClr val="accent1">
+                <a:tint val="60000"/>
+                <a:hueOff val="0"/>
+                <a:satOff val="0"/>
+                <a:lumOff val="0"/>
+                <a:alphaOff val="0"/>
+              </a:schemeClr>
+            </a:lnRef>
+            <a:fillRef idx="1">
+              <a:schemeClr val="accent1">
+                <a:tint val="60000"/>
+                <a:hueOff val="0"/>
+                <a:satOff val="0"/>
+                <a:lumOff val="0"/>
+                <a:alphaOff val="0"/>
+              </a:schemeClr>
+            </a:fillRef>
+            <a:effectRef idx="0">
+              <a:schemeClr val="accent1">
+                <a:tint val="60000"/>
+                <a:hueOff val="0"/>
+                <a:satOff val="0"/>
+                <a:lumOff val="0"/>
+                <a:alphaOff val="0"/>
+              </a:schemeClr>
+            </a:effectRef>
+            <a:fontRef idx="minor">
+              <a:schemeClr val="lt1"/>
+            </a:fontRef>
+          </p:style>
+        </p:sp>
+        <p:sp>
+          <p:nvSpPr>
+            <p:cNvPr id="33" name="Arrow: Right 4">
+              <a:extLst>
+                <a:ext uri="{FF2B5EF4-FFF2-40B4-BE49-F238E27FC236}">
+                  <a16:creationId xmlns:a16="http://schemas.microsoft.com/office/drawing/2014/main" id="{0ABAD630-65B5-1D33-640B-7EB515B21398}"/>
+                </a:ext>
+              </a:extLst>
+            </p:cNvPr>
+            <p:cNvSpPr txBox="1"/>
+            <p:nvPr/>
+          </p:nvSpPr>
+          <p:spPr>
+            <a:xfrm>
+              <a:off x="1589036" y="1746826"/>
+              <a:ext cx="213725" cy="214301"/>
+            </a:xfrm>
+            <a:prstGeom prst="rect">
+              <a:avLst/>
+            </a:prstGeom>
+          </p:spPr>
+          <p:style>
+            <a:lnRef idx="0">
+              <a:scrgbClr r="0" g="0" b="0"/>
+            </a:lnRef>
+            <a:fillRef idx="0">
+              <a:scrgbClr r="0" g="0" b="0"/>
+            </a:fillRef>
+            <a:effectRef idx="0">
+              <a:scrgbClr r="0" g="0" b="0"/>
+            </a:effectRef>
+            <a:fontRef idx="minor">
+              <a:schemeClr val="lt1"/>
+            </a:fontRef>
+          </p:style>
+          <p:txBody>
+            <a:bodyPr spcFirstLastPara="0" vert="horz" wrap="square" lIns="0" tIns="0" rIns="0" bIns="0" numCol="1" spcCol="1270" anchor="ctr" anchorCtr="0">
+              <a:noAutofit/>
+            </a:bodyPr>
+            <a:lstStyle/>
+            <a:p>
+              <a:pPr marL="0" lvl="0" indent="0" algn="ctr" defTabSz="711200">
+                <a:lnSpc>
+                  <a:spcPct val="90000"/>
+                </a:lnSpc>
+                <a:spcBef>
+                  <a:spcPct val="0"/>
+                </a:spcBef>
+                <a:spcAft>
+                  <a:spcPct val="35000"/>
+                </a:spcAft>
+                <a:buNone/>
+              </a:pPr>
+              <a:endParaRPr lang="en-US" sz="1600" kern="1200"/>
+            </a:p>
+          </p:txBody>
+        </p:sp>
+      </p:grpSp>
+      <p:grpSp>
+        <p:nvGrpSpPr>
+          <p:cNvPr id="23" name="Group 22">
+            <a:extLst>
+              <a:ext uri="{FF2B5EF4-FFF2-40B4-BE49-F238E27FC236}">
+                <a16:creationId xmlns:a16="http://schemas.microsoft.com/office/drawing/2014/main" id="{C65C5980-A0C0-B708-AD0C-308DC795C83B}"/>
+              </a:ext>
+            </a:extLst>
+          </p:cNvPr>
+          <p:cNvGrpSpPr/>
+          <p:nvPr/>
+        </p:nvGrpSpPr>
+        <p:grpSpPr>
+          <a:xfrm>
+            <a:off x="6877812" y="3280574"/>
+            <a:ext cx="1440198" cy="864118"/>
+            <a:chOff x="2021095" y="1421918"/>
+            <a:chExt cx="1440198" cy="864118"/>
+          </a:xfrm>
+        </p:grpSpPr>
+        <p:sp>
+          <p:nvSpPr>
+            <p:cNvPr id="30" name="Rectangle: Rounded Corners 29">
+              <a:extLst>
+                <a:ext uri="{FF2B5EF4-FFF2-40B4-BE49-F238E27FC236}">
+                  <a16:creationId xmlns:a16="http://schemas.microsoft.com/office/drawing/2014/main" id="{58D0A7F5-4929-5FE2-A6F1-C05971BC4E1B}"/>
+                </a:ext>
+              </a:extLst>
+            </p:cNvPr>
+            <p:cNvSpPr/>
+            <p:nvPr/>
+          </p:nvSpPr>
+          <p:spPr>
+            <a:xfrm>
+              <a:off x="2021095" y="1421918"/>
+              <a:ext cx="1440198" cy="864118"/>
+            </a:xfrm>
+            <a:prstGeom prst="roundRect">
+              <a:avLst>
+                <a:gd name="adj" fmla="val 10000"/>
+              </a:avLst>
+            </a:prstGeom>
+          </p:spPr>
+          <p:style>
+            <a:lnRef idx="2">
+              <a:schemeClr val="lt1">
+                <a:hueOff val="0"/>
+                <a:satOff val="0"/>
+                <a:lumOff val="0"/>
+                <a:alphaOff val="0"/>
+              </a:schemeClr>
+            </a:lnRef>
+            <a:fillRef idx="1">
+              <a:schemeClr val="accent1">
+                <a:hueOff val="0"/>
+                <a:satOff val="0"/>
+                <a:lumOff val="0"/>
+                <a:alphaOff val="0"/>
+              </a:schemeClr>
+            </a:fillRef>
+            <a:effectRef idx="0">
+              <a:schemeClr val="accent1">
+                <a:hueOff val="0"/>
+                <a:satOff val="0"/>
+                <a:lumOff val="0"/>
+                <a:alphaOff val="0"/>
+              </a:schemeClr>
+            </a:effectRef>
+            <a:fontRef idx="minor">
+              <a:schemeClr val="lt1"/>
+            </a:fontRef>
+          </p:style>
+        </p:sp>
+        <p:sp>
+          <p:nvSpPr>
+            <p:cNvPr id="31" name="Rectangle: Rounded Corners 6">
+              <a:extLst>
+                <a:ext uri="{FF2B5EF4-FFF2-40B4-BE49-F238E27FC236}">
+                  <a16:creationId xmlns:a16="http://schemas.microsoft.com/office/drawing/2014/main" id="{662CB68C-FD16-4B3E-E616-5592636438DA}"/>
+                </a:ext>
+              </a:extLst>
+            </p:cNvPr>
+            <p:cNvSpPr txBox="1"/>
+            <p:nvPr/>
+          </p:nvSpPr>
+          <p:spPr>
+            <a:xfrm>
+              <a:off x="2046404" y="1447227"/>
+              <a:ext cx="1389580" cy="813500"/>
+            </a:xfrm>
+            <a:prstGeom prst="rect">
+              <a:avLst/>
+            </a:prstGeom>
+          </p:spPr>
+          <p:style>
+            <a:lnRef idx="0">
+              <a:scrgbClr r="0" g="0" b="0"/>
+            </a:lnRef>
+            <a:fillRef idx="0">
+              <a:scrgbClr r="0" g="0" b="0"/>
+            </a:fillRef>
+            <a:effectRef idx="0">
+              <a:scrgbClr r="0" g="0" b="0"/>
+            </a:effectRef>
+            <a:fontRef idx="minor">
+              <a:schemeClr val="lt1"/>
+            </a:fontRef>
+          </p:style>
+          <p:txBody>
+            <a:bodyPr spcFirstLastPara="0" vert="horz" wrap="square" lIns="148590" tIns="148590" rIns="148590" bIns="148590" numCol="1" spcCol="1270" anchor="ctr" anchorCtr="0">
+              <a:noAutofit/>
+            </a:bodyPr>
+            <a:lstStyle/>
+            <a:p>
+              <a:pPr marL="0" lvl="0" indent="0" algn="ctr" defTabSz="1733550">
+                <a:lnSpc>
+                  <a:spcPct val="90000"/>
+                </a:lnSpc>
+                <a:spcBef>
+                  <a:spcPct val="0"/>
+                </a:spcBef>
+                <a:spcAft>
+                  <a:spcPct val="35000"/>
+                </a:spcAft>
+                <a:buNone/>
+              </a:pPr>
+              <a:r>
+                <a:rPr lang="en-US" sz="2400" kern="1200" dirty="0"/>
+                <a:t>Email</a:t>
+              </a:r>
+            </a:p>
+          </p:txBody>
+        </p:sp>
+      </p:grpSp>
+      <p:grpSp>
+        <p:nvGrpSpPr>
+          <p:cNvPr id="24" name="Group 23">
+            <a:extLst>
+              <a:ext uri="{FF2B5EF4-FFF2-40B4-BE49-F238E27FC236}">
+                <a16:creationId xmlns:a16="http://schemas.microsoft.com/office/drawing/2014/main" id="{4435DCC1-A03C-FA9F-5EC2-97E8E18EEC64}"/>
+              </a:ext>
+            </a:extLst>
+          </p:cNvPr>
+          <p:cNvGrpSpPr/>
+          <p:nvPr/>
+        </p:nvGrpSpPr>
+        <p:grpSpPr>
+          <a:xfrm>
+            <a:off x="8462030" y="3534048"/>
+            <a:ext cx="305322" cy="357169"/>
+            <a:chOff x="3605313" y="1675392"/>
+            <a:chExt cx="305322" cy="357169"/>
+          </a:xfrm>
+        </p:grpSpPr>
+        <p:sp>
+          <p:nvSpPr>
+            <p:cNvPr id="28" name="Arrow: Right 27">
+              <a:extLst>
+                <a:ext uri="{FF2B5EF4-FFF2-40B4-BE49-F238E27FC236}">
+                  <a16:creationId xmlns:a16="http://schemas.microsoft.com/office/drawing/2014/main" id="{718D1ADF-485F-4319-5F66-3381CEA9E5BA}"/>
+                </a:ext>
+              </a:extLst>
+            </p:cNvPr>
+            <p:cNvSpPr/>
+            <p:nvPr/>
+          </p:nvSpPr>
+          <p:spPr>
+            <a:xfrm>
+              <a:off x="3605313" y="1675392"/>
+              <a:ext cx="305322" cy="357169"/>
+            </a:xfrm>
+            <a:prstGeom prst="rightArrow">
+              <a:avLst>
+                <a:gd name="adj1" fmla="val 60000"/>
+                <a:gd name="adj2" fmla="val 50000"/>
+              </a:avLst>
+            </a:prstGeom>
+          </p:spPr>
+          <p:style>
+            <a:lnRef idx="0">
+              <a:schemeClr val="accent1">
+                <a:tint val="60000"/>
+                <a:hueOff val="0"/>
+                <a:satOff val="0"/>
+                <a:lumOff val="0"/>
+                <a:alphaOff val="0"/>
+              </a:schemeClr>
+            </a:lnRef>
+            <a:fillRef idx="1">
+              <a:schemeClr val="accent1">
+                <a:tint val="60000"/>
+                <a:hueOff val="0"/>
+                <a:satOff val="0"/>
+                <a:lumOff val="0"/>
+                <a:alphaOff val="0"/>
+              </a:schemeClr>
+            </a:fillRef>
+            <a:effectRef idx="0">
+              <a:schemeClr val="accent1">
+                <a:tint val="60000"/>
+                <a:hueOff val="0"/>
+                <a:satOff val="0"/>
+                <a:lumOff val="0"/>
+                <a:alphaOff val="0"/>
+              </a:schemeClr>
+            </a:effectRef>
+            <a:fontRef idx="minor">
+              <a:schemeClr val="lt1"/>
+            </a:fontRef>
+          </p:style>
+        </p:sp>
+        <p:sp>
+          <p:nvSpPr>
+            <p:cNvPr id="29" name="Arrow: Right 8">
+              <a:extLst>
+                <a:ext uri="{FF2B5EF4-FFF2-40B4-BE49-F238E27FC236}">
+                  <a16:creationId xmlns:a16="http://schemas.microsoft.com/office/drawing/2014/main" id="{047A5D21-1467-7B96-EC12-49132DB267FD}"/>
+                </a:ext>
+              </a:extLst>
+            </p:cNvPr>
+            <p:cNvSpPr txBox="1"/>
+            <p:nvPr/>
+          </p:nvSpPr>
+          <p:spPr>
+            <a:xfrm>
+              <a:off x="3605313" y="1746826"/>
+              <a:ext cx="213725" cy="214301"/>
+            </a:xfrm>
+            <a:prstGeom prst="rect">
+              <a:avLst/>
+            </a:prstGeom>
+          </p:spPr>
+          <p:style>
+            <a:lnRef idx="0">
+              <a:scrgbClr r="0" g="0" b="0"/>
+            </a:lnRef>
+            <a:fillRef idx="0">
+              <a:scrgbClr r="0" g="0" b="0"/>
+            </a:fillRef>
+            <a:effectRef idx="0">
+              <a:scrgbClr r="0" g="0" b="0"/>
+            </a:effectRef>
+            <a:fontRef idx="minor">
+              <a:schemeClr val="lt1"/>
+            </a:fontRef>
+          </p:style>
+          <p:txBody>
+            <a:bodyPr spcFirstLastPara="0" vert="horz" wrap="square" lIns="0" tIns="0" rIns="0" bIns="0" numCol="1" spcCol="1270" anchor="ctr" anchorCtr="0">
+              <a:noAutofit/>
+            </a:bodyPr>
+            <a:lstStyle/>
+            <a:p>
+              <a:pPr marL="0" lvl="0" indent="0" algn="ctr" defTabSz="711200">
+                <a:lnSpc>
+                  <a:spcPct val="90000"/>
+                </a:lnSpc>
+                <a:spcBef>
+                  <a:spcPct val="0"/>
+                </a:spcBef>
+                <a:spcAft>
+                  <a:spcPct val="35000"/>
+                </a:spcAft>
+                <a:buNone/>
+              </a:pPr>
+              <a:endParaRPr lang="en-US" sz="1600" kern="1200"/>
+            </a:p>
+          </p:txBody>
+        </p:sp>
+      </p:grpSp>
+      <p:grpSp>
+        <p:nvGrpSpPr>
+          <p:cNvPr id="25" name="Group 24">
+            <a:extLst>
+              <a:ext uri="{FF2B5EF4-FFF2-40B4-BE49-F238E27FC236}">
+                <a16:creationId xmlns:a16="http://schemas.microsoft.com/office/drawing/2014/main" id="{318F3753-CACE-691B-FACE-D2F607926017}"/>
+              </a:ext>
+            </a:extLst>
+          </p:cNvPr>
+          <p:cNvGrpSpPr/>
+          <p:nvPr/>
+        </p:nvGrpSpPr>
+        <p:grpSpPr>
+          <a:xfrm>
+            <a:off x="8894090" y="3280574"/>
+            <a:ext cx="1440198" cy="864118"/>
+            <a:chOff x="4037373" y="1421918"/>
+            <a:chExt cx="1440198" cy="864118"/>
+          </a:xfrm>
+        </p:grpSpPr>
+        <p:sp>
+          <p:nvSpPr>
+            <p:cNvPr id="26" name="Rectangle: Rounded Corners 25">
+              <a:extLst>
+                <a:ext uri="{FF2B5EF4-FFF2-40B4-BE49-F238E27FC236}">
+                  <a16:creationId xmlns:a16="http://schemas.microsoft.com/office/drawing/2014/main" id="{00BFD7C4-BE5D-9264-3A18-F3F4F3E0AA29}"/>
+                </a:ext>
+              </a:extLst>
+            </p:cNvPr>
+            <p:cNvSpPr/>
+            <p:nvPr/>
+          </p:nvSpPr>
+          <p:spPr>
+            <a:xfrm>
+              <a:off x="4037373" y="1421918"/>
+              <a:ext cx="1440198" cy="864118"/>
+            </a:xfrm>
+            <a:prstGeom prst="roundRect">
+              <a:avLst>
+                <a:gd name="adj" fmla="val 10000"/>
+              </a:avLst>
+            </a:prstGeom>
+          </p:spPr>
+          <p:style>
+            <a:lnRef idx="2">
+              <a:schemeClr val="lt1">
+                <a:hueOff val="0"/>
+                <a:satOff val="0"/>
+                <a:lumOff val="0"/>
+                <a:alphaOff val="0"/>
+              </a:schemeClr>
+            </a:lnRef>
+            <a:fillRef idx="1">
+              <a:schemeClr val="accent1">
+                <a:hueOff val="0"/>
+                <a:satOff val="0"/>
+                <a:lumOff val="0"/>
+                <a:alphaOff val="0"/>
+              </a:schemeClr>
+            </a:fillRef>
+            <a:effectRef idx="0">
+              <a:schemeClr val="accent1">
+                <a:hueOff val="0"/>
+                <a:satOff val="0"/>
+                <a:lumOff val="0"/>
+                <a:alphaOff val="0"/>
+              </a:schemeClr>
+            </a:effectRef>
+            <a:fontRef idx="minor">
+              <a:schemeClr val="lt1"/>
+            </a:fontRef>
+          </p:style>
+        </p:sp>
+        <p:sp>
+          <p:nvSpPr>
+            <p:cNvPr id="27" name="Rectangle: Rounded Corners 10">
+              <a:extLst>
+                <a:ext uri="{FF2B5EF4-FFF2-40B4-BE49-F238E27FC236}">
+                  <a16:creationId xmlns:a16="http://schemas.microsoft.com/office/drawing/2014/main" id="{F58D6BAB-428C-B8F5-2028-B6ED3E784116}"/>
+                </a:ext>
+              </a:extLst>
+            </p:cNvPr>
+            <p:cNvSpPr txBox="1"/>
+            <p:nvPr/>
+          </p:nvSpPr>
+          <p:spPr>
+            <a:xfrm>
+              <a:off x="4062682" y="1447227"/>
+              <a:ext cx="1389580" cy="813500"/>
+            </a:xfrm>
+            <a:prstGeom prst="rect">
+              <a:avLst/>
+            </a:prstGeom>
+          </p:spPr>
+          <p:style>
+            <a:lnRef idx="0">
+              <a:scrgbClr r="0" g="0" b="0"/>
+            </a:lnRef>
+            <a:fillRef idx="0">
+              <a:scrgbClr r="0" g="0" b="0"/>
+            </a:fillRef>
+            <a:effectRef idx="0">
+              <a:scrgbClr r="0" g="0" b="0"/>
+            </a:effectRef>
+            <a:fontRef idx="minor">
+              <a:schemeClr val="lt1"/>
+            </a:fontRef>
+          </p:style>
+          <p:txBody>
+            <a:bodyPr spcFirstLastPara="0" vert="horz" wrap="square" lIns="148590" tIns="148590" rIns="148590" bIns="148590" numCol="1" spcCol="1270" anchor="ctr" anchorCtr="0">
+              <a:noAutofit/>
+            </a:bodyPr>
+            <a:lstStyle/>
+            <a:p>
+              <a:pPr marL="0" lvl="0" indent="0" algn="ctr" defTabSz="1733550">
+                <a:lnSpc>
+                  <a:spcPct val="90000"/>
+                </a:lnSpc>
+                <a:spcBef>
+                  <a:spcPct val="0"/>
+                </a:spcBef>
+                <a:spcAft>
+                  <a:spcPct val="35000"/>
+                </a:spcAft>
+                <a:buNone/>
+              </a:pPr>
+              <a:r>
+                <a:rPr lang="en-US" sz="2400" dirty="0" err="1"/>
+                <a:t>Github</a:t>
+              </a:r>
+              <a:endParaRPr lang="en-US" sz="2400" kern="1200" dirty="0"/>
+            </a:p>
+          </p:txBody>
+        </p:sp>
+      </p:grpSp>
+    </p:spTree>
+    <p:extLst>
+      <p:ext uri="{BB962C8B-B14F-4D97-AF65-F5344CB8AC3E}">
+        <p14:creationId xmlns:p14="http://schemas.microsoft.com/office/powerpoint/2010/main" val="3816007434"/>
+      </p:ext>
+    </p:extLst>
+  </p:cSld>
+  <p:clrMapOvr>
+    <a:masterClrMapping/>
+  </p:clrMapOvr>
+</p:sld>
+</file>
+
 <file path=ppt/theme/theme1.xml><?xml version="1.0" encoding="utf-8"?>
 <a:theme xmlns:a="http://schemas.openxmlformats.org/drawingml/2006/main" name="ArchwayVTI">
   <a:themeElements>

--- a/presentations/Checkpoint 1.pptx
+++ b/presentations/Checkpoint 1.pptx
@@ -4,6 +4,9 @@
   <p:sldMasterIdLst>
     <p:sldMasterId id="2147483686" r:id="rId1"/>
   </p:sldMasterIdLst>
+  <p:notesMasterIdLst>
+    <p:notesMasterId r:id="rId11"/>
+  </p:notesMasterIdLst>
   <p:sldIdLst>
     <p:sldId id="256" r:id="rId2"/>
     <p:sldId id="265" r:id="rId3"/>
@@ -1056,7 +1059,7 @@
   <dgm:whole/>
   <dgm:extLst>
     <a:ext uri="http://schemas.microsoft.com/office/drawing/2008/diagram">
-      <dsp:dataModelExt xmlns:dsp="http://schemas.microsoft.com/office/drawing/2008/diagram" relId="rId6" minVer="http://schemas.openxmlformats.org/drawingml/2006/diagram"/>
+      <dsp:dataModelExt xmlns:dsp="http://schemas.microsoft.com/office/drawing/2008/diagram" relId="rId7" minVer="http://schemas.openxmlformats.org/drawingml/2006/diagram"/>
     </a:ext>
   </dgm:extLst>
 </dgm:dataModel>
@@ -1122,12 +1125,12 @@
         </a:fontRef>
       </dsp:style>
       <dsp:txBody>
-        <a:bodyPr spcFirstLastPara="0" vert="horz" wrap="square" lIns="91440" tIns="91440" rIns="91440" bIns="91440" numCol="1" spcCol="1270" anchor="ctr" anchorCtr="0">
+        <a:bodyPr spcFirstLastPara="0" vert="horz" wrap="square" lIns="87630" tIns="87630" rIns="87630" bIns="87630" numCol="1" spcCol="1270" anchor="ctr" anchorCtr="0">
           <a:noAutofit/>
         </a:bodyPr>
         <a:lstStyle/>
         <a:p>
-          <a:pPr marL="0" lvl="0" indent="0" algn="ctr" defTabSz="1066800">
+          <a:pPr marL="0" lvl="0" indent="0" algn="ctr" defTabSz="1022350">
             <a:lnSpc>
               <a:spcPct val="90000"/>
             </a:lnSpc>
@@ -1140,7 +1143,7 @@
             <a:buNone/>
           </a:pPr>
           <a:r>
-            <a:rPr lang="en-US" sz="2400" kern="1200" dirty="0"/>
+            <a:rPr lang="en-US" sz="2300" kern="1200" dirty="0"/>
             <a:t>Text</a:t>
           </a:r>
         </a:p>
@@ -1200,7 +1203,7 @@
         </a:bodyPr>
         <a:lstStyle/>
         <a:p>
-          <a:pPr marL="0" lvl="0" indent="0" algn="ctr" defTabSz="711200">
+          <a:pPr marL="0" lvl="0" indent="0" algn="ctr" defTabSz="666750">
             <a:lnSpc>
               <a:spcPct val="90000"/>
             </a:lnSpc>
@@ -1212,7 +1215,7 @@
             </a:spcAft>
             <a:buNone/>
           </a:pPr>
-          <a:endParaRPr lang="en-US" sz="1600" kern="1200"/>
+          <a:endParaRPr lang="en-US" sz="1500" kern="1200"/>
         </a:p>
       </dsp:txBody>
       <dsp:txXfrm>
@@ -1272,12 +1275,12 @@
         </a:fontRef>
       </dsp:style>
       <dsp:txBody>
-        <a:bodyPr spcFirstLastPara="0" vert="horz" wrap="square" lIns="91440" tIns="91440" rIns="91440" bIns="91440" numCol="1" spcCol="1270" anchor="ctr" anchorCtr="0">
+        <a:bodyPr spcFirstLastPara="0" vert="horz" wrap="square" lIns="87630" tIns="87630" rIns="87630" bIns="87630" numCol="1" spcCol="1270" anchor="ctr" anchorCtr="0">
           <a:noAutofit/>
         </a:bodyPr>
         <a:lstStyle/>
         <a:p>
-          <a:pPr marL="0" lvl="0" indent="0" algn="ctr" defTabSz="1066800">
+          <a:pPr marL="0" lvl="0" indent="0" algn="ctr" defTabSz="1022350">
             <a:lnSpc>
               <a:spcPct val="90000"/>
             </a:lnSpc>
@@ -1290,7 +1293,7 @@
             <a:buNone/>
           </a:pPr>
           <a:r>
-            <a:rPr lang="en-US" sz="2400" kern="1200" dirty="0"/>
+            <a:rPr lang="en-US" sz="2300" kern="1200" dirty="0"/>
             <a:t>Discord</a:t>
           </a:r>
         </a:p>
@@ -1350,7 +1353,7 @@
         </a:bodyPr>
         <a:lstStyle/>
         <a:p>
-          <a:pPr marL="0" lvl="0" indent="0" algn="ctr" defTabSz="711200">
+          <a:pPr marL="0" lvl="0" indent="0" algn="ctr" defTabSz="666750">
             <a:lnSpc>
               <a:spcPct val="90000"/>
             </a:lnSpc>
@@ -1362,7 +1365,7 @@
             </a:spcAft>
             <a:buNone/>
           </a:pPr>
-          <a:endParaRPr lang="en-US" sz="1600" kern="1200"/>
+          <a:endParaRPr lang="en-US" sz="1500" kern="1200"/>
         </a:p>
       </dsp:txBody>
       <dsp:txXfrm>
@@ -1422,12 +1425,12 @@
         </a:fontRef>
       </dsp:style>
       <dsp:txBody>
-        <a:bodyPr spcFirstLastPara="0" vert="horz" wrap="square" lIns="91440" tIns="91440" rIns="91440" bIns="91440" numCol="1" spcCol="1270" anchor="ctr" anchorCtr="0">
+        <a:bodyPr spcFirstLastPara="0" vert="horz" wrap="square" lIns="87630" tIns="87630" rIns="87630" bIns="87630" numCol="1" spcCol="1270" anchor="ctr" anchorCtr="0">
           <a:noAutofit/>
         </a:bodyPr>
         <a:lstStyle/>
         <a:p>
-          <a:pPr marL="0" lvl="0" indent="0" algn="ctr" defTabSz="1066800">
+          <a:pPr marL="0" lvl="0" indent="0" algn="ctr" defTabSz="1022350">
             <a:lnSpc>
               <a:spcPct val="90000"/>
             </a:lnSpc>
@@ -1440,7 +1443,7 @@
             <a:buNone/>
           </a:pPr>
           <a:r>
-            <a:rPr lang="en-US" sz="2400" kern="1200" dirty="0"/>
+            <a:rPr lang="en-US" sz="2300" kern="1200" dirty="0"/>
             <a:t>MS Teams</a:t>
           </a:r>
         </a:p>
@@ -2634,6 +2637,1051 @@
 </dgm:styleDef>
 </file>
 
+<file path=ppt/notesMasters/notesMaster1.xml><?xml version="1.0" encoding="utf-8"?>
+<p:notesMaster xmlns:a="http://schemas.openxmlformats.org/drawingml/2006/main" xmlns:r="http://schemas.openxmlformats.org/officeDocument/2006/relationships" xmlns:p="http://schemas.openxmlformats.org/presentationml/2006/main">
+  <p:cSld>
+    <p:bg>
+      <p:bgRef idx="1001">
+        <a:schemeClr val="bg1"/>
+      </p:bgRef>
+    </p:bg>
+    <p:spTree>
+      <p:nvGrpSpPr>
+        <p:cNvPr id="1" name=""/>
+        <p:cNvGrpSpPr/>
+        <p:nvPr/>
+      </p:nvGrpSpPr>
+      <p:grpSpPr>
+        <a:xfrm>
+          <a:off x="0" y="0"/>
+          <a:ext cx="0" cy="0"/>
+          <a:chOff x="0" y="0"/>
+          <a:chExt cx="0" cy="0"/>
+        </a:xfrm>
+      </p:grpSpPr>
+      <p:sp>
+        <p:nvSpPr>
+          <p:cNvPr id="2" name="Header Placeholder 1"/>
+          <p:cNvSpPr>
+            <a:spLocks noGrp="1"/>
+          </p:cNvSpPr>
+          <p:nvPr>
+            <p:ph type="hdr" sz="quarter"/>
+          </p:nvPr>
+        </p:nvSpPr>
+        <p:spPr>
+          <a:xfrm>
+            <a:off x="0" y="0"/>
+            <a:ext cx="2971800" cy="458788"/>
+          </a:xfrm>
+          <a:prstGeom prst="rect">
+            <a:avLst/>
+          </a:prstGeom>
+        </p:spPr>
+        <p:txBody>
+          <a:bodyPr vert="horz" lIns="91440" tIns="45720" rIns="91440" bIns="45720" rtlCol="0"/>
+          <a:lstStyle>
+            <a:lvl1pPr algn="l">
+              <a:defRPr sz="1200"/>
+            </a:lvl1pPr>
+          </a:lstStyle>
+          <a:p>
+            <a:endParaRPr lang="en-US"/>
+          </a:p>
+        </p:txBody>
+      </p:sp>
+      <p:sp>
+        <p:nvSpPr>
+          <p:cNvPr id="3" name="Date Placeholder 2"/>
+          <p:cNvSpPr>
+            <a:spLocks noGrp="1"/>
+          </p:cNvSpPr>
+          <p:nvPr>
+            <p:ph type="dt" idx="1"/>
+          </p:nvPr>
+        </p:nvSpPr>
+        <p:spPr>
+          <a:xfrm>
+            <a:off x="3884613" y="0"/>
+            <a:ext cx="2971800" cy="458788"/>
+          </a:xfrm>
+          <a:prstGeom prst="rect">
+            <a:avLst/>
+          </a:prstGeom>
+        </p:spPr>
+        <p:txBody>
+          <a:bodyPr vert="horz" lIns="91440" tIns="45720" rIns="91440" bIns="45720" rtlCol="0"/>
+          <a:lstStyle>
+            <a:lvl1pPr algn="r">
+              <a:defRPr sz="1200"/>
+            </a:lvl1pPr>
+          </a:lstStyle>
+          <a:p>
+            <a:fld id="{7EDF9FE7-8742-D948-A27D-754777083468}" type="datetimeFigureOut">
+              <a:rPr lang="en-US" smtClean="0"/>
+              <a:t>2/21/23</a:t>
+            </a:fld>
+            <a:endParaRPr lang="en-US"/>
+          </a:p>
+        </p:txBody>
+      </p:sp>
+      <p:sp>
+        <p:nvSpPr>
+          <p:cNvPr id="4" name="Slide Image Placeholder 3"/>
+          <p:cNvSpPr>
+            <a:spLocks noGrp="1" noRot="1" noChangeAspect="1"/>
+          </p:cNvSpPr>
+          <p:nvPr>
+            <p:ph type="sldImg" idx="2"/>
+          </p:nvPr>
+        </p:nvSpPr>
+        <p:spPr>
+          <a:xfrm>
+            <a:off x="685800" y="1143000"/>
+            <a:ext cx="5486400" cy="3086100"/>
+          </a:xfrm>
+          <a:prstGeom prst="rect">
+            <a:avLst/>
+          </a:prstGeom>
+          <a:noFill/>
+          <a:ln w="12700">
+            <a:solidFill>
+              <a:prstClr val="black"/>
+            </a:solidFill>
+          </a:ln>
+        </p:spPr>
+        <p:txBody>
+          <a:bodyPr vert="horz" lIns="91440" tIns="45720" rIns="91440" bIns="45720" rtlCol="0" anchor="ctr"/>
+          <a:lstStyle/>
+          <a:p>
+            <a:endParaRPr lang="en-US"/>
+          </a:p>
+        </p:txBody>
+      </p:sp>
+      <p:sp>
+        <p:nvSpPr>
+          <p:cNvPr id="5" name="Notes Placeholder 4"/>
+          <p:cNvSpPr>
+            <a:spLocks noGrp="1"/>
+          </p:cNvSpPr>
+          <p:nvPr>
+            <p:ph type="body" sz="quarter" idx="3"/>
+          </p:nvPr>
+        </p:nvSpPr>
+        <p:spPr>
+          <a:xfrm>
+            <a:off x="685800" y="4400550"/>
+            <a:ext cx="5486400" cy="3600450"/>
+          </a:xfrm>
+          <a:prstGeom prst="rect">
+            <a:avLst/>
+          </a:prstGeom>
+        </p:spPr>
+        <p:txBody>
+          <a:bodyPr vert="horz" lIns="91440" tIns="45720" rIns="91440" bIns="45720" rtlCol="0"/>
+          <a:lstStyle/>
+          <a:p>
+            <a:pPr lvl="0"/>
+            <a:r>
+              <a:rPr lang="en-US"/>
+              <a:t>Click to edit Master text styles</a:t>
+            </a:r>
+          </a:p>
+          <a:p>
+            <a:pPr lvl="1"/>
+            <a:r>
+              <a:rPr lang="en-US"/>
+              <a:t>Second level</a:t>
+            </a:r>
+          </a:p>
+          <a:p>
+            <a:pPr lvl="2"/>
+            <a:r>
+              <a:rPr lang="en-US"/>
+              <a:t>Third level</a:t>
+            </a:r>
+          </a:p>
+          <a:p>
+            <a:pPr lvl="3"/>
+            <a:r>
+              <a:rPr lang="en-US"/>
+              <a:t>Fourth level</a:t>
+            </a:r>
+          </a:p>
+          <a:p>
+            <a:pPr lvl="4"/>
+            <a:r>
+              <a:rPr lang="en-US"/>
+              <a:t>Fifth level</a:t>
+            </a:r>
+          </a:p>
+        </p:txBody>
+      </p:sp>
+      <p:sp>
+        <p:nvSpPr>
+          <p:cNvPr id="6" name="Footer Placeholder 5"/>
+          <p:cNvSpPr>
+            <a:spLocks noGrp="1"/>
+          </p:cNvSpPr>
+          <p:nvPr>
+            <p:ph type="ftr" sz="quarter" idx="4"/>
+          </p:nvPr>
+        </p:nvSpPr>
+        <p:spPr>
+          <a:xfrm>
+            <a:off x="0" y="8685213"/>
+            <a:ext cx="2971800" cy="458787"/>
+          </a:xfrm>
+          <a:prstGeom prst="rect">
+            <a:avLst/>
+          </a:prstGeom>
+        </p:spPr>
+        <p:txBody>
+          <a:bodyPr vert="horz" lIns="91440" tIns="45720" rIns="91440" bIns="45720" rtlCol="0" anchor="b"/>
+          <a:lstStyle>
+            <a:lvl1pPr algn="l">
+              <a:defRPr sz="1200"/>
+            </a:lvl1pPr>
+          </a:lstStyle>
+          <a:p>
+            <a:endParaRPr lang="en-US"/>
+          </a:p>
+        </p:txBody>
+      </p:sp>
+      <p:sp>
+        <p:nvSpPr>
+          <p:cNvPr id="7" name="Slide Number Placeholder 6"/>
+          <p:cNvSpPr>
+            <a:spLocks noGrp="1"/>
+          </p:cNvSpPr>
+          <p:nvPr>
+            <p:ph type="sldNum" sz="quarter" idx="5"/>
+          </p:nvPr>
+        </p:nvSpPr>
+        <p:spPr>
+          <a:xfrm>
+            <a:off x="3884613" y="8685213"/>
+            <a:ext cx="2971800" cy="458787"/>
+          </a:xfrm>
+          <a:prstGeom prst="rect">
+            <a:avLst/>
+          </a:prstGeom>
+        </p:spPr>
+        <p:txBody>
+          <a:bodyPr vert="horz" lIns="91440" tIns="45720" rIns="91440" bIns="45720" rtlCol="0" anchor="b"/>
+          <a:lstStyle>
+            <a:lvl1pPr algn="r">
+              <a:defRPr sz="1200"/>
+            </a:lvl1pPr>
+          </a:lstStyle>
+          <a:p>
+            <a:fld id="{872953EB-B4E0-5B4D-9279-F28B31525A78}" type="slidenum">
+              <a:rPr lang="en-US" smtClean="0"/>
+              <a:t>‹#›</a:t>
+            </a:fld>
+            <a:endParaRPr lang="en-US"/>
+          </a:p>
+        </p:txBody>
+      </p:sp>
+    </p:spTree>
+    <p:extLst>
+      <p:ext uri="{BB962C8B-B14F-4D97-AF65-F5344CB8AC3E}">
+        <p14:creationId xmlns:p14="http://schemas.microsoft.com/office/powerpoint/2010/main" val="90931352"/>
+      </p:ext>
+    </p:extLst>
+  </p:cSld>
+  <p:clrMap bg1="lt1" tx1="dk1" bg2="lt2" tx2="dk2" accent1="accent1" accent2="accent2" accent3="accent3" accent4="accent4" accent5="accent5" accent6="accent6" hlink="hlink" folHlink="folHlink"/>
+  <p:notesStyle>
+    <a:lvl1pPr marL="0" algn="l" defTabSz="914400" rtl="0" eaLnBrk="1" latinLnBrk="0" hangingPunct="1">
+      <a:defRPr sz="1200" kern="1200">
+        <a:solidFill>
+          <a:schemeClr val="tx1"/>
+        </a:solidFill>
+        <a:latin typeface="+mn-lt"/>
+        <a:ea typeface="+mn-ea"/>
+        <a:cs typeface="+mn-cs"/>
+      </a:defRPr>
+    </a:lvl1pPr>
+    <a:lvl2pPr marL="457200" algn="l" defTabSz="914400" rtl="0" eaLnBrk="1" latinLnBrk="0" hangingPunct="1">
+      <a:defRPr sz="1200" kern="1200">
+        <a:solidFill>
+          <a:schemeClr val="tx1"/>
+        </a:solidFill>
+        <a:latin typeface="+mn-lt"/>
+        <a:ea typeface="+mn-ea"/>
+        <a:cs typeface="+mn-cs"/>
+      </a:defRPr>
+    </a:lvl2pPr>
+    <a:lvl3pPr marL="914400" algn="l" defTabSz="914400" rtl="0" eaLnBrk="1" latinLnBrk="0" hangingPunct="1">
+      <a:defRPr sz="1200" kern="1200">
+        <a:solidFill>
+          <a:schemeClr val="tx1"/>
+        </a:solidFill>
+        <a:latin typeface="+mn-lt"/>
+        <a:ea typeface="+mn-ea"/>
+        <a:cs typeface="+mn-cs"/>
+      </a:defRPr>
+    </a:lvl3pPr>
+    <a:lvl4pPr marL="1371600" algn="l" defTabSz="914400" rtl="0" eaLnBrk="1" latinLnBrk="0" hangingPunct="1">
+      <a:defRPr sz="1200" kern="1200">
+        <a:solidFill>
+          <a:schemeClr val="tx1"/>
+        </a:solidFill>
+        <a:latin typeface="+mn-lt"/>
+        <a:ea typeface="+mn-ea"/>
+        <a:cs typeface="+mn-cs"/>
+      </a:defRPr>
+    </a:lvl4pPr>
+    <a:lvl5pPr marL="1828800" algn="l" defTabSz="914400" rtl="0" eaLnBrk="1" latinLnBrk="0" hangingPunct="1">
+      <a:defRPr sz="1200" kern="1200">
+        <a:solidFill>
+          <a:schemeClr val="tx1"/>
+        </a:solidFill>
+        <a:latin typeface="+mn-lt"/>
+        <a:ea typeface="+mn-ea"/>
+        <a:cs typeface="+mn-cs"/>
+      </a:defRPr>
+    </a:lvl5pPr>
+    <a:lvl6pPr marL="2286000" algn="l" defTabSz="914400" rtl="0" eaLnBrk="1" latinLnBrk="0" hangingPunct="1">
+      <a:defRPr sz="1200" kern="1200">
+        <a:solidFill>
+          <a:schemeClr val="tx1"/>
+        </a:solidFill>
+        <a:latin typeface="+mn-lt"/>
+        <a:ea typeface="+mn-ea"/>
+        <a:cs typeface="+mn-cs"/>
+      </a:defRPr>
+    </a:lvl6pPr>
+    <a:lvl7pPr marL="2743200" algn="l" defTabSz="914400" rtl="0" eaLnBrk="1" latinLnBrk="0" hangingPunct="1">
+      <a:defRPr sz="1200" kern="1200">
+        <a:solidFill>
+          <a:schemeClr val="tx1"/>
+        </a:solidFill>
+        <a:latin typeface="+mn-lt"/>
+        <a:ea typeface="+mn-ea"/>
+        <a:cs typeface="+mn-cs"/>
+      </a:defRPr>
+    </a:lvl7pPr>
+    <a:lvl8pPr marL="3200400" algn="l" defTabSz="914400" rtl="0" eaLnBrk="1" latinLnBrk="0" hangingPunct="1">
+      <a:defRPr sz="1200" kern="1200">
+        <a:solidFill>
+          <a:schemeClr val="tx1"/>
+        </a:solidFill>
+        <a:latin typeface="+mn-lt"/>
+        <a:ea typeface="+mn-ea"/>
+        <a:cs typeface="+mn-cs"/>
+      </a:defRPr>
+    </a:lvl8pPr>
+    <a:lvl9pPr marL="3657600" algn="l" defTabSz="914400" rtl="0" eaLnBrk="1" latinLnBrk="0" hangingPunct="1">
+      <a:defRPr sz="1200" kern="1200">
+        <a:solidFill>
+          <a:schemeClr val="tx1"/>
+        </a:solidFill>
+        <a:latin typeface="+mn-lt"/>
+        <a:ea typeface="+mn-ea"/>
+        <a:cs typeface="+mn-cs"/>
+      </a:defRPr>
+    </a:lvl9pPr>
+  </p:notesStyle>
+</p:notesMaster>
+</file>
+
+<file path=ppt/notesSlides/notesSlide1.xml><?xml version="1.0" encoding="utf-8"?>
+<p:notes xmlns:a="http://schemas.openxmlformats.org/drawingml/2006/main" xmlns:r="http://schemas.openxmlformats.org/officeDocument/2006/relationships" xmlns:p="http://schemas.openxmlformats.org/presentationml/2006/main">
+  <p:cSld>
+    <p:spTree>
+      <p:nvGrpSpPr>
+        <p:cNvPr id="1" name=""/>
+        <p:cNvGrpSpPr/>
+        <p:nvPr/>
+      </p:nvGrpSpPr>
+      <p:grpSpPr>
+        <a:xfrm>
+          <a:off x="0" y="0"/>
+          <a:ext cx="0" cy="0"/>
+          <a:chOff x="0" y="0"/>
+          <a:chExt cx="0" cy="0"/>
+        </a:xfrm>
+      </p:grpSpPr>
+      <p:sp>
+        <p:nvSpPr>
+          <p:cNvPr id="2" name="Slide Image Placeholder 1"/>
+          <p:cNvSpPr>
+            <a:spLocks noGrp="1" noRot="1" noChangeAspect="1"/>
+          </p:cNvSpPr>
+          <p:nvPr>
+            <p:ph type="sldImg"/>
+          </p:nvPr>
+        </p:nvSpPr>
+        <p:spPr/>
+      </p:sp>
+      <p:sp>
+        <p:nvSpPr>
+          <p:cNvPr id="3" name="Notes Placeholder 2"/>
+          <p:cNvSpPr>
+            <a:spLocks noGrp="1"/>
+          </p:cNvSpPr>
+          <p:nvPr>
+            <p:ph type="body" idx="1"/>
+          </p:nvPr>
+        </p:nvSpPr>
+        <p:spPr/>
+        <p:txBody>
+          <a:bodyPr/>
+          <a:lstStyle/>
+          <a:p>
+            <a:r>
+              <a:rPr lang="en-US" dirty="0"/>
+              <a:t>Nick</a:t>
+            </a:r>
+          </a:p>
+        </p:txBody>
+      </p:sp>
+      <p:sp>
+        <p:nvSpPr>
+          <p:cNvPr id="4" name="Slide Number Placeholder 3"/>
+          <p:cNvSpPr>
+            <a:spLocks noGrp="1"/>
+          </p:cNvSpPr>
+          <p:nvPr>
+            <p:ph type="sldNum" sz="quarter" idx="5"/>
+          </p:nvPr>
+        </p:nvSpPr>
+        <p:spPr/>
+        <p:txBody>
+          <a:bodyPr/>
+          <a:lstStyle/>
+          <a:p>
+            <a:fld id="{872953EB-B4E0-5B4D-9279-F28B31525A78}" type="slidenum">
+              <a:rPr lang="en-US" smtClean="0"/>
+              <a:t>2</a:t>
+            </a:fld>
+            <a:endParaRPr lang="en-US"/>
+          </a:p>
+        </p:txBody>
+      </p:sp>
+    </p:spTree>
+    <p:extLst>
+      <p:ext uri="{BB962C8B-B14F-4D97-AF65-F5344CB8AC3E}">
+        <p14:creationId xmlns:p14="http://schemas.microsoft.com/office/powerpoint/2010/main" val="3239235258"/>
+      </p:ext>
+    </p:extLst>
+  </p:cSld>
+  <p:clrMapOvr>
+    <a:masterClrMapping/>
+  </p:clrMapOvr>
+</p:notes>
+</file>
+
+<file path=ppt/notesSlides/notesSlide2.xml><?xml version="1.0" encoding="utf-8"?>
+<p:notes xmlns:a="http://schemas.openxmlformats.org/drawingml/2006/main" xmlns:r="http://schemas.openxmlformats.org/officeDocument/2006/relationships" xmlns:p="http://schemas.openxmlformats.org/presentationml/2006/main">
+  <p:cSld>
+    <p:spTree>
+      <p:nvGrpSpPr>
+        <p:cNvPr id="1" name=""/>
+        <p:cNvGrpSpPr/>
+        <p:nvPr/>
+      </p:nvGrpSpPr>
+      <p:grpSpPr>
+        <a:xfrm>
+          <a:off x="0" y="0"/>
+          <a:ext cx="0" cy="0"/>
+          <a:chOff x="0" y="0"/>
+          <a:chExt cx="0" cy="0"/>
+        </a:xfrm>
+      </p:grpSpPr>
+      <p:sp>
+        <p:nvSpPr>
+          <p:cNvPr id="2" name="Slide Image Placeholder 1"/>
+          <p:cNvSpPr>
+            <a:spLocks noGrp="1" noRot="1" noChangeAspect="1"/>
+          </p:cNvSpPr>
+          <p:nvPr>
+            <p:ph type="sldImg"/>
+          </p:nvPr>
+        </p:nvSpPr>
+        <p:spPr/>
+      </p:sp>
+      <p:sp>
+        <p:nvSpPr>
+          <p:cNvPr id="3" name="Notes Placeholder 2"/>
+          <p:cNvSpPr>
+            <a:spLocks noGrp="1"/>
+          </p:cNvSpPr>
+          <p:nvPr>
+            <p:ph type="body" idx="1"/>
+          </p:nvPr>
+        </p:nvSpPr>
+        <p:spPr/>
+        <p:txBody>
+          <a:bodyPr/>
+          <a:lstStyle/>
+          <a:p>
+            <a:r>
+              <a:rPr lang="en-US" dirty="0"/>
+              <a:t>Chase</a:t>
+            </a:r>
+          </a:p>
+        </p:txBody>
+      </p:sp>
+      <p:sp>
+        <p:nvSpPr>
+          <p:cNvPr id="4" name="Slide Number Placeholder 3"/>
+          <p:cNvSpPr>
+            <a:spLocks noGrp="1"/>
+          </p:cNvSpPr>
+          <p:nvPr>
+            <p:ph type="sldNum" sz="quarter" idx="5"/>
+          </p:nvPr>
+        </p:nvSpPr>
+        <p:spPr/>
+        <p:txBody>
+          <a:bodyPr/>
+          <a:lstStyle/>
+          <a:p>
+            <a:fld id="{872953EB-B4E0-5B4D-9279-F28B31525A78}" type="slidenum">
+              <a:rPr lang="en-US" smtClean="0"/>
+              <a:t>3</a:t>
+            </a:fld>
+            <a:endParaRPr lang="en-US"/>
+          </a:p>
+        </p:txBody>
+      </p:sp>
+    </p:spTree>
+    <p:extLst>
+      <p:ext uri="{BB962C8B-B14F-4D97-AF65-F5344CB8AC3E}">
+        <p14:creationId xmlns:p14="http://schemas.microsoft.com/office/powerpoint/2010/main" val="3750021198"/>
+      </p:ext>
+    </p:extLst>
+  </p:cSld>
+  <p:clrMapOvr>
+    <a:masterClrMapping/>
+  </p:clrMapOvr>
+</p:notes>
+</file>
+
+<file path=ppt/notesSlides/notesSlide3.xml><?xml version="1.0" encoding="utf-8"?>
+<p:notes xmlns:a="http://schemas.openxmlformats.org/drawingml/2006/main" xmlns:r="http://schemas.openxmlformats.org/officeDocument/2006/relationships" xmlns:p="http://schemas.openxmlformats.org/presentationml/2006/main">
+  <p:cSld>
+    <p:spTree>
+      <p:nvGrpSpPr>
+        <p:cNvPr id="1" name=""/>
+        <p:cNvGrpSpPr/>
+        <p:nvPr/>
+      </p:nvGrpSpPr>
+      <p:grpSpPr>
+        <a:xfrm>
+          <a:off x="0" y="0"/>
+          <a:ext cx="0" cy="0"/>
+          <a:chOff x="0" y="0"/>
+          <a:chExt cx="0" cy="0"/>
+        </a:xfrm>
+      </p:grpSpPr>
+      <p:sp>
+        <p:nvSpPr>
+          <p:cNvPr id="2" name="Slide Image Placeholder 1"/>
+          <p:cNvSpPr>
+            <a:spLocks noGrp="1" noRot="1" noChangeAspect="1"/>
+          </p:cNvSpPr>
+          <p:nvPr>
+            <p:ph type="sldImg"/>
+          </p:nvPr>
+        </p:nvSpPr>
+        <p:spPr/>
+      </p:sp>
+      <p:sp>
+        <p:nvSpPr>
+          <p:cNvPr id="3" name="Notes Placeholder 2"/>
+          <p:cNvSpPr>
+            <a:spLocks noGrp="1"/>
+          </p:cNvSpPr>
+          <p:nvPr>
+            <p:ph type="body" idx="1"/>
+          </p:nvPr>
+        </p:nvSpPr>
+        <p:spPr/>
+        <p:txBody>
+          <a:bodyPr/>
+          <a:lstStyle/>
+          <a:p>
+            <a:r>
+              <a:rPr lang="en-US" dirty="0"/>
+              <a:t>Tyler</a:t>
+            </a:r>
+          </a:p>
+        </p:txBody>
+      </p:sp>
+      <p:sp>
+        <p:nvSpPr>
+          <p:cNvPr id="4" name="Slide Number Placeholder 3"/>
+          <p:cNvSpPr>
+            <a:spLocks noGrp="1"/>
+          </p:cNvSpPr>
+          <p:nvPr>
+            <p:ph type="sldNum" sz="quarter" idx="5"/>
+          </p:nvPr>
+        </p:nvSpPr>
+        <p:spPr/>
+        <p:txBody>
+          <a:bodyPr/>
+          <a:lstStyle/>
+          <a:p>
+            <a:fld id="{872953EB-B4E0-5B4D-9279-F28B31525A78}" type="slidenum">
+              <a:rPr lang="en-US" smtClean="0"/>
+              <a:t>4</a:t>
+            </a:fld>
+            <a:endParaRPr lang="en-US"/>
+          </a:p>
+        </p:txBody>
+      </p:sp>
+    </p:spTree>
+    <p:extLst>
+      <p:ext uri="{BB962C8B-B14F-4D97-AF65-F5344CB8AC3E}">
+        <p14:creationId xmlns:p14="http://schemas.microsoft.com/office/powerpoint/2010/main" val="2722629791"/>
+      </p:ext>
+    </p:extLst>
+  </p:cSld>
+  <p:clrMapOvr>
+    <a:masterClrMapping/>
+  </p:clrMapOvr>
+</p:notes>
+</file>
+
+<file path=ppt/notesSlides/notesSlide4.xml><?xml version="1.0" encoding="utf-8"?>
+<p:notes xmlns:a="http://schemas.openxmlformats.org/drawingml/2006/main" xmlns:r="http://schemas.openxmlformats.org/officeDocument/2006/relationships" xmlns:p="http://schemas.openxmlformats.org/presentationml/2006/main">
+  <p:cSld>
+    <p:spTree>
+      <p:nvGrpSpPr>
+        <p:cNvPr id="1" name=""/>
+        <p:cNvGrpSpPr/>
+        <p:nvPr/>
+      </p:nvGrpSpPr>
+      <p:grpSpPr>
+        <a:xfrm>
+          <a:off x="0" y="0"/>
+          <a:ext cx="0" cy="0"/>
+          <a:chOff x="0" y="0"/>
+          <a:chExt cx="0" cy="0"/>
+        </a:xfrm>
+      </p:grpSpPr>
+      <p:sp>
+        <p:nvSpPr>
+          <p:cNvPr id="2" name="Slide Image Placeholder 1"/>
+          <p:cNvSpPr>
+            <a:spLocks noGrp="1" noRot="1" noChangeAspect="1"/>
+          </p:cNvSpPr>
+          <p:nvPr>
+            <p:ph type="sldImg"/>
+          </p:nvPr>
+        </p:nvSpPr>
+        <p:spPr/>
+      </p:sp>
+      <p:sp>
+        <p:nvSpPr>
+          <p:cNvPr id="3" name="Notes Placeholder 2"/>
+          <p:cNvSpPr>
+            <a:spLocks noGrp="1"/>
+          </p:cNvSpPr>
+          <p:nvPr>
+            <p:ph type="body" idx="1"/>
+          </p:nvPr>
+        </p:nvSpPr>
+        <p:spPr/>
+        <p:txBody>
+          <a:bodyPr/>
+          <a:lstStyle/>
+          <a:p>
+            <a:r>
+              <a:rPr lang="en-US" dirty="0"/>
+              <a:t>Tyler</a:t>
+            </a:r>
+          </a:p>
+        </p:txBody>
+      </p:sp>
+      <p:sp>
+        <p:nvSpPr>
+          <p:cNvPr id="4" name="Slide Number Placeholder 3"/>
+          <p:cNvSpPr>
+            <a:spLocks noGrp="1"/>
+          </p:cNvSpPr>
+          <p:nvPr>
+            <p:ph type="sldNum" sz="quarter" idx="5"/>
+          </p:nvPr>
+        </p:nvSpPr>
+        <p:spPr/>
+        <p:txBody>
+          <a:bodyPr/>
+          <a:lstStyle/>
+          <a:p>
+            <a:fld id="{872953EB-B4E0-5B4D-9279-F28B31525A78}" type="slidenum">
+              <a:rPr lang="en-US" smtClean="0"/>
+              <a:t>5</a:t>
+            </a:fld>
+            <a:endParaRPr lang="en-US"/>
+          </a:p>
+        </p:txBody>
+      </p:sp>
+    </p:spTree>
+    <p:extLst>
+      <p:ext uri="{BB962C8B-B14F-4D97-AF65-F5344CB8AC3E}">
+        <p14:creationId xmlns:p14="http://schemas.microsoft.com/office/powerpoint/2010/main" val="2497700304"/>
+      </p:ext>
+    </p:extLst>
+  </p:cSld>
+  <p:clrMapOvr>
+    <a:masterClrMapping/>
+  </p:clrMapOvr>
+</p:notes>
+</file>
+
+<file path=ppt/notesSlides/notesSlide5.xml><?xml version="1.0" encoding="utf-8"?>
+<p:notes xmlns:a="http://schemas.openxmlformats.org/drawingml/2006/main" xmlns:r="http://schemas.openxmlformats.org/officeDocument/2006/relationships" xmlns:p="http://schemas.openxmlformats.org/presentationml/2006/main">
+  <p:cSld>
+    <p:spTree>
+      <p:nvGrpSpPr>
+        <p:cNvPr id="1" name=""/>
+        <p:cNvGrpSpPr/>
+        <p:nvPr/>
+      </p:nvGrpSpPr>
+      <p:grpSpPr>
+        <a:xfrm>
+          <a:off x="0" y="0"/>
+          <a:ext cx="0" cy="0"/>
+          <a:chOff x="0" y="0"/>
+          <a:chExt cx="0" cy="0"/>
+        </a:xfrm>
+      </p:grpSpPr>
+      <p:sp>
+        <p:nvSpPr>
+          <p:cNvPr id="2" name="Slide Image Placeholder 1"/>
+          <p:cNvSpPr>
+            <a:spLocks noGrp="1" noRot="1" noChangeAspect="1"/>
+          </p:cNvSpPr>
+          <p:nvPr>
+            <p:ph type="sldImg"/>
+          </p:nvPr>
+        </p:nvSpPr>
+        <p:spPr/>
+      </p:sp>
+      <p:sp>
+        <p:nvSpPr>
+          <p:cNvPr id="3" name="Notes Placeholder 2"/>
+          <p:cNvSpPr>
+            <a:spLocks noGrp="1"/>
+          </p:cNvSpPr>
+          <p:nvPr>
+            <p:ph type="body" idx="1"/>
+          </p:nvPr>
+        </p:nvSpPr>
+        <p:spPr/>
+        <p:txBody>
+          <a:bodyPr/>
+          <a:lstStyle/>
+          <a:p>
+            <a:r>
+              <a:rPr lang="en-US" dirty="0"/>
+              <a:t>Chase</a:t>
+            </a:r>
+          </a:p>
+        </p:txBody>
+      </p:sp>
+      <p:sp>
+        <p:nvSpPr>
+          <p:cNvPr id="4" name="Slide Number Placeholder 3"/>
+          <p:cNvSpPr>
+            <a:spLocks noGrp="1"/>
+          </p:cNvSpPr>
+          <p:nvPr>
+            <p:ph type="sldNum" sz="quarter" idx="5"/>
+          </p:nvPr>
+        </p:nvSpPr>
+        <p:spPr/>
+        <p:txBody>
+          <a:bodyPr/>
+          <a:lstStyle/>
+          <a:p>
+            <a:fld id="{872953EB-B4E0-5B4D-9279-F28B31525A78}" type="slidenum">
+              <a:rPr lang="en-US" smtClean="0"/>
+              <a:t>6</a:t>
+            </a:fld>
+            <a:endParaRPr lang="en-US"/>
+          </a:p>
+        </p:txBody>
+      </p:sp>
+    </p:spTree>
+    <p:extLst>
+      <p:ext uri="{BB962C8B-B14F-4D97-AF65-F5344CB8AC3E}">
+        <p14:creationId xmlns:p14="http://schemas.microsoft.com/office/powerpoint/2010/main" val="124674271"/>
+      </p:ext>
+    </p:extLst>
+  </p:cSld>
+  <p:clrMapOvr>
+    <a:masterClrMapping/>
+  </p:clrMapOvr>
+</p:notes>
+</file>
+
+<file path=ppt/notesSlides/notesSlide6.xml><?xml version="1.0" encoding="utf-8"?>
+<p:notes xmlns:a="http://schemas.openxmlformats.org/drawingml/2006/main" xmlns:r="http://schemas.openxmlformats.org/officeDocument/2006/relationships" xmlns:p="http://schemas.openxmlformats.org/presentationml/2006/main">
+  <p:cSld>
+    <p:spTree>
+      <p:nvGrpSpPr>
+        <p:cNvPr id="1" name=""/>
+        <p:cNvGrpSpPr/>
+        <p:nvPr/>
+      </p:nvGrpSpPr>
+      <p:grpSpPr>
+        <a:xfrm>
+          <a:off x="0" y="0"/>
+          <a:ext cx="0" cy="0"/>
+          <a:chOff x="0" y="0"/>
+          <a:chExt cx="0" cy="0"/>
+        </a:xfrm>
+      </p:grpSpPr>
+      <p:sp>
+        <p:nvSpPr>
+          <p:cNvPr id="2" name="Slide Image Placeholder 1"/>
+          <p:cNvSpPr>
+            <a:spLocks noGrp="1" noRot="1" noChangeAspect="1"/>
+          </p:cNvSpPr>
+          <p:nvPr>
+            <p:ph type="sldImg"/>
+          </p:nvPr>
+        </p:nvSpPr>
+        <p:spPr/>
+      </p:sp>
+      <p:sp>
+        <p:nvSpPr>
+          <p:cNvPr id="3" name="Notes Placeholder 2"/>
+          <p:cNvSpPr>
+            <a:spLocks noGrp="1"/>
+          </p:cNvSpPr>
+          <p:nvPr>
+            <p:ph type="body" idx="1"/>
+          </p:nvPr>
+        </p:nvSpPr>
+        <p:spPr/>
+        <p:txBody>
+          <a:bodyPr/>
+          <a:lstStyle/>
+          <a:p>
+            <a:r>
+              <a:rPr lang="en-US" dirty="0"/>
+              <a:t>Max/Nick</a:t>
+            </a:r>
+          </a:p>
+        </p:txBody>
+      </p:sp>
+      <p:sp>
+        <p:nvSpPr>
+          <p:cNvPr id="4" name="Slide Number Placeholder 3"/>
+          <p:cNvSpPr>
+            <a:spLocks noGrp="1"/>
+          </p:cNvSpPr>
+          <p:nvPr>
+            <p:ph type="sldNum" sz="quarter" idx="5"/>
+          </p:nvPr>
+        </p:nvSpPr>
+        <p:spPr/>
+        <p:txBody>
+          <a:bodyPr/>
+          <a:lstStyle/>
+          <a:p>
+            <a:fld id="{872953EB-B4E0-5B4D-9279-F28B31525A78}" type="slidenum">
+              <a:rPr lang="en-US" smtClean="0"/>
+              <a:t>7</a:t>
+            </a:fld>
+            <a:endParaRPr lang="en-US"/>
+          </a:p>
+        </p:txBody>
+      </p:sp>
+    </p:spTree>
+    <p:extLst>
+      <p:ext uri="{BB962C8B-B14F-4D97-AF65-F5344CB8AC3E}">
+        <p14:creationId xmlns:p14="http://schemas.microsoft.com/office/powerpoint/2010/main" val="518412558"/>
+      </p:ext>
+    </p:extLst>
+  </p:cSld>
+  <p:clrMapOvr>
+    <a:masterClrMapping/>
+  </p:clrMapOvr>
+</p:notes>
+</file>
+
+<file path=ppt/notesSlides/notesSlide7.xml><?xml version="1.0" encoding="utf-8"?>
+<p:notes xmlns:a="http://schemas.openxmlformats.org/drawingml/2006/main" xmlns:r="http://schemas.openxmlformats.org/officeDocument/2006/relationships" xmlns:p="http://schemas.openxmlformats.org/presentationml/2006/main">
+  <p:cSld>
+    <p:spTree>
+      <p:nvGrpSpPr>
+        <p:cNvPr id="1" name=""/>
+        <p:cNvGrpSpPr/>
+        <p:nvPr/>
+      </p:nvGrpSpPr>
+      <p:grpSpPr>
+        <a:xfrm>
+          <a:off x="0" y="0"/>
+          <a:ext cx="0" cy="0"/>
+          <a:chOff x="0" y="0"/>
+          <a:chExt cx="0" cy="0"/>
+        </a:xfrm>
+      </p:grpSpPr>
+      <p:sp>
+        <p:nvSpPr>
+          <p:cNvPr id="2" name="Slide Image Placeholder 1"/>
+          <p:cNvSpPr>
+            <a:spLocks noGrp="1" noRot="1" noChangeAspect="1"/>
+          </p:cNvSpPr>
+          <p:nvPr>
+            <p:ph type="sldImg"/>
+          </p:nvPr>
+        </p:nvSpPr>
+        <p:spPr/>
+      </p:sp>
+      <p:sp>
+        <p:nvSpPr>
+          <p:cNvPr id="3" name="Notes Placeholder 2"/>
+          <p:cNvSpPr>
+            <a:spLocks noGrp="1"/>
+          </p:cNvSpPr>
+          <p:nvPr>
+            <p:ph type="body" idx="1"/>
+          </p:nvPr>
+        </p:nvSpPr>
+        <p:spPr/>
+        <p:txBody>
+          <a:bodyPr/>
+          <a:lstStyle/>
+          <a:p>
+            <a:r>
+              <a:rPr lang="en-US" dirty="0"/>
+              <a:t>Norman</a:t>
+            </a:r>
+          </a:p>
+        </p:txBody>
+      </p:sp>
+      <p:sp>
+        <p:nvSpPr>
+          <p:cNvPr id="4" name="Slide Number Placeholder 3"/>
+          <p:cNvSpPr>
+            <a:spLocks noGrp="1"/>
+          </p:cNvSpPr>
+          <p:nvPr>
+            <p:ph type="sldNum" sz="quarter" idx="5"/>
+          </p:nvPr>
+        </p:nvSpPr>
+        <p:spPr/>
+        <p:txBody>
+          <a:bodyPr/>
+          <a:lstStyle/>
+          <a:p>
+            <a:fld id="{872953EB-B4E0-5B4D-9279-F28B31525A78}" type="slidenum">
+              <a:rPr lang="en-US" smtClean="0"/>
+              <a:t>8</a:t>
+            </a:fld>
+            <a:endParaRPr lang="en-US"/>
+          </a:p>
+        </p:txBody>
+      </p:sp>
+    </p:spTree>
+    <p:extLst>
+      <p:ext uri="{BB962C8B-B14F-4D97-AF65-F5344CB8AC3E}">
+        <p14:creationId xmlns:p14="http://schemas.microsoft.com/office/powerpoint/2010/main" val="2771406123"/>
+      </p:ext>
+    </p:extLst>
+  </p:cSld>
+  <p:clrMapOvr>
+    <a:masterClrMapping/>
+  </p:clrMapOvr>
+</p:notes>
+</file>
+
+<file path=ppt/notesSlides/notesSlide8.xml><?xml version="1.0" encoding="utf-8"?>
+<p:notes xmlns:a="http://schemas.openxmlformats.org/drawingml/2006/main" xmlns:r="http://schemas.openxmlformats.org/officeDocument/2006/relationships" xmlns:p="http://schemas.openxmlformats.org/presentationml/2006/main">
+  <p:cSld>
+    <p:spTree>
+      <p:nvGrpSpPr>
+        <p:cNvPr id="1" name=""/>
+        <p:cNvGrpSpPr/>
+        <p:nvPr/>
+      </p:nvGrpSpPr>
+      <p:grpSpPr>
+        <a:xfrm>
+          <a:off x="0" y="0"/>
+          <a:ext cx="0" cy="0"/>
+          <a:chOff x="0" y="0"/>
+          <a:chExt cx="0" cy="0"/>
+        </a:xfrm>
+      </p:grpSpPr>
+      <p:sp>
+        <p:nvSpPr>
+          <p:cNvPr id="2" name="Slide Image Placeholder 1"/>
+          <p:cNvSpPr>
+            <a:spLocks noGrp="1" noRot="1" noChangeAspect="1"/>
+          </p:cNvSpPr>
+          <p:nvPr>
+            <p:ph type="sldImg"/>
+          </p:nvPr>
+        </p:nvSpPr>
+        <p:spPr/>
+      </p:sp>
+      <p:sp>
+        <p:nvSpPr>
+          <p:cNvPr id="3" name="Notes Placeholder 2"/>
+          <p:cNvSpPr>
+            <a:spLocks noGrp="1"/>
+          </p:cNvSpPr>
+          <p:nvPr>
+            <p:ph type="body" idx="1"/>
+          </p:nvPr>
+        </p:nvSpPr>
+        <p:spPr/>
+        <p:txBody>
+          <a:bodyPr/>
+          <a:lstStyle/>
+          <a:p>
+            <a:r>
+              <a:rPr lang="en-US" dirty="0"/>
+              <a:t>Norman</a:t>
+            </a:r>
+          </a:p>
+        </p:txBody>
+      </p:sp>
+      <p:sp>
+        <p:nvSpPr>
+          <p:cNvPr id="4" name="Slide Number Placeholder 3"/>
+          <p:cNvSpPr>
+            <a:spLocks noGrp="1"/>
+          </p:cNvSpPr>
+          <p:nvPr>
+            <p:ph type="sldNum" sz="quarter" idx="5"/>
+          </p:nvPr>
+        </p:nvSpPr>
+        <p:spPr/>
+        <p:txBody>
+          <a:bodyPr/>
+          <a:lstStyle/>
+          <a:p>
+            <a:fld id="{872953EB-B4E0-5B4D-9279-F28B31525A78}" type="slidenum">
+              <a:rPr lang="en-US" smtClean="0"/>
+              <a:t>9</a:t>
+            </a:fld>
+            <a:endParaRPr lang="en-US"/>
+          </a:p>
+        </p:txBody>
+      </p:sp>
+    </p:spTree>
+    <p:extLst>
+      <p:ext uri="{BB962C8B-B14F-4D97-AF65-F5344CB8AC3E}">
+        <p14:creationId xmlns:p14="http://schemas.microsoft.com/office/powerpoint/2010/main" val="1959060692"/>
+      </p:ext>
+    </p:extLst>
+  </p:cSld>
+  <p:clrMapOvr>
+    <a:masterClrMapping/>
+  </p:clrMapOvr>
+</p:notes>
+</file>
+
 <file path=ppt/slideLayouts/slideLayout1.xml><?xml version="1.0" encoding="utf-8"?>
 <p:sldLayout xmlns:a="http://schemas.openxmlformats.org/drawingml/2006/main" xmlns:r="http://schemas.openxmlformats.org/officeDocument/2006/relationships" xmlns:p="http://schemas.openxmlformats.org/presentationml/2006/main" showMasterSp="0" type="title" preserve="1">
   <p:cSld name="Title Slide">
@@ -2787,7 +3835,7 @@
           <a:p>
             <a:fld id="{F6CCBF3A-D7FB-4B97-8FD5-6FFB20CB1E84}" type="datetimeFigureOut">
               <a:rPr lang="en-US" smtClean="0"/>
-              <a:t>2/20/2023</a:t>
+              <a:t>2/21/23</a:t>
             </a:fld>
             <a:endParaRPr lang="en-US"/>
           </a:p>
@@ -3028,7 +4076,7 @@
           <a:p>
             <a:fld id="{F6CCBF3A-D7FB-4B97-8FD5-6FFB20CB1E84}" type="datetimeFigureOut">
               <a:rPr lang="en-US" smtClean="0"/>
-              <a:t>2/20/2023</a:t>
+              <a:t>2/21/23</a:t>
             </a:fld>
             <a:endParaRPr lang="en-US"/>
           </a:p>
@@ -3237,7 +4285,7 @@
           <a:p>
             <a:fld id="{F6CCBF3A-D7FB-4B97-8FD5-6FFB20CB1E84}" type="datetimeFigureOut">
               <a:rPr lang="en-US" smtClean="0"/>
-              <a:t>2/20/2023</a:t>
+              <a:t>2/21/23</a:t>
             </a:fld>
             <a:endParaRPr lang="en-US"/>
           </a:p>
@@ -3479,7 +4527,7 @@
           <a:p>
             <a:fld id="{F6CCBF3A-D7FB-4B97-8FD5-6FFB20CB1E84}" type="datetimeFigureOut">
               <a:rPr lang="en-US" smtClean="0"/>
-              <a:t>2/20/2023</a:t>
+              <a:t>2/21/23</a:t>
             </a:fld>
             <a:endParaRPr lang="en-US"/>
           </a:p>
@@ -3757,7 +4805,7 @@
           <a:p>
             <a:fld id="{F6CCBF3A-D7FB-4B97-8FD5-6FFB20CB1E84}" type="datetimeFigureOut">
               <a:rPr lang="en-US" smtClean="0"/>
-              <a:t>2/20/2023</a:t>
+              <a:t>2/21/23</a:t>
             </a:fld>
             <a:endParaRPr lang="en-US"/>
           </a:p>
@@ -4023,7 +5071,7 @@
           <a:p>
             <a:fld id="{F6CCBF3A-D7FB-4B97-8FD5-6FFB20CB1E84}" type="datetimeFigureOut">
               <a:rPr lang="en-US" smtClean="0"/>
-              <a:t>2/20/2023</a:t>
+              <a:t>2/21/23</a:t>
             </a:fld>
             <a:endParaRPr lang="en-US"/>
           </a:p>
@@ -4436,7 +5484,7 @@
           <a:p>
             <a:fld id="{F6CCBF3A-D7FB-4B97-8FD5-6FFB20CB1E84}" type="datetimeFigureOut">
               <a:rPr lang="en-US" smtClean="0"/>
-              <a:t>2/20/2023</a:t>
+              <a:t>2/21/23</a:t>
             </a:fld>
             <a:endParaRPr lang="en-US"/>
           </a:p>
@@ -4583,7 +5631,7 @@
           <a:p>
             <a:fld id="{F6CCBF3A-D7FB-4B97-8FD5-6FFB20CB1E84}" type="datetimeFigureOut">
               <a:rPr lang="en-US" smtClean="0"/>
-              <a:t>2/20/2023</a:t>
+              <a:t>2/21/23</a:t>
             </a:fld>
             <a:endParaRPr lang="en-US"/>
           </a:p>
@@ -4696,7 +5744,7 @@
           <a:p>
             <a:fld id="{F6CCBF3A-D7FB-4B97-8FD5-6FFB20CB1E84}" type="datetimeFigureOut">
               <a:rPr lang="en-US" smtClean="0"/>
-              <a:t>2/20/2023</a:t>
+              <a:t>2/21/23</a:t>
             </a:fld>
             <a:endParaRPr lang="en-US"/>
           </a:p>
@@ -5008,7 +6056,7 @@
           <a:p>
             <a:fld id="{F6CCBF3A-D7FB-4B97-8FD5-6FFB20CB1E84}" type="datetimeFigureOut">
               <a:rPr lang="en-US" smtClean="0"/>
-              <a:t>2/20/2023</a:t>
+              <a:t>2/21/23</a:t>
             </a:fld>
             <a:endParaRPr lang="en-US"/>
           </a:p>
@@ -5343,7 +6391,7 @@
           <a:p>
             <a:fld id="{F6CCBF3A-D7FB-4B97-8FD5-6FFB20CB1E84}" type="datetimeFigureOut">
               <a:rPr lang="en-US" smtClean="0"/>
-              <a:t>2/20/2023</a:t>
+              <a:t>2/21/23</a:t>
             </a:fld>
             <a:endParaRPr lang="en-US"/>
           </a:p>
@@ -5627,7 +6675,7 @@
           <a:p>
             <a:fld id="{F6CCBF3A-D7FB-4B97-8FD5-6FFB20CB1E84}" type="datetimeFigureOut">
               <a:rPr lang="en-US" smtClean="0"/>
-              <a:t>2/20/2023</a:t>
+              <a:t>2/21/23</a:t>
             </a:fld>
             <a:endParaRPr lang="en-US"/>
           </a:p>
@@ -6908,7 +7956,7 @@
         <p:spPr/>
         <p:txBody>
           <a:bodyPr>
-            <a:normAutofit/>
+            <a:normAutofit fontScale="85000" lnSpcReduction="20000"/>
           </a:bodyPr>
           <a:lstStyle/>
           <a:p>
@@ -6947,6 +7995,21 @@
               <a:buChar char="•"/>
             </a:pPr>
             <a:r>
+              <a:rPr lang="en-US" sz="2500" b="0" i="0" dirty="0">
+                <a:solidFill>
+                  <a:srgbClr val="24292F"/>
+                </a:solidFill>
+                <a:effectLst/>
+              </a:rPr>
+              <a:t>Responsible for decisions at each intersection</a:t>
+            </a:r>
+          </a:p>
+          <a:p>
+            <a:pPr lvl="1">
+              <a:buFont typeface="Arial" panose="020B0604020202020204" pitchFamily="34" charset="0"/>
+              <a:buChar char="•"/>
+            </a:pPr>
+            <a:r>
               <a:rPr lang="en-US" sz="2500" i="0" dirty="0">
                 <a:solidFill>
                   <a:srgbClr val="24292F"/>
@@ -7003,7 +8066,7 @@
                 </a:solidFill>
                 <a:effectLst/>
               </a:rPr>
-              <a:t>Class Clown/Cheerleader</a:t>
+              <a:t>Maze Designer</a:t>
             </a:r>
           </a:p>
           <a:p>
@@ -7034,6 +8097,21 @@
                 <a:effectLst/>
               </a:rPr>
               <a:t>Tyler Hixon</a:t>
+            </a:r>
+          </a:p>
+          <a:p>
+            <a:pPr lvl="1">
+              <a:buFont typeface="Arial" panose="020B0604020202020204" pitchFamily="34" charset="0"/>
+              <a:buChar char="•"/>
+            </a:pPr>
+            <a:r>
+              <a:rPr lang="en-US" sz="2300" b="0" i="0" dirty="0">
+                <a:solidFill>
+                  <a:srgbClr val="24292F"/>
+                </a:solidFill>
+                <a:effectLst/>
+              </a:rPr>
+              <a:t>Responsible for nodal structure</a:t>
             </a:r>
           </a:p>
           <a:p>
@@ -7088,7 +8166,9 @@
         </p:nvSpPr>
         <p:spPr/>
         <p:txBody>
-          <a:bodyPr/>
+          <a:bodyPr>
+            <a:normAutofit fontScale="85000" lnSpcReduction="20000"/>
+          </a:bodyPr>
           <a:lstStyle/>
           <a:p>
             <a:pPr algn="l">
@@ -7111,6 +8191,21 @@
               <a:buChar char="•"/>
             </a:pPr>
             <a:r>
+              <a:rPr lang="en-US" sz="2300" b="0" i="0" dirty="0">
+                <a:solidFill>
+                  <a:srgbClr val="24292F"/>
+                </a:solidFill>
+                <a:effectLst/>
+              </a:rPr>
+              <a:t>Responsible for backtracking at dead ends</a:t>
+            </a:r>
+          </a:p>
+          <a:p>
+            <a:pPr lvl="1">
+              <a:buFont typeface="Arial" panose="020B0604020202020204" pitchFamily="34" charset="0"/>
+              <a:buChar char="•"/>
+            </a:pPr>
+            <a:r>
               <a:rPr lang="en-US" sz="2500" b="0" i="0" dirty="0">
                 <a:solidFill>
                   <a:srgbClr val="24292F"/>
@@ -7148,6 +8243,21 @@
                 <a:effectLst/>
               </a:rPr>
               <a:t>Scribe </a:t>
+            </a:r>
+          </a:p>
+          <a:p>
+            <a:pPr lvl="1">
+              <a:buFont typeface="Arial" panose="020B0604020202020204" pitchFamily="34" charset="0"/>
+              <a:buChar char="•"/>
+            </a:pPr>
+            <a:r>
+              <a:rPr lang="en-US" sz="2500" b="0" i="0" dirty="0">
+                <a:solidFill>
+                  <a:srgbClr val="24292F"/>
+                </a:solidFill>
+                <a:effectLst/>
+              </a:rPr>
+              <a:t>Responsible for outputting maze on screen</a:t>
             </a:r>
           </a:p>
           <a:p>
@@ -7670,18 +8780,18 @@
           <p:nvPr>
             <p:extLst>
               <p:ext uri="{D42A27DB-BD31-4B8C-83A1-F6EECF244321}">
-                <p14:modId xmlns:p14="http://schemas.microsoft.com/office/powerpoint/2010/main" val="3533575150"/>
+                <p14:modId xmlns:p14="http://schemas.microsoft.com/office/powerpoint/2010/main" val="1403592423"/>
               </p:ext>
             </p:extLst>
           </p:nvPr>
         </p:nvGraphicFramePr>
         <p:xfrm>
-          <a:off x="838199" y="1858656"/>
+          <a:off x="1231899" y="1807856"/>
           <a:ext cx="5482390" cy="3707955"/>
         </p:xfrm>
         <a:graphic>
           <a:graphicData uri="http://schemas.openxmlformats.org/drawingml/2006/diagram">
-            <dgm:relIds xmlns:dgm="http://schemas.openxmlformats.org/drawingml/2006/diagram" xmlns:r="http://schemas.openxmlformats.org/officeDocument/2006/relationships" r:dm="rId2" r:lo="rId3" r:qs="rId4" r:cs="rId5"/>
+            <dgm:relIds xmlns:dgm="http://schemas.openxmlformats.org/drawingml/2006/diagram" xmlns:r="http://schemas.openxmlformats.org/officeDocument/2006/relationships" r:dm="rId3" r:lo="rId4" r:qs="rId5" r:cs="rId6"/>
           </a:graphicData>
         </a:graphic>
       </p:graphicFrame>
@@ -7699,7 +8809,7 @@
         </p:nvGrpSpPr>
         <p:grpSpPr>
           <a:xfrm>
-            <a:off x="6445753" y="3534048"/>
+            <a:off x="6839453" y="3483248"/>
             <a:ext cx="305322" cy="357169"/>
             <a:chOff x="1589036" y="1675392"/>
             <a:chExt cx="305322" cy="357169"/>
@@ -7834,7 +8944,7 @@
         </p:nvGrpSpPr>
         <p:grpSpPr>
           <a:xfrm>
-            <a:off x="6877812" y="3280574"/>
+            <a:off x="7271512" y="3229774"/>
             <a:ext cx="1440198" cy="864118"/>
             <a:chOff x="2021095" y="1421918"/>
             <a:chExt cx="1440198" cy="864118"/>
@@ -7968,7 +9078,7 @@
         </p:nvGrpSpPr>
         <p:grpSpPr>
           <a:xfrm>
-            <a:off x="8462030" y="3534048"/>
+            <a:off x="8855730" y="3483248"/>
             <a:ext cx="305322" cy="357169"/>
             <a:chOff x="3605313" y="1675392"/>
             <a:chExt cx="305322" cy="357169"/>
@@ -8103,7 +9213,7 @@
         </p:nvGrpSpPr>
         <p:grpSpPr>
           <a:xfrm>
-            <a:off x="8894090" y="3280574"/>
+            <a:off x="9287790" y="3229774"/>
             <a:ext cx="1440198" cy="864118"/>
             <a:chOff x="4037373" y="1421918"/>
             <a:chExt cx="1440198" cy="864118"/>
@@ -8436,4 +9546,299 @@
     </a:ext>
   </a:extLst>
 </a:theme>
+</file>
+
+<file path=ppt/theme/theme2.xml><?xml version="1.0" encoding="utf-8"?>
+<a:theme xmlns:a="http://schemas.openxmlformats.org/drawingml/2006/main" name="Office Theme">
+  <a:themeElements>
+    <a:clrScheme name="Office">
+      <a:dk1>
+        <a:sysClr val="windowText" lastClr="000000"/>
+      </a:dk1>
+      <a:lt1>
+        <a:sysClr val="window" lastClr="FFFFFF"/>
+      </a:lt1>
+      <a:dk2>
+        <a:srgbClr val="44546A"/>
+      </a:dk2>
+      <a:lt2>
+        <a:srgbClr val="E7E6E6"/>
+      </a:lt2>
+      <a:accent1>
+        <a:srgbClr val="4472C4"/>
+      </a:accent1>
+      <a:accent2>
+        <a:srgbClr val="ED7D31"/>
+      </a:accent2>
+      <a:accent3>
+        <a:srgbClr val="A5A5A5"/>
+      </a:accent3>
+      <a:accent4>
+        <a:srgbClr val="FFC000"/>
+      </a:accent4>
+      <a:accent5>
+        <a:srgbClr val="5B9BD5"/>
+      </a:accent5>
+      <a:accent6>
+        <a:srgbClr val="70AD47"/>
+      </a:accent6>
+      <a:hlink>
+        <a:srgbClr val="0563C1"/>
+      </a:hlink>
+      <a:folHlink>
+        <a:srgbClr val="954F72"/>
+      </a:folHlink>
+    </a:clrScheme>
+    <a:fontScheme name="Office">
+      <a:majorFont>
+        <a:latin typeface="Calibri Light" panose="020F0302020204030204"/>
+        <a:ea typeface=""/>
+        <a:cs typeface=""/>
+        <a:font script="Jpan" typeface="游ゴシック Light"/>
+        <a:font script="Hang" typeface="맑은 고딕"/>
+        <a:font script="Hans" typeface="等线 Light"/>
+        <a:font script="Hant" typeface="新細明體"/>
+        <a:font script="Arab" typeface="Times New Roman"/>
+        <a:font script="Hebr" typeface="Times New Roman"/>
+        <a:font script="Thai" typeface="Angsana New"/>
+        <a:font script="Ethi" typeface="Nyala"/>
+        <a:font script="Beng" typeface="Vrinda"/>
+        <a:font script="Gujr" typeface="Shruti"/>
+        <a:font script="Khmr" typeface="MoolBoran"/>
+        <a:font script="Knda" typeface="Tunga"/>
+        <a:font script="Guru" typeface="Raavi"/>
+        <a:font script="Cans" typeface="Euphemia"/>
+        <a:font script="Cher" typeface="Plantagenet Cherokee"/>
+        <a:font script="Yiii" typeface="Microsoft Yi Baiti"/>
+        <a:font script="Tibt" typeface="Microsoft Himalaya"/>
+        <a:font script="Thaa" typeface="MV Boli"/>
+        <a:font script="Deva" typeface="Mangal"/>
+        <a:font script="Telu" typeface="Gautami"/>
+        <a:font script="Taml" typeface="Latha"/>
+        <a:font script="Syrc" typeface="Estrangelo Edessa"/>
+        <a:font script="Orya" typeface="Kalinga"/>
+        <a:font script="Mlym" typeface="Kartika"/>
+        <a:font script="Laoo" typeface="DokChampa"/>
+        <a:font script="Sinh" typeface="Iskoola Pota"/>
+        <a:font script="Mong" typeface="Mongolian Baiti"/>
+        <a:font script="Viet" typeface="Times New Roman"/>
+        <a:font script="Uigh" typeface="Microsoft Uighur"/>
+        <a:font script="Geor" typeface="Sylfaen"/>
+        <a:font script="Armn" typeface="Arial"/>
+        <a:font script="Bugi" typeface="Leelawadee UI"/>
+        <a:font script="Bopo" typeface="Microsoft JhengHei"/>
+        <a:font script="Java" typeface="Javanese Text"/>
+        <a:font script="Lisu" typeface="Segoe UI"/>
+        <a:font script="Mymr" typeface="Myanmar Text"/>
+        <a:font script="Nkoo" typeface="Ebrima"/>
+        <a:font script="Olck" typeface="Nirmala UI"/>
+        <a:font script="Osma" typeface="Ebrima"/>
+        <a:font script="Phag" typeface="Phagspa"/>
+        <a:font script="Syrn" typeface="Estrangelo Edessa"/>
+        <a:font script="Syrj" typeface="Estrangelo Edessa"/>
+        <a:font script="Syre" typeface="Estrangelo Edessa"/>
+        <a:font script="Sora" typeface="Nirmala UI"/>
+        <a:font script="Tale" typeface="Microsoft Tai Le"/>
+        <a:font script="Talu" typeface="Microsoft New Tai Lue"/>
+        <a:font script="Tfng" typeface="Ebrima"/>
+      </a:majorFont>
+      <a:minorFont>
+        <a:latin typeface="Calibri" panose="020F0502020204030204"/>
+        <a:ea typeface=""/>
+        <a:cs typeface=""/>
+        <a:font script="Jpan" typeface="游ゴシック"/>
+        <a:font script="Hang" typeface="맑은 고딕"/>
+        <a:font script="Hans" typeface="等线"/>
+        <a:font script="Hant" typeface="新細明體"/>
+        <a:font script="Arab" typeface="Arial"/>
+        <a:font script="Hebr" typeface="Arial"/>
+        <a:font script="Thai" typeface="Cordia New"/>
+        <a:font script="Ethi" typeface="Nyala"/>
+        <a:font script="Beng" typeface="Vrinda"/>
+        <a:font script="Gujr" typeface="Shruti"/>
+        <a:font script="Khmr" typeface="DaunPenh"/>
+        <a:font script="Knda" typeface="Tunga"/>
+        <a:font script="Guru" typeface="Raavi"/>
+        <a:font script="Cans" typeface="Euphemia"/>
+        <a:font script="Cher" typeface="Plantagenet Cherokee"/>
+        <a:font script="Yiii" typeface="Microsoft Yi Baiti"/>
+        <a:font script="Tibt" typeface="Microsoft Himalaya"/>
+        <a:font script="Thaa" typeface="MV Boli"/>
+        <a:font script="Deva" typeface="Mangal"/>
+        <a:font script="Telu" typeface="Gautami"/>
+        <a:font script="Taml" typeface="Latha"/>
+        <a:font script="Syrc" typeface="Estrangelo Edessa"/>
+        <a:font script="Orya" typeface="Kalinga"/>
+        <a:font script="Mlym" typeface="Kartika"/>
+        <a:font script="Laoo" typeface="DokChampa"/>
+        <a:font script="Sinh" typeface="Iskoola Pota"/>
+        <a:font script="Mong" typeface="Mongolian Baiti"/>
+        <a:font script="Viet" typeface="Arial"/>
+        <a:font script="Uigh" typeface="Microsoft Uighur"/>
+        <a:font script="Geor" typeface="Sylfaen"/>
+        <a:font script="Armn" typeface="Arial"/>
+        <a:font script="Bugi" typeface="Leelawadee UI"/>
+        <a:font script="Bopo" typeface="Microsoft JhengHei"/>
+        <a:font script="Java" typeface="Javanese Text"/>
+        <a:font script="Lisu" typeface="Segoe UI"/>
+        <a:font script="Mymr" typeface="Myanmar Text"/>
+        <a:font script="Nkoo" typeface="Ebrima"/>
+        <a:font script="Olck" typeface="Nirmala UI"/>
+        <a:font script="Osma" typeface="Ebrima"/>
+        <a:font script="Phag" typeface="Phagspa"/>
+        <a:font script="Syrn" typeface="Estrangelo Edessa"/>
+        <a:font script="Syrj" typeface="Estrangelo Edessa"/>
+        <a:font script="Syre" typeface="Estrangelo Edessa"/>
+        <a:font script="Sora" typeface="Nirmala UI"/>
+        <a:font script="Tale" typeface="Microsoft Tai Le"/>
+        <a:font script="Talu" typeface="Microsoft New Tai Lue"/>
+        <a:font script="Tfng" typeface="Ebrima"/>
+      </a:minorFont>
+    </a:fontScheme>
+    <a:fmtScheme name="Office">
+      <a:fillStyleLst>
+        <a:solidFill>
+          <a:schemeClr val="phClr"/>
+        </a:solidFill>
+        <a:gradFill rotWithShape="1">
+          <a:gsLst>
+            <a:gs pos="0">
+              <a:schemeClr val="phClr">
+                <a:lumMod val="110000"/>
+                <a:satMod val="105000"/>
+                <a:tint val="67000"/>
+              </a:schemeClr>
+            </a:gs>
+            <a:gs pos="50000">
+              <a:schemeClr val="phClr">
+                <a:lumMod val="105000"/>
+                <a:satMod val="103000"/>
+                <a:tint val="73000"/>
+              </a:schemeClr>
+            </a:gs>
+            <a:gs pos="100000">
+              <a:schemeClr val="phClr">
+                <a:lumMod val="105000"/>
+                <a:satMod val="109000"/>
+                <a:tint val="81000"/>
+              </a:schemeClr>
+            </a:gs>
+          </a:gsLst>
+          <a:lin ang="5400000" scaled="0"/>
+        </a:gradFill>
+        <a:gradFill rotWithShape="1">
+          <a:gsLst>
+            <a:gs pos="0">
+              <a:schemeClr val="phClr">
+                <a:satMod val="103000"/>
+                <a:lumMod val="102000"/>
+                <a:tint val="94000"/>
+              </a:schemeClr>
+            </a:gs>
+            <a:gs pos="50000">
+              <a:schemeClr val="phClr">
+                <a:satMod val="110000"/>
+                <a:lumMod val="100000"/>
+                <a:shade val="100000"/>
+              </a:schemeClr>
+            </a:gs>
+            <a:gs pos="100000">
+              <a:schemeClr val="phClr">
+                <a:lumMod val="99000"/>
+                <a:satMod val="120000"/>
+                <a:shade val="78000"/>
+              </a:schemeClr>
+            </a:gs>
+          </a:gsLst>
+          <a:lin ang="5400000" scaled="0"/>
+        </a:gradFill>
+      </a:fillStyleLst>
+      <a:lnStyleLst>
+        <a:ln w="6350" cap="flat" cmpd="sng" algn="ctr">
+          <a:solidFill>
+            <a:schemeClr val="phClr"/>
+          </a:solidFill>
+          <a:prstDash val="solid"/>
+          <a:miter lim="800000"/>
+        </a:ln>
+        <a:ln w="12700" cap="flat" cmpd="sng" algn="ctr">
+          <a:solidFill>
+            <a:schemeClr val="phClr"/>
+          </a:solidFill>
+          <a:prstDash val="solid"/>
+          <a:miter lim="800000"/>
+        </a:ln>
+        <a:ln w="19050" cap="flat" cmpd="sng" algn="ctr">
+          <a:solidFill>
+            <a:schemeClr val="phClr"/>
+          </a:solidFill>
+          <a:prstDash val="solid"/>
+          <a:miter lim="800000"/>
+        </a:ln>
+      </a:lnStyleLst>
+      <a:effectStyleLst>
+        <a:effectStyle>
+          <a:effectLst/>
+        </a:effectStyle>
+        <a:effectStyle>
+          <a:effectLst/>
+        </a:effectStyle>
+        <a:effectStyle>
+          <a:effectLst>
+            <a:outerShdw blurRad="57150" dist="19050" dir="5400000" algn="ctr" rotWithShape="0">
+              <a:srgbClr val="000000">
+                <a:alpha val="63000"/>
+              </a:srgbClr>
+            </a:outerShdw>
+          </a:effectLst>
+        </a:effectStyle>
+      </a:effectStyleLst>
+      <a:bgFillStyleLst>
+        <a:solidFill>
+          <a:schemeClr val="phClr"/>
+        </a:solidFill>
+        <a:solidFill>
+          <a:schemeClr val="phClr">
+            <a:tint val="95000"/>
+            <a:satMod val="170000"/>
+          </a:schemeClr>
+        </a:solidFill>
+        <a:gradFill rotWithShape="1">
+          <a:gsLst>
+            <a:gs pos="0">
+              <a:schemeClr val="phClr">
+                <a:tint val="93000"/>
+                <a:satMod val="150000"/>
+                <a:shade val="98000"/>
+                <a:lumMod val="102000"/>
+              </a:schemeClr>
+            </a:gs>
+            <a:gs pos="50000">
+              <a:schemeClr val="phClr">
+                <a:tint val="98000"/>
+                <a:satMod val="130000"/>
+                <a:shade val="90000"/>
+                <a:lumMod val="103000"/>
+              </a:schemeClr>
+            </a:gs>
+            <a:gs pos="100000">
+              <a:schemeClr val="phClr">
+                <a:shade val="63000"/>
+                <a:satMod val="120000"/>
+              </a:schemeClr>
+            </a:gs>
+          </a:gsLst>
+          <a:lin ang="5400000" scaled="0"/>
+        </a:gradFill>
+      </a:bgFillStyleLst>
+    </a:fmtScheme>
+  </a:themeElements>
+  <a:objectDefaults/>
+  <a:extraClrSchemeLst/>
+  <a:extLst>
+    <a:ext uri="{05A4C25C-085E-4340-85A3-A5531E510DB2}">
+      <thm15:themeFamily xmlns:thm15="http://schemas.microsoft.com/office/thememl/2012/main" name="Office Theme" id="{62F939B6-93AF-4DB8-9C6B-D6C7DFDC589F}" vid="{4A3C46E8-61CC-4603-A589-7422A47A8E4A}"/>
+    </a:ext>
+  </a:extLst>
+</a:theme>
 </file>